--- a/notebooks/sklearn/fundamentals/assets/aprendizaje.pptx
+++ b/notebooks/sklearn/fundamentals/assets/aprendizaje.pptx
@@ -6,6 +6,11 @@
   </p:sldMasterIdLst>
   <p:sldIdLst>
     <p:sldId id="256" r:id="rId2"/>
+    <p:sldId id="257" r:id="rId3"/>
+    <p:sldId id="258" r:id="rId4"/>
+    <p:sldId id="259" r:id="rId5"/>
+    <p:sldId id="260" r:id="rId6"/>
+    <p:sldId id="261" r:id="rId7"/>
   </p:sldIdLst>
   <p:sldSz cx="12192000" cy="6858000"/>
   <p:notesSz cx="6858000" cy="9144000"/>
@@ -104,6 +109,11 @@
       </a:defRPr>
     </a:lvl9pPr>
   </p:defaultTextStyle>
+  <p:extLst>
+    <p:ext uri="{EFAFB233-063F-42B5-8137-9DF3F51BA10A}">
+      <p15:sldGuideLst xmlns:p15="http://schemas.microsoft.com/office/powerpoint/2012/main"/>
+    </p:ext>
+  </p:extLst>
 </p:presentation>
 </file>
 
@@ -256,7 +266,7 @@
           <a:p>
             <a:fld id="{670763E0-D407-4744-8096-8274544ABEC9}" type="datetimeFigureOut">
               <a:rPr lang="es-CO" smtClean="0"/>
-              <a:t>26/03/20</a:t>
+              <a:t>25/03/21</a:t>
             </a:fld>
             <a:endParaRPr lang="es-CO"/>
           </a:p>
@@ -456,7 +466,7 @@
           <a:p>
             <a:fld id="{670763E0-D407-4744-8096-8274544ABEC9}" type="datetimeFigureOut">
               <a:rPr lang="es-CO" smtClean="0"/>
-              <a:t>26/03/20</a:t>
+              <a:t>25/03/21</a:t>
             </a:fld>
             <a:endParaRPr lang="es-CO"/>
           </a:p>
@@ -666,7 +676,7 @@
           <a:p>
             <a:fld id="{670763E0-D407-4744-8096-8274544ABEC9}" type="datetimeFigureOut">
               <a:rPr lang="es-CO" smtClean="0"/>
-              <a:t>26/03/20</a:t>
+              <a:t>25/03/21</a:t>
             </a:fld>
             <a:endParaRPr lang="es-CO"/>
           </a:p>
@@ -866,7 +876,7 @@
           <a:p>
             <a:fld id="{670763E0-D407-4744-8096-8274544ABEC9}" type="datetimeFigureOut">
               <a:rPr lang="es-CO" smtClean="0"/>
-              <a:t>26/03/20</a:t>
+              <a:t>25/03/21</a:t>
             </a:fld>
             <a:endParaRPr lang="es-CO"/>
           </a:p>
@@ -1142,7 +1152,7 @@
           <a:p>
             <a:fld id="{670763E0-D407-4744-8096-8274544ABEC9}" type="datetimeFigureOut">
               <a:rPr lang="es-CO" smtClean="0"/>
-              <a:t>26/03/20</a:t>
+              <a:t>25/03/21</a:t>
             </a:fld>
             <a:endParaRPr lang="es-CO"/>
           </a:p>
@@ -1410,7 +1420,7 @@
           <a:p>
             <a:fld id="{670763E0-D407-4744-8096-8274544ABEC9}" type="datetimeFigureOut">
               <a:rPr lang="es-CO" smtClean="0"/>
-              <a:t>26/03/20</a:t>
+              <a:t>25/03/21</a:t>
             </a:fld>
             <a:endParaRPr lang="es-CO"/>
           </a:p>
@@ -1825,7 +1835,7 @@
           <a:p>
             <a:fld id="{670763E0-D407-4744-8096-8274544ABEC9}" type="datetimeFigureOut">
               <a:rPr lang="es-CO" smtClean="0"/>
-              <a:t>26/03/20</a:t>
+              <a:t>25/03/21</a:t>
             </a:fld>
             <a:endParaRPr lang="es-CO"/>
           </a:p>
@@ -1967,7 +1977,7 @@
           <a:p>
             <a:fld id="{670763E0-D407-4744-8096-8274544ABEC9}" type="datetimeFigureOut">
               <a:rPr lang="es-CO" smtClean="0"/>
-              <a:t>26/03/20</a:t>
+              <a:t>25/03/21</a:t>
             </a:fld>
             <a:endParaRPr lang="es-CO"/>
           </a:p>
@@ -2080,7 +2090,7 @@
           <a:p>
             <a:fld id="{670763E0-D407-4744-8096-8274544ABEC9}" type="datetimeFigureOut">
               <a:rPr lang="es-CO" smtClean="0"/>
-              <a:t>26/03/20</a:t>
+              <a:t>25/03/21</a:t>
             </a:fld>
             <a:endParaRPr lang="es-CO"/>
           </a:p>
@@ -2393,7 +2403,7 @@
           <a:p>
             <a:fld id="{670763E0-D407-4744-8096-8274544ABEC9}" type="datetimeFigureOut">
               <a:rPr lang="es-CO" smtClean="0"/>
-              <a:t>26/03/20</a:t>
+              <a:t>25/03/21</a:t>
             </a:fld>
             <a:endParaRPr lang="es-CO"/>
           </a:p>
@@ -2682,7 +2692,7 @@
           <a:p>
             <a:fld id="{670763E0-D407-4744-8096-8274544ABEC9}" type="datetimeFigureOut">
               <a:rPr lang="es-CO" smtClean="0"/>
-              <a:t>26/03/20</a:t>
+              <a:t>25/03/21</a:t>
             </a:fld>
             <a:endParaRPr lang="es-CO"/>
           </a:p>
@@ -2925,7 +2935,7 @@
           <a:p>
             <a:fld id="{670763E0-D407-4744-8096-8274544ABEC9}" type="datetimeFigureOut">
               <a:rPr lang="es-CO" smtClean="0"/>
-              <a:t>26/03/20</a:t>
+              <a:t>25/03/21</a:t>
             </a:fld>
             <a:endParaRPr lang="es-CO"/>
           </a:p>
@@ -4424,6 +4434,6722 @@
 </p:sld>
 </file>
 
+<file path=ppt/slides/slide2.xml><?xml version="1.0" encoding="utf-8"?>
+<p:sld xmlns:a="http://schemas.openxmlformats.org/drawingml/2006/main" xmlns:r="http://schemas.openxmlformats.org/officeDocument/2006/relationships" xmlns:p="http://schemas.openxmlformats.org/presentationml/2006/main">
+  <p:cSld>
+    <p:spTree>
+      <p:nvGrpSpPr>
+        <p:cNvPr id="1" name=""/>
+        <p:cNvGrpSpPr/>
+        <p:nvPr/>
+      </p:nvGrpSpPr>
+      <p:grpSpPr>
+        <a:xfrm>
+          <a:off x="0" y="0"/>
+          <a:ext cx="0" cy="0"/>
+          <a:chOff x="0" y="0"/>
+          <a:chExt cx="0" cy="0"/>
+        </a:xfrm>
+      </p:grpSpPr>
+      <p:grpSp>
+        <p:nvGrpSpPr>
+          <p:cNvPr id="45" name="Grupo 44">
+            <a:extLst>
+              <a:ext uri="{FF2B5EF4-FFF2-40B4-BE49-F238E27FC236}">
+                <a16:creationId xmlns:a16="http://schemas.microsoft.com/office/drawing/2014/main" id="{663F897D-B35B-5142-A204-C9EA87FDC08E}"/>
+              </a:ext>
+            </a:extLst>
+          </p:cNvPr>
+          <p:cNvGrpSpPr/>
+          <p:nvPr/>
+        </p:nvGrpSpPr>
+        <p:grpSpPr>
+          <a:xfrm>
+            <a:off x="2337389" y="1436395"/>
+            <a:ext cx="4232118" cy="3598700"/>
+            <a:chOff x="2570655" y="1072500"/>
+            <a:chExt cx="4232118" cy="3598700"/>
+          </a:xfrm>
+        </p:grpSpPr>
+        <p:cxnSp>
+          <p:nvCxnSpPr>
+            <p:cNvPr id="33" name="Conector recto 32">
+              <a:extLst>
+                <a:ext uri="{FF2B5EF4-FFF2-40B4-BE49-F238E27FC236}">
+                  <a16:creationId xmlns:a16="http://schemas.microsoft.com/office/drawing/2014/main" id="{0403E1B6-5DC7-454C-B11C-9F5B1BBCC035}"/>
+                </a:ext>
+              </a:extLst>
+            </p:cNvPr>
+            <p:cNvCxnSpPr>
+              <a:cxnSpLocks/>
+            </p:cNvCxnSpPr>
+            <p:nvPr/>
+          </p:nvCxnSpPr>
+          <p:spPr>
+            <a:xfrm flipV="1">
+              <a:off x="3580211" y="1654025"/>
+              <a:ext cx="2726152" cy="2640915"/>
+            </a:xfrm>
+            <a:prstGeom prst="line">
+              <a:avLst/>
+            </a:prstGeom>
+            <a:ln w="38100">
+              <a:solidFill>
+                <a:srgbClr val="FF0000"/>
+              </a:solidFill>
+              <a:prstDash val="dash"/>
+            </a:ln>
+          </p:spPr>
+          <p:style>
+            <a:lnRef idx="1">
+              <a:schemeClr val="accent1"/>
+            </a:lnRef>
+            <a:fillRef idx="0">
+              <a:schemeClr val="accent1"/>
+            </a:fillRef>
+            <a:effectRef idx="0">
+              <a:schemeClr val="accent1"/>
+            </a:effectRef>
+            <a:fontRef idx="minor">
+              <a:schemeClr val="tx1"/>
+            </a:fontRef>
+          </p:style>
+        </p:cxnSp>
+        <p:cxnSp>
+          <p:nvCxnSpPr>
+            <p:cNvPr id="4" name="Conector recto de flecha 3">
+              <a:extLst>
+                <a:ext uri="{FF2B5EF4-FFF2-40B4-BE49-F238E27FC236}">
+                  <a16:creationId xmlns:a16="http://schemas.microsoft.com/office/drawing/2014/main" id="{5810A244-F18B-AF44-A1F1-779956040044}"/>
+                </a:ext>
+              </a:extLst>
+            </p:cNvPr>
+            <p:cNvCxnSpPr>
+              <a:cxnSpLocks/>
+            </p:cNvCxnSpPr>
+            <p:nvPr/>
+          </p:nvCxnSpPr>
+          <p:spPr>
+            <a:xfrm flipV="1">
+              <a:off x="2751887" y="1257166"/>
+              <a:ext cx="0" cy="3219006"/>
+            </a:xfrm>
+            <a:prstGeom prst="straightConnector1">
+              <a:avLst/>
+            </a:prstGeom>
+            <a:ln w="15875">
+              <a:solidFill>
+                <a:schemeClr val="tx1"/>
+              </a:solidFill>
+              <a:tailEnd type="stealth"/>
+            </a:ln>
+          </p:spPr>
+          <p:style>
+            <a:lnRef idx="1">
+              <a:schemeClr val="accent1"/>
+            </a:lnRef>
+            <a:fillRef idx="0">
+              <a:schemeClr val="accent1"/>
+            </a:fillRef>
+            <a:effectRef idx="0">
+              <a:schemeClr val="accent1"/>
+            </a:effectRef>
+            <a:fontRef idx="minor">
+              <a:schemeClr val="tx1"/>
+            </a:fontRef>
+          </p:style>
+        </p:cxnSp>
+        <p:cxnSp>
+          <p:nvCxnSpPr>
+            <p:cNvPr id="6" name="Conector recto de flecha 5">
+              <a:extLst>
+                <a:ext uri="{FF2B5EF4-FFF2-40B4-BE49-F238E27FC236}">
+                  <a16:creationId xmlns:a16="http://schemas.microsoft.com/office/drawing/2014/main" id="{545B9D15-1568-3E47-BFA3-A85F0E8BE3E0}"/>
+                </a:ext>
+              </a:extLst>
+            </p:cNvPr>
+            <p:cNvCxnSpPr>
+              <a:cxnSpLocks/>
+            </p:cNvCxnSpPr>
+            <p:nvPr/>
+          </p:nvCxnSpPr>
+          <p:spPr>
+            <a:xfrm>
+              <a:off x="2570655" y="4294939"/>
+              <a:ext cx="4232118" cy="0"/>
+            </a:xfrm>
+            <a:prstGeom prst="straightConnector1">
+              <a:avLst/>
+            </a:prstGeom>
+            <a:ln w="15875">
+              <a:solidFill>
+                <a:schemeClr val="tx1"/>
+              </a:solidFill>
+              <a:tailEnd type="stealth"/>
+            </a:ln>
+          </p:spPr>
+          <p:style>
+            <a:lnRef idx="1">
+              <a:schemeClr val="accent1"/>
+            </a:lnRef>
+            <a:fillRef idx="0">
+              <a:schemeClr val="accent1"/>
+            </a:fillRef>
+            <a:effectRef idx="0">
+              <a:schemeClr val="accent1"/>
+            </a:effectRef>
+            <a:fontRef idx="minor">
+              <a:schemeClr val="tx1"/>
+            </a:fontRef>
+          </p:style>
+        </p:cxnSp>
+        <p:sp>
+          <p:nvSpPr>
+            <p:cNvPr id="13" name="Forma libre 12">
+              <a:extLst>
+                <a:ext uri="{FF2B5EF4-FFF2-40B4-BE49-F238E27FC236}">
+                  <a16:creationId xmlns:a16="http://schemas.microsoft.com/office/drawing/2014/main" id="{CB8C35A6-E8F1-F444-8515-F29430F8C14A}"/>
+                </a:ext>
+              </a:extLst>
+            </p:cNvPr>
+            <p:cNvSpPr/>
+            <p:nvPr/>
+          </p:nvSpPr>
+          <p:spPr>
+            <a:xfrm>
+              <a:off x="2570655" y="1469359"/>
+              <a:ext cx="3484605" cy="2644347"/>
+            </a:xfrm>
+            <a:custGeom>
+              <a:avLst/>
+              <a:gdLst>
+                <a:gd name="connsiteX0" fmla="*/ 0 w 3237470"/>
+                <a:gd name="connsiteY0" fmla="*/ 2409568 h 2409568"/>
+                <a:gd name="connsiteX1" fmla="*/ 1606379 w 3237470"/>
+                <a:gd name="connsiteY1" fmla="*/ 1915298 h 2409568"/>
+                <a:gd name="connsiteX2" fmla="*/ 3237470 w 3237470"/>
+                <a:gd name="connsiteY2" fmla="*/ 0 h 2409568"/>
+                <a:gd name="connsiteX0" fmla="*/ 0 w 3237470"/>
+                <a:gd name="connsiteY0" fmla="*/ 2409568 h 2409568"/>
+                <a:gd name="connsiteX1" fmla="*/ 2001795 w 3237470"/>
+                <a:gd name="connsiteY1" fmla="*/ 1828800 h 2409568"/>
+                <a:gd name="connsiteX2" fmla="*/ 3237470 w 3237470"/>
+                <a:gd name="connsiteY2" fmla="*/ 0 h 2409568"/>
+                <a:gd name="connsiteX0" fmla="*/ 0 w 3237470"/>
+                <a:gd name="connsiteY0" fmla="*/ 2409568 h 2409568"/>
+                <a:gd name="connsiteX1" fmla="*/ 2001795 w 3237470"/>
+                <a:gd name="connsiteY1" fmla="*/ 1828800 h 2409568"/>
+                <a:gd name="connsiteX2" fmla="*/ 3237470 w 3237470"/>
+                <a:gd name="connsiteY2" fmla="*/ 0 h 2409568"/>
+                <a:gd name="connsiteX0" fmla="*/ 0 w 3484605"/>
+                <a:gd name="connsiteY0" fmla="*/ 2644347 h 2644347"/>
+                <a:gd name="connsiteX1" fmla="*/ 2001795 w 3484605"/>
+                <a:gd name="connsiteY1" fmla="*/ 2063579 h 2644347"/>
+                <a:gd name="connsiteX2" fmla="*/ 3484605 w 3484605"/>
+                <a:gd name="connsiteY2" fmla="*/ 0 h 2644347"/>
+                <a:gd name="connsiteX0" fmla="*/ 0 w 3484605"/>
+                <a:gd name="connsiteY0" fmla="*/ 2644347 h 2644347"/>
+                <a:gd name="connsiteX1" fmla="*/ 2001795 w 3484605"/>
+                <a:gd name="connsiteY1" fmla="*/ 2063579 h 2644347"/>
+                <a:gd name="connsiteX2" fmla="*/ 3484605 w 3484605"/>
+                <a:gd name="connsiteY2" fmla="*/ 0 h 2644347"/>
+              </a:gdLst>
+              <a:ahLst/>
+              <a:cxnLst>
+                <a:cxn ang="0">
+                  <a:pos x="connsiteX0" y="connsiteY0"/>
+                </a:cxn>
+                <a:cxn ang="0">
+                  <a:pos x="connsiteX1" y="connsiteY1"/>
+                </a:cxn>
+                <a:cxn ang="0">
+                  <a:pos x="connsiteX2" y="connsiteY2"/>
+                </a:cxn>
+              </a:cxnLst>
+              <a:rect l="l" t="t" r="r" b="b"/>
+              <a:pathLst>
+                <a:path w="3484605" h="2644347">
+                  <a:moveTo>
+                    <a:pt x="0" y="2644347"/>
+                  </a:moveTo>
+                  <a:cubicBezTo>
+                    <a:pt x="533400" y="2598009"/>
+                    <a:pt x="1462217" y="2465174"/>
+                    <a:pt x="2001795" y="2063579"/>
+                  </a:cubicBezTo>
+                  <a:cubicBezTo>
+                    <a:pt x="2541373" y="1661984"/>
+                    <a:pt x="3198340" y="942203"/>
+                    <a:pt x="3484605" y="0"/>
+                  </a:cubicBezTo>
+                </a:path>
+              </a:pathLst>
+            </a:custGeom>
+            <a:noFill/>
+            <a:ln w="25400">
+              <a:solidFill>
+                <a:schemeClr val="tx1"/>
+              </a:solidFill>
+            </a:ln>
+          </p:spPr>
+          <p:style>
+            <a:lnRef idx="2">
+              <a:schemeClr val="accent1">
+                <a:shade val="50000"/>
+              </a:schemeClr>
+            </a:lnRef>
+            <a:fillRef idx="1">
+              <a:schemeClr val="accent1"/>
+            </a:fillRef>
+            <a:effectRef idx="0">
+              <a:schemeClr val="accent1"/>
+            </a:effectRef>
+            <a:fontRef idx="minor">
+              <a:schemeClr val="lt1"/>
+            </a:fontRef>
+          </p:style>
+          <p:txBody>
+            <a:bodyPr rtlCol="0" anchor="ctr"/>
+            <a:lstStyle/>
+            <a:p>
+              <a:pPr algn="ctr"/>
+              <a:endParaRPr lang="es-CO"/>
+            </a:p>
+          </p:txBody>
+        </p:sp>
+        <mc:AlternateContent xmlns:mc="http://schemas.openxmlformats.org/markup-compatibility/2006">
+          <mc:Choice xmlns:a14="http://schemas.microsoft.com/office/drawing/2010/main" Requires="a14">
+            <p:sp>
+              <p:nvSpPr>
+                <p:cNvPr id="14" name="CuadroTexto 13">
+                  <a:extLst>
+                    <a:ext uri="{FF2B5EF4-FFF2-40B4-BE49-F238E27FC236}">
+                      <a16:creationId xmlns:a16="http://schemas.microsoft.com/office/drawing/2014/main" id="{2C361FE4-1CE4-A24E-9A20-9AE2A1BC6392}"/>
+                    </a:ext>
+                  </a:extLst>
+                </p:cNvPr>
+                <p:cNvSpPr txBox="1"/>
+                <p:nvPr/>
+              </p:nvSpPr>
+              <p:spPr>
+                <a:xfrm>
+                  <a:off x="5490810" y="1072500"/>
+                  <a:ext cx="1128899" cy="369332"/>
+                </a:xfrm>
+                <a:prstGeom prst="rect">
+                  <a:avLst/>
+                </a:prstGeom>
+                <a:noFill/>
+              </p:spPr>
+              <p:txBody>
+                <a:bodyPr wrap="none" rtlCol="0">
+                  <a:spAutoFit/>
+                </a:bodyPr>
+                <a:lstStyle/>
+                <a:p>
+                  <a14:m>
+                    <m:oMathPara xmlns:m="http://schemas.openxmlformats.org/officeDocument/2006/math">
+                      <m:oMathParaPr>
+                        <m:jc m:val="centerGroup"/>
+                      </m:oMathParaPr>
+                      <m:oMath xmlns:m="http://schemas.openxmlformats.org/officeDocument/2006/math">
+                        <m:r>
+                          <a:rPr lang="es-ES" b="0" i="1" smtClean="0">
+                            <a:latin typeface="Cambria Math" panose="02040503050406030204" pitchFamily="18" charset="0"/>
+                          </a:rPr>
+                          <m:t>𝑦</m:t>
+                        </m:r>
+                        <m:r>
+                          <a:rPr lang="es-ES" b="0" i="1" smtClean="0">
+                            <a:latin typeface="Cambria Math" panose="02040503050406030204" pitchFamily="18" charset="0"/>
+                          </a:rPr>
+                          <m:t>=</m:t>
+                        </m:r>
+                        <m:r>
+                          <a:rPr lang="es-ES" b="0" i="1" smtClean="0">
+                            <a:latin typeface="Cambria Math" panose="02040503050406030204" pitchFamily="18" charset="0"/>
+                          </a:rPr>
+                          <m:t>𝑓</m:t>
+                        </m:r>
+                        <m:r>
+                          <a:rPr lang="es-ES" b="0" i="1" smtClean="0">
+                            <a:latin typeface="Cambria Math" panose="02040503050406030204" pitchFamily="18" charset="0"/>
+                          </a:rPr>
+                          <m:t>(</m:t>
+                        </m:r>
+                        <m:r>
+                          <a:rPr lang="es-ES" b="0" i="1" smtClean="0">
+                            <a:latin typeface="Cambria Math" panose="02040503050406030204" pitchFamily="18" charset="0"/>
+                          </a:rPr>
+                          <m:t>𝑥</m:t>
+                        </m:r>
+                        <m:r>
+                          <a:rPr lang="es-ES" b="0" i="1" smtClean="0">
+                            <a:latin typeface="Cambria Math" panose="02040503050406030204" pitchFamily="18" charset="0"/>
+                          </a:rPr>
+                          <m:t>)</m:t>
+                        </m:r>
+                      </m:oMath>
+                    </m:oMathPara>
+                  </a14:m>
+                  <a:endParaRPr lang="es-CO" dirty="0"/>
+                </a:p>
+              </p:txBody>
+            </p:sp>
+          </mc:Choice>
+          <mc:Fallback>
+            <p:sp>
+              <p:nvSpPr>
+                <p:cNvPr id="14" name="CuadroTexto 13">
+                  <a:extLst>
+                    <a:ext uri="{FF2B5EF4-FFF2-40B4-BE49-F238E27FC236}">
+                      <a16:creationId xmlns:a16="http://schemas.microsoft.com/office/drawing/2014/main" id="{2C361FE4-1CE4-A24E-9A20-9AE2A1BC6392}"/>
+                    </a:ext>
+                  </a:extLst>
+                </p:cNvPr>
+                <p:cNvSpPr txBox="1">
+                  <a:spLocks noRot="1" noChangeAspect="1" noMove="1" noResize="1" noEditPoints="1" noAdjustHandles="1" noChangeArrowheads="1" noChangeShapeType="1" noTextEdit="1"/>
+                </p:cNvSpPr>
+                <p:nvPr/>
+              </p:nvSpPr>
+              <p:spPr>
+                <a:xfrm>
+                  <a:off x="5490810" y="1072500"/>
+                  <a:ext cx="1128899" cy="369332"/>
+                </a:xfrm>
+                <a:prstGeom prst="rect">
+                  <a:avLst/>
+                </a:prstGeom>
+                <a:blipFill>
+                  <a:blip r:embed="rId2"/>
+                  <a:stretch>
+                    <a:fillRect b="-13333"/>
+                  </a:stretch>
+                </a:blipFill>
+              </p:spPr>
+              <p:txBody>
+                <a:bodyPr/>
+                <a:lstStyle/>
+                <a:p>
+                  <a:r>
+                    <a:rPr lang="es-CO">
+                      <a:noFill/>
+                    </a:rPr>
+                    <a:t> </a:t>
+                  </a:r>
+                </a:p>
+              </p:txBody>
+            </p:sp>
+          </mc:Fallback>
+        </mc:AlternateContent>
+        <p:sp>
+          <p:nvSpPr>
+            <p:cNvPr id="16" name="Elipse 15">
+              <a:extLst>
+                <a:ext uri="{FF2B5EF4-FFF2-40B4-BE49-F238E27FC236}">
+                  <a16:creationId xmlns:a16="http://schemas.microsoft.com/office/drawing/2014/main" id="{C3B38F6C-8E71-E347-A0A7-F2523EC41432}"/>
+                </a:ext>
+              </a:extLst>
+            </p:cNvPr>
+            <p:cNvSpPr/>
+            <p:nvPr/>
+          </p:nvSpPr>
+          <p:spPr>
+            <a:xfrm>
+              <a:off x="4051327" y="3718164"/>
+              <a:ext cx="140043" cy="140043"/>
+            </a:xfrm>
+            <a:prstGeom prst="ellipse">
+              <a:avLst/>
+            </a:prstGeom>
+            <a:solidFill>
+              <a:schemeClr val="tx1">
+                <a:lumMod val="75000"/>
+                <a:lumOff val="25000"/>
+              </a:schemeClr>
+            </a:solidFill>
+            <a:ln>
+              <a:solidFill>
+                <a:schemeClr val="tx1">
+                  <a:lumMod val="75000"/>
+                  <a:lumOff val="25000"/>
+                </a:schemeClr>
+              </a:solidFill>
+            </a:ln>
+          </p:spPr>
+          <p:style>
+            <a:lnRef idx="2">
+              <a:schemeClr val="accent1">
+                <a:shade val="50000"/>
+              </a:schemeClr>
+            </a:lnRef>
+            <a:fillRef idx="1">
+              <a:schemeClr val="accent1"/>
+            </a:fillRef>
+            <a:effectRef idx="0">
+              <a:schemeClr val="accent1"/>
+            </a:effectRef>
+            <a:fontRef idx="minor">
+              <a:schemeClr val="lt1"/>
+            </a:fontRef>
+          </p:style>
+          <p:txBody>
+            <a:bodyPr rtlCol="0" anchor="ctr"/>
+            <a:lstStyle/>
+            <a:p>
+              <a:pPr algn="ctr"/>
+              <a:endParaRPr lang="es-CO"/>
+            </a:p>
+          </p:txBody>
+        </p:sp>
+        <p:sp>
+          <p:nvSpPr>
+            <p:cNvPr id="17" name="Elipse 16">
+              <a:extLst>
+                <a:ext uri="{FF2B5EF4-FFF2-40B4-BE49-F238E27FC236}">
+                  <a16:creationId xmlns:a16="http://schemas.microsoft.com/office/drawing/2014/main" id="{EF31F8C9-8DDD-D149-B6CF-04F6E012E82F}"/>
+                </a:ext>
+              </a:extLst>
+            </p:cNvPr>
+            <p:cNvSpPr/>
+            <p:nvPr/>
+          </p:nvSpPr>
+          <p:spPr>
+            <a:xfrm>
+              <a:off x="5677421" y="2125740"/>
+              <a:ext cx="140043" cy="140043"/>
+            </a:xfrm>
+            <a:prstGeom prst="ellipse">
+              <a:avLst/>
+            </a:prstGeom>
+            <a:solidFill>
+              <a:schemeClr val="tx1">
+                <a:lumMod val="75000"/>
+                <a:lumOff val="25000"/>
+              </a:schemeClr>
+            </a:solidFill>
+            <a:ln>
+              <a:solidFill>
+                <a:schemeClr val="tx1">
+                  <a:lumMod val="75000"/>
+                  <a:lumOff val="25000"/>
+                </a:schemeClr>
+              </a:solidFill>
+            </a:ln>
+          </p:spPr>
+          <p:style>
+            <a:lnRef idx="2">
+              <a:schemeClr val="accent1">
+                <a:shade val="50000"/>
+              </a:schemeClr>
+            </a:lnRef>
+            <a:fillRef idx="1">
+              <a:schemeClr val="accent1"/>
+            </a:fillRef>
+            <a:effectRef idx="0">
+              <a:schemeClr val="accent1"/>
+            </a:effectRef>
+            <a:fontRef idx="minor">
+              <a:schemeClr val="lt1"/>
+            </a:fontRef>
+          </p:style>
+          <p:txBody>
+            <a:bodyPr rtlCol="0" anchor="ctr"/>
+            <a:lstStyle/>
+            <a:p>
+              <a:pPr algn="ctr"/>
+              <a:endParaRPr lang="es-CO"/>
+            </a:p>
+          </p:txBody>
+        </p:sp>
+        <p:cxnSp>
+          <p:nvCxnSpPr>
+            <p:cNvPr id="19" name="Conector recto 18">
+              <a:extLst>
+                <a:ext uri="{FF2B5EF4-FFF2-40B4-BE49-F238E27FC236}">
+                  <a16:creationId xmlns:a16="http://schemas.microsoft.com/office/drawing/2014/main" id="{EF2A85A7-39E4-9948-A2C1-5B7A10911A6C}"/>
+                </a:ext>
+              </a:extLst>
+            </p:cNvPr>
+            <p:cNvCxnSpPr>
+              <a:cxnSpLocks/>
+              <a:stCxn id="16" idx="4"/>
+            </p:cNvCxnSpPr>
+            <p:nvPr/>
+          </p:nvCxnSpPr>
+          <p:spPr>
+            <a:xfrm>
+              <a:off x="4121349" y="3858207"/>
+              <a:ext cx="0" cy="436732"/>
+            </a:xfrm>
+            <a:prstGeom prst="line">
+              <a:avLst/>
+            </a:prstGeom>
+            <a:ln w="12700">
+              <a:solidFill>
+                <a:schemeClr val="tx1"/>
+              </a:solidFill>
+              <a:prstDash val="dash"/>
+            </a:ln>
+          </p:spPr>
+          <p:style>
+            <a:lnRef idx="1">
+              <a:schemeClr val="accent1"/>
+            </a:lnRef>
+            <a:fillRef idx="0">
+              <a:schemeClr val="accent1"/>
+            </a:fillRef>
+            <a:effectRef idx="0">
+              <a:schemeClr val="accent1"/>
+            </a:effectRef>
+            <a:fontRef idx="minor">
+              <a:schemeClr val="tx1"/>
+            </a:fontRef>
+          </p:style>
+        </p:cxnSp>
+        <p:cxnSp>
+          <p:nvCxnSpPr>
+            <p:cNvPr id="21" name="Conector recto 20">
+              <a:extLst>
+                <a:ext uri="{FF2B5EF4-FFF2-40B4-BE49-F238E27FC236}">
+                  <a16:creationId xmlns:a16="http://schemas.microsoft.com/office/drawing/2014/main" id="{49AD58C5-F952-CD41-AD9B-1DFC9CE363A7}"/>
+                </a:ext>
+              </a:extLst>
+            </p:cNvPr>
+            <p:cNvCxnSpPr>
+              <a:cxnSpLocks/>
+            </p:cNvCxnSpPr>
+            <p:nvPr/>
+          </p:nvCxnSpPr>
+          <p:spPr>
+            <a:xfrm flipH="1">
+              <a:off x="5747442" y="2265783"/>
+              <a:ext cx="328" cy="2029156"/>
+            </a:xfrm>
+            <a:prstGeom prst="line">
+              <a:avLst/>
+            </a:prstGeom>
+            <a:ln w="12700">
+              <a:solidFill>
+                <a:schemeClr val="tx1"/>
+              </a:solidFill>
+              <a:prstDash val="dash"/>
+            </a:ln>
+          </p:spPr>
+          <p:style>
+            <a:lnRef idx="1">
+              <a:schemeClr val="accent1"/>
+            </a:lnRef>
+            <a:fillRef idx="0">
+              <a:schemeClr val="accent1"/>
+            </a:fillRef>
+            <a:effectRef idx="0">
+              <a:schemeClr val="accent1"/>
+            </a:effectRef>
+            <a:fontRef idx="minor">
+              <a:schemeClr val="tx1"/>
+            </a:fontRef>
+          </p:style>
+        </p:cxnSp>
+        <p:cxnSp>
+          <p:nvCxnSpPr>
+            <p:cNvPr id="23" name="Conector recto 22">
+              <a:extLst>
+                <a:ext uri="{FF2B5EF4-FFF2-40B4-BE49-F238E27FC236}">
+                  <a16:creationId xmlns:a16="http://schemas.microsoft.com/office/drawing/2014/main" id="{51ED9135-8FF7-D445-8232-D38ABD6ED721}"/>
+                </a:ext>
+              </a:extLst>
+            </p:cNvPr>
+            <p:cNvCxnSpPr>
+              <a:cxnSpLocks/>
+            </p:cNvCxnSpPr>
+            <p:nvPr/>
+          </p:nvCxnSpPr>
+          <p:spPr>
+            <a:xfrm>
+              <a:off x="2751887" y="3788185"/>
+              <a:ext cx="3554476" cy="0"/>
+            </a:xfrm>
+            <a:prstGeom prst="line">
+              <a:avLst/>
+            </a:prstGeom>
+            <a:ln w="12700">
+              <a:solidFill>
+                <a:schemeClr val="tx1"/>
+              </a:solidFill>
+              <a:prstDash val="dash"/>
+            </a:ln>
+          </p:spPr>
+          <p:style>
+            <a:lnRef idx="1">
+              <a:schemeClr val="accent1"/>
+            </a:lnRef>
+            <a:fillRef idx="0">
+              <a:schemeClr val="accent1"/>
+            </a:fillRef>
+            <a:effectRef idx="0">
+              <a:schemeClr val="accent1"/>
+            </a:effectRef>
+            <a:fontRef idx="minor">
+              <a:schemeClr val="tx1"/>
+            </a:fontRef>
+          </p:style>
+        </p:cxnSp>
+        <p:cxnSp>
+          <p:nvCxnSpPr>
+            <p:cNvPr id="26" name="Conector recto 25">
+              <a:extLst>
+                <a:ext uri="{FF2B5EF4-FFF2-40B4-BE49-F238E27FC236}">
+                  <a16:creationId xmlns:a16="http://schemas.microsoft.com/office/drawing/2014/main" id="{A6D92F33-797B-D648-92EC-0EE5550FD17A}"/>
+                </a:ext>
+              </a:extLst>
+            </p:cNvPr>
+            <p:cNvCxnSpPr>
+              <a:cxnSpLocks/>
+            </p:cNvCxnSpPr>
+            <p:nvPr/>
+          </p:nvCxnSpPr>
+          <p:spPr>
+            <a:xfrm>
+              <a:off x="2751887" y="2195761"/>
+              <a:ext cx="3554476" cy="0"/>
+            </a:xfrm>
+            <a:prstGeom prst="line">
+              <a:avLst/>
+            </a:prstGeom>
+            <a:ln w="12700">
+              <a:solidFill>
+                <a:schemeClr val="tx1"/>
+              </a:solidFill>
+              <a:prstDash val="dash"/>
+            </a:ln>
+          </p:spPr>
+          <p:style>
+            <a:lnRef idx="1">
+              <a:schemeClr val="accent1"/>
+            </a:lnRef>
+            <a:fillRef idx="0">
+              <a:schemeClr val="accent1"/>
+            </a:fillRef>
+            <a:effectRef idx="0">
+              <a:schemeClr val="accent1"/>
+            </a:effectRef>
+            <a:fontRef idx="minor">
+              <a:schemeClr val="tx1"/>
+            </a:fontRef>
+          </p:style>
+        </p:cxnSp>
+        <mc:AlternateContent xmlns:mc="http://schemas.openxmlformats.org/markup-compatibility/2006">
+          <mc:Choice xmlns:a14="http://schemas.microsoft.com/office/drawing/2010/main" Requires="a14">
+            <p:sp>
+              <p:nvSpPr>
+                <p:cNvPr id="28" name="CuadroTexto 27">
+                  <a:extLst>
+                    <a:ext uri="{FF2B5EF4-FFF2-40B4-BE49-F238E27FC236}">
+                      <a16:creationId xmlns:a16="http://schemas.microsoft.com/office/drawing/2014/main" id="{0B691D3C-321E-C74F-8DD6-4AE31B6707E9}"/>
+                    </a:ext>
+                  </a:extLst>
+                </p:cNvPr>
+                <p:cNvSpPr txBox="1"/>
+                <p:nvPr/>
+              </p:nvSpPr>
+              <p:spPr>
+                <a:xfrm>
+                  <a:off x="3883430" y="4301868"/>
+                  <a:ext cx="475836" cy="369332"/>
+                </a:xfrm>
+                <a:prstGeom prst="rect">
+                  <a:avLst/>
+                </a:prstGeom>
+                <a:noFill/>
+              </p:spPr>
+              <p:txBody>
+                <a:bodyPr wrap="none" rtlCol="0">
+                  <a:spAutoFit/>
+                </a:bodyPr>
+                <a:lstStyle/>
+                <a:p>
+                  <a14:m>
+                    <m:oMathPara xmlns:m="http://schemas.openxmlformats.org/officeDocument/2006/math">
+                      <m:oMathParaPr>
+                        <m:jc m:val="centerGroup"/>
+                      </m:oMathParaPr>
+                      <m:oMath xmlns:m="http://schemas.openxmlformats.org/officeDocument/2006/math">
+                        <m:sSub>
+                          <m:sSubPr>
+                            <m:ctrlPr>
+                              <a:rPr lang="es-ES" b="0" i="1" smtClean="0">
+                                <a:latin typeface="Cambria Math" panose="02040503050406030204" pitchFamily="18" charset="0"/>
+                              </a:rPr>
+                            </m:ctrlPr>
+                          </m:sSubPr>
+                          <m:e>
+                            <m:r>
+                              <a:rPr lang="es-ES" b="0" i="1" smtClean="0">
+                                <a:latin typeface="Cambria Math" panose="02040503050406030204" pitchFamily="18" charset="0"/>
+                              </a:rPr>
+                              <m:t>𝑥</m:t>
+                            </m:r>
+                          </m:e>
+                          <m:sub>
+                            <m:r>
+                              <a:rPr lang="es-ES" b="0" i="1" smtClean="0">
+                                <a:latin typeface="Cambria Math" panose="02040503050406030204" pitchFamily="18" charset="0"/>
+                              </a:rPr>
+                              <m:t>𝑘</m:t>
+                            </m:r>
+                          </m:sub>
+                        </m:sSub>
+                      </m:oMath>
+                    </m:oMathPara>
+                  </a14:m>
+                  <a:endParaRPr lang="es-CO" dirty="0"/>
+                </a:p>
+              </p:txBody>
+            </p:sp>
+          </mc:Choice>
+          <mc:Fallback>
+            <p:sp>
+              <p:nvSpPr>
+                <p:cNvPr id="28" name="CuadroTexto 27">
+                  <a:extLst>
+                    <a:ext uri="{FF2B5EF4-FFF2-40B4-BE49-F238E27FC236}">
+                      <a16:creationId xmlns:a16="http://schemas.microsoft.com/office/drawing/2014/main" id="{0B691D3C-321E-C74F-8DD6-4AE31B6707E9}"/>
+                    </a:ext>
+                  </a:extLst>
+                </p:cNvPr>
+                <p:cNvSpPr txBox="1">
+                  <a:spLocks noRot="1" noChangeAspect="1" noMove="1" noResize="1" noEditPoints="1" noAdjustHandles="1" noChangeArrowheads="1" noChangeShapeType="1" noTextEdit="1"/>
+                </p:cNvSpPr>
+                <p:nvPr/>
+              </p:nvSpPr>
+              <p:spPr>
+                <a:xfrm>
+                  <a:off x="3883430" y="4301868"/>
+                  <a:ext cx="475836" cy="369332"/>
+                </a:xfrm>
+                <a:prstGeom prst="rect">
+                  <a:avLst/>
+                </a:prstGeom>
+                <a:blipFill>
+                  <a:blip r:embed="rId3"/>
+                  <a:stretch>
+                    <a:fillRect/>
+                  </a:stretch>
+                </a:blipFill>
+              </p:spPr>
+              <p:txBody>
+                <a:bodyPr/>
+                <a:lstStyle/>
+                <a:p>
+                  <a:r>
+                    <a:rPr lang="es-CO">
+                      <a:noFill/>
+                    </a:rPr>
+                    <a:t> </a:t>
+                  </a:r>
+                </a:p>
+              </p:txBody>
+            </p:sp>
+          </mc:Fallback>
+        </mc:AlternateContent>
+        <mc:AlternateContent xmlns:mc="http://schemas.openxmlformats.org/markup-compatibility/2006">
+          <mc:Choice xmlns:a14="http://schemas.microsoft.com/office/drawing/2010/main" Requires="a14">
+            <p:sp>
+              <p:nvSpPr>
+                <p:cNvPr id="29" name="CuadroTexto 28">
+                  <a:extLst>
+                    <a:ext uri="{FF2B5EF4-FFF2-40B4-BE49-F238E27FC236}">
+                      <a16:creationId xmlns:a16="http://schemas.microsoft.com/office/drawing/2014/main" id="{8EE90592-AB0C-544A-9F58-AEE121C2F4BF}"/>
+                    </a:ext>
+                  </a:extLst>
+                </p:cNvPr>
+                <p:cNvSpPr txBox="1"/>
+                <p:nvPr/>
+              </p:nvSpPr>
+              <p:spPr>
+                <a:xfrm>
+                  <a:off x="5518801" y="4299933"/>
+                  <a:ext cx="695447" cy="369332"/>
+                </a:xfrm>
+                <a:prstGeom prst="rect">
+                  <a:avLst/>
+                </a:prstGeom>
+                <a:noFill/>
+              </p:spPr>
+              <p:txBody>
+                <a:bodyPr wrap="none" rtlCol="0">
+                  <a:spAutoFit/>
+                </a:bodyPr>
+                <a:lstStyle/>
+                <a:p>
+                  <a14:m>
+                    <m:oMathPara xmlns:m="http://schemas.openxmlformats.org/officeDocument/2006/math">
+                      <m:oMathParaPr>
+                        <m:jc m:val="centerGroup"/>
+                      </m:oMathParaPr>
+                      <m:oMath xmlns:m="http://schemas.openxmlformats.org/officeDocument/2006/math">
+                        <m:sSub>
+                          <m:sSubPr>
+                            <m:ctrlPr>
+                              <a:rPr lang="es-ES" b="0" i="1" smtClean="0">
+                                <a:latin typeface="Cambria Math" panose="02040503050406030204" pitchFamily="18" charset="0"/>
+                              </a:rPr>
+                            </m:ctrlPr>
+                          </m:sSubPr>
+                          <m:e>
+                            <m:r>
+                              <a:rPr lang="es-ES" b="0" i="1" smtClean="0">
+                                <a:latin typeface="Cambria Math" panose="02040503050406030204" pitchFamily="18" charset="0"/>
+                              </a:rPr>
+                              <m:t>𝑥</m:t>
+                            </m:r>
+                          </m:e>
+                          <m:sub>
+                            <m:r>
+                              <a:rPr lang="es-ES" b="0" i="1" smtClean="0">
+                                <a:latin typeface="Cambria Math" panose="02040503050406030204" pitchFamily="18" charset="0"/>
+                              </a:rPr>
+                              <m:t>𝑘</m:t>
+                            </m:r>
+                            <m:r>
+                              <a:rPr lang="es-ES" b="0" i="1" smtClean="0">
+                                <a:latin typeface="Cambria Math" panose="02040503050406030204" pitchFamily="18" charset="0"/>
+                              </a:rPr>
+                              <m:t>+1</m:t>
+                            </m:r>
+                          </m:sub>
+                        </m:sSub>
+                      </m:oMath>
+                    </m:oMathPara>
+                  </a14:m>
+                  <a:endParaRPr lang="es-CO" dirty="0"/>
+                </a:p>
+              </p:txBody>
+            </p:sp>
+          </mc:Choice>
+          <mc:Fallback>
+            <p:sp>
+              <p:nvSpPr>
+                <p:cNvPr id="29" name="CuadroTexto 28">
+                  <a:extLst>
+                    <a:ext uri="{FF2B5EF4-FFF2-40B4-BE49-F238E27FC236}">
+                      <a16:creationId xmlns:a16="http://schemas.microsoft.com/office/drawing/2014/main" id="{8EE90592-AB0C-544A-9F58-AEE121C2F4BF}"/>
+                    </a:ext>
+                  </a:extLst>
+                </p:cNvPr>
+                <p:cNvSpPr txBox="1">
+                  <a:spLocks noRot="1" noChangeAspect="1" noMove="1" noResize="1" noEditPoints="1" noAdjustHandles="1" noChangeArrowheads="1" noChangeShapeType="1" noTextEdit="1"/>
+                </p:cNvSpPr>
+                <p:nvPr/>
+              </p:nvSpPr>
+              <p:spPr>
+                <a:xfrm>
+                  <a:off x="5518801" y="4299933"/>
+                  <a:ext cx="695447" cy="369332"/>
+                </a:xfrm>
+                <a:prstGeom prst="rect">
+                  <a:avLst/>
+                </a:prstGeom>
+                <a:blipFill>
+                  <a:blip r:embed="rId4"/>
+                  <a:stretch>
+                    <a:fillRect/>
+                  </a:stretch>
+                </a:blipFill>
+              </p:spPr>
+              <p:txBody>
+                <a:bodyPr/>
+                <a:lstStyle/>
+                <a:p>
+                  <a:r>
+                    <a:rPr lang="es-CO">
+                      <a:noFill/>
+                    </a:rPr>
+                    <a:t> </a:t>
+                  </a:r>
+                </a:p>
+              </p:txBody>
+            </p:sp>
+          </mc:Fallback>
+        </mc:AlternateContent>
+        <mc:AlternateContent xmlns:mc="http://schemas.openxmlformats.org/markup-compatibility/2006">
+          <mc:Choice xmlns:a14="http://schemas.microsoft.com/office/drawing/2010/main" Requires="a14">
+            <p:sp>
+              <p:nvSpPr>
+                <p:cNvPr id="30" name="CuadroTexto 29">
+                  <a:extLst>
+                    <a:ext uri="{FF2B5EF4-FFF2-40B4-BE49-F238E27FC236}">
+                      <a16:creationId xmlns:a16="http://schemas.microsoft.com/office/drawing/2014/main" id="{8738C725-7609-7441-947D-029B1ADEE7DD}"/>
+                    </a:ext>
+                  </a:extLst>
+                </p:cNvPr>
+                <p:cNvSpPr txBox="1"/>
+                <p:nvPr/>
+              </p:nvSpPr>
+              <p:spPr>
+                <a:xfrm>
+                  <a:off x="2750147" y="3365182"/>
+                  <a:ext cx="1357166" cy="369332"/>
+                </a:xfrm>
+                <a:prstGeom prst="rect">
+                  <a:avLst/>
+                </a:prstGeom>
+                <a:noFill/>
+              </p:spPr>
+              <p:txBody>
+                <a:bodyPr wrap="none" rtlCol="0">
+                  <a:spAutoFit/>
+                </a:bodyPr>
+                <a:lstStyle/>
+                <a:p>
+                  <a14:m>
+                    <m:oMathPara xmlns:m="http://schemas.openxmlformats.org/officeDocument/2006/math">
+                      <m:oMathParaPr>
+                        <m:jc m:val="centerGroup"/>
+                      </m:oMathParaPr>
+                      <m:oMath xmlns:m="http://schemas.openxmlformats.org/officeDocument/2006/math">
+                        <m:sSub>
+                          <m:sSubPr>
+                            <m:ctrlPr>
+                              <a:rPr lang="es-ES" b="0" i="1" smtClean="0">
+                                <a:latin typeface="Cambria Math" panose="02040503050406030204" pitchFamily="18" charset="0"/>
+                              </a:rPr>
+                            </m:ctrlPr>
+                          </m:sSubPr>
+                          <m:e>
+                            <m:r>
+                              <a:rPr lang="es-ES" b="0" i="1" smtClean="0">
+                                <a:latin typeface="Cambria Math" panose="02040503050406030204" pitchFamily="18" charset="0"/>
+                              </a:rPr>
+                              <m:t>𝑦</m:t>
+                            </m:r>
+                          </m:e>
+                          <m:sub>
+                            <m:r>
+                              <a:rPr lang="es-ES" b="0" i="1" smtClean="0">
+                                <a:latin typeface="Cambria Math" panose="02040503050406030204" pitchFamily="18" charset="0"/>
+                              </a:rPr>
+                              <m:t>𝑘</m:t>
+                            </m:r>
+                          </m:sub>
+                        </m:sSub>
+                        <m:r>
+                          <a:rPr lang="es-ES" b="0" i="1" smtClean="0">
+                            <a:latin typeface="Cambria Math" panose="02040503050406030204" pitchFamily="18" charset="0"/>
+                          </a:rPr>
+                          <m:t>=</m:t>
+                        </m:r>
+                        <m:r>
+                          <a:rPr lang="es-ES" b="0" i="1" smtClean="0">
+                            <a:latin typeface="Cambria Math" panose="02040503050406030204" pitchFamily="18" charset="0"/>
+                          </a:rPr>
+                          <m:t>𝑓</m:t>
+                        </m:r>
+                        <m:r>
+                          <a:rPr lang="es-ES" b="0" i="1" smtClean="0">
+                            <a:latin typeface="Cambria Math" panose="02040503050406030204" pitchFamily="18" charset="0"/>
+                          </a:rPr>
+                          <m:t>(</m:t>
+                        </m:r>
+                        <m:sSub>
+                          <m:sSubPr>
+                            <m:ctrlPr>
+                              <a:rPr lang="es-ES" b="0" i="1" smtClean="0">
+                                <a:latin typeface="Cambria Math" panose="02040503050406030204" pitchFamily="18" charset="0"/>
+                              </a:rPr>
+                            </m:ctrlPr>
+                          </m:sSubPr>
+                          <m:e>
+                            <m:r>
+                              <a:rPr lang="es-ES" b="0" i="1" smtClean="0">
+                                <a:latin typeface="Cambria Math" panose="02040503050406030204" pitchFamily="18" charset="0"/>
+                              </a:rPr>
+                              <m:t>𝑥</m:t>
+                            </m:r>
+                          </m:e>
+                          <m:sub>
+                            <m:r>
+                              <a:rPr lang="es-ES" b="0" i="1" smtClean="0">
+                                <a:latin typeface="Cambria Math" panose="02040503050406030204" pitchFamily="18" charset="0"/>
+                              </a:rPr>
+                              <m:t>𝑘</m:t>
+                            </m:r>
+                          </m:sub>
+                        </m:sSub>
+                        <m:r>
+                          <a:rPr lang="es-ES" b="0" i="1" smtClean="0">
+                            <a:latin typeface="Cambria Math" panose="02040503050406030204" pitchFamily="18" charset="0"/>
+                          </a:rPr>
+                          <m:t>)</m:t>
+                        </m:r>
+                      </m:oMath>
+                    </m:oMathPara>
+                  </a14:m>
+                  <a:endParaRPr lang="es-CO" dirty="0"/>
+                </a:p>
+              </p:txBody>
+            </p:sp>
+          </mc:Choice>
+          <mc:Fallback>
+            <p:sp>
+              <p:nvSpPr>
+                <p:cNvPr id="30" name="CuadroTexto 29">
+                  <a:extLst>
+                    <a:ext uri="{FF2B5EF4-FFF2-40B4-BE49-F238E27FC236}">
+                      <a16:creationId xmlns:a16="http://schemas.microsoft.com/office/drawing/2014/main" id="{8738C725-7609-7441-947D-029B1ADEE7DD}"/>
+                    </a:ext>
+                  </a:extLst>
+                </p:cNvPr>
+                <p:cNvSpPr txBox="1">
+                  <a:spLocks noRot="1" noChangeAspect="1" noMove="1" noResize="1" noEditPoints="1" noAdjustHandles="1" noChangeArrowheads="1" noChangeShapeType="1" noTextEdit="1"/>
+                </p:cNvSpPr>
+                <p:nvPr/>
+              </p:nvSpPr>
+              <p:spPr>
+                <a:xfrm>
+                  <a:off x="2750147" y="3365182"/>
+                  <a:ext cx="1357166" cy="369332"/>
+                </a:xfrm>
+                <a:prstGeom prst="rect">
+                  <a:avLst/>
+                </a:prstGeom>
+                <a:blipFill>
+                  <a:blip r:embed="rId5"/>
+                  <a:stretch>
+                    <a:fillRect b="-13333"/>
+                  </a:stretch>
+                </a:blipFill>
+              </p:spPr>
+              <p:txBody>
+                <a:bodyPr/>
+                <a:lstStyle/>
+                <a:p>
+                  <a:r>
+                    <a:rPr lang="es-CO">
+                      <a:noFill/>
+                    </a:rPr>
+                    <a:t> </a:t>
+                  </a:r>
+                </a:p>
+              </p:txBody>
+            </p:sp>
+          </mc:Fallback>
+        </mc:AlternateContent>
+        <mc:AlternateContent xmlns:mc="http://schemas.openxmlformats.org/markup-compatibility/2006">
+          <mc:Choice xmlns:a14="http://schemas.microsoft.com/office/drawing/2010/main" Requires="a14">
+            <p:sp>
+              <p:nvSpPr>
+                <p:cNvPr id="31" name="CuadroTexto 30">
+                  <a:extLst>
+                    <a:ext uri="{FF2B5EF4-FFF2-40B4-BE49-F238E27FC236}">
+                      <a16:creationId xmlns:a16="http://schemas.microsoft.com/office/drawing/2014/main" id="{591E0F20-B614-8248-8FD4-4086DADB5535}"/>
+                    </a:ext>
+                  </a:extLst>
+                </p:cNvPr>
+                <p:cNvSpPr txBox="1"/>
+                <p:nvPr/>
+              </p:nvSpPr>
+              <p:spPr>
+                <a:xfrm>
+                  <a:off x="2750912" y="1819412"/>
+                  <a:ext cx="1782091" cy="369332"/>
+                </a:xfrm>
+                <a:prstGeom prst="rect">
+                  <a:avLst/>
+                </a:prstGeom>
+                <a:noFill/>
+              </p:spPr>
+              <p:txBody>
+                <a:bodyPr wrap="none" rtlCol="0">
+                  <a:spAutoFit/>
+                </a:bodyPr>
+                <a:lstStyle/>
+                <a:p>
+                  <a14:m>
+                    <m:oMathPara xmlns:m="http://schemas.openxmlformats.org/officeDocument/2006/math">
+                      <m:oMathParaPr>
+                        <m:jc m:val="centerGroup"/>
+                      </m:oMathParaPr>
+                      <m:oMath xmlns:m="http://schemas.openxmlformats.org/officeDocument/2006/math">
+                        <m:sSub>
+                          <m:sSubPr>
+                            <m:ctrlPr>
+                              <a:rPr lang="es-ES" b="0" i="1" smtClean="0">
+                                <a:latin typeface="Cambria Math" panose="02040503050406030204" pitchFamily="18" charset="0"/>
+                              </a:rPr>
+                            </m:ctrlPr>
+                          </m:sSubPr>
+                          <m:e>
+                            <m:r>
+                              <a:rPr lang="es-ES" b="0" i="1" smtClean="0">
+                                <a:latin typeface="Cambria Math" panose="02040503050406030204" pitchFamily="18" charset="0"/>
+                              </a:rPr>
+                              <m:t>𝑦</m:t>
+                            </m:r>
+                          </m:e>
+                          <m:sub>
+                            <m:r>
+                              <a:rPr lang="es-ES" b="0" i="1" smtClean="0">
+                                <a:latin typeface="Cambria Math" panose="02040503050406030204" pitchFamily="18" charset="0"/>
+                              </a:rPr>
+                              <m:t>𝑘</m:t>
+                            </m:r>
+                            <m:r>
+                              <a:rPr lang="es-ES" b="0" i="1" smtClean="0">
+                                <a:latin typeface="Cambria Math" panose="02040503050406030204" pitchFamily="18" charset="0"/>
+                              </a:rPr>
+                              <m:t>+1</m:t>
+                            </m:r>
+                          </m:sub>
+                        </m:sSub>
+                        <m:r>
+                          <a:rPr lang="es-ES" b="0" i="1" smtClean="0">
+                            <a:latin typeface="Cambria Math" panose="02040503050406030204" pitchFamily="18" charset="0"/>
+                          </a:rPr>
+                          <m:t>=</m:t>
+                        </m:r>
+                        <m:r>
+                          <a:rPr lang="es-ES" b="0" i="1" smtClean="0">
+                            <a:latin typeface="Cambria Math" panose="02040503050406030204" pitchFamily="18" charset="0"/>
+                          </a:rPr>
+                          <m:t>𝑓</m:t>
+                        </m:r>
+                        <m:r>
+                          <a:rPr lang="es-ES" b="0" i="1" smtClean="0">
+                            <a:latin typeface="Cambria Math" panose="02040503050406030204" pitchFamily="18" charset="0"/>
+                          </a:rPr>
+                          <m:t>(</m:t>
+                        </m:r>
+                        <m:sSub>
+                          <m:sSubPr>
+                            <m:ctrlPr>
+                              <a:rPr lang="es-ES" b="0" i="1" smtClean="0">
+                                <a:latin typeface="Cambria Math" panose="02040503050406030204" pitchFamily="18" charset="0"/>
+                              </a:rPr>
+                            </m:ctrlPr>
+                          </m:sSubPr>
+                          <m:e>
+                            <m:r>
+                              <a:rPr lang="es-ES" b="0" i="1" smtClean="0">
+                                <a:latin typeface="Cambria Math" panose="02040503050406030204" pitchFamily="18" charset="0"/>
+                              </a:rPr>
+                              <m:t>𝑥</m:t>
+                            </m:r>
+                          </m:e>
+                          <m:sub>
+                            <m:r>
+                              <a:rPr lang="es-ES" b="0" i="1" smtClean="0">
+                                <a:latin typeface="Cambria Math" panose="02040503050406030204" pitchFamily="18" charset="0"/>
+                              </a:rPr>
+                              <m:t>𝑘</m:t>
+                            </m:r>
+                            <m:r>
+                              <a:rPr lang="es-ES" b="0" i="1" smtClean="0">
+                                <a:latin typeface="Cambria Math" panose="02040503050406030204" pitchFamily="18" charset="0"/>
+                              </a:rPr>
+                              <m:t>+1</m:t>
+                            </m:r>
+                          </m:sub>
+                        </m:sSub>
+                        <m:r>
+                          <a:rPr lang="es-ES" b="0" i="1" smtClean="0">
+                            <a:latin typeface="Cambria Math" panose="02040503050406030204" pitchFamily="18" charset="0"/>
+                          </a:rPr>
+                          <m:t>)</m:t>
+                        </m:r>
+                      </m:oMath>
+                    </m:oMathPara>
+                  </a14:m>
+                  <a:endParaRPr lang="es-CO" dirty="0"/>
+                </a:p>
+              </p:txBody>
+            </p:sp>
+          </mc:Choice>
+          <mc:Fallback>
+            <p:sp>
+              <p:nvSpPr>
+                <p:cNvPr id="31" name="CuadroTexto 30">
+                  <a:extLst>
+                    <a:ext uri="{FF2B5EF4-FFF2-40B4-BE49-F238E27FC236}">
+                      <a16:creationId xmlns:a16="http://schemas.microsoft.com/office/drawing/2014/main" id="{591E0F20-B614-8248-8FD4-4086DADB5535}"/>
+                    </a:ext>
+                  </a:extLst>
+                </p:cNvPr>
+                <p:cNvSpPr txBox="1">
+                  <a:spLocks noRot="1" noChangeAspect="1" noMove="1" noResize="1" noEditPoints="1" noAdjustHandles="1" noChangeArrowheads="1" noChangeShapeType="1" noTextEdit="1"/>
+                </p:cNvSpPr>
+                <p:nvPr/>
+              </p:nvSpPr>
+              <p:spPr>
+                <a:xfrm>
+                  <a:off x="2750912" y="1819412"/>
+                  <a:ext cx="1782091" cy="369332"/>
+                </a:xfrm>
+                <a:prstGeom prst="rect">
+                  <a:avLst/>
+                </a:prstGeom>
+                <a:blipFill>
+                  <a:blip r:embed="rId6"/>
+                  <a:stretch>
+                    <a:fillRect b="-12903"/>
+                  </a:stretch>
+                </a:blipFill>
+              </p:spPr>
+              <p:txBody>
+                <a:bodyPr/>
+                <a:lstStyle/>
+                <a:p>
+                  <a:r>
+                    <a:rPr lang="es-CO">
+                      <a:noFill/>
+                    </a:rPr>
+                    <a:t> </a:t>
+                  </a:r>
+                </a:p>
+              </p:txBody>
+            </p:sp>
+          </mc:Fallback>
+        </mc:AlternateContent>
+        <p:cxnSp>
+          <p:nvCxnSpPr>
+            <p:cNvPr id="37" name="Conector recto de flecha 36">
+              <a:extLst>
+                <a:ext uri="{FF2B5EF4-FFF2-40B4-BE49-F238E27FC236}">
+                  <a16:creationId xmlns:a16="http://schemas.microsoft.com/office/drawing/2014/main" id="{A3EE71D8-32EE-B24C-8509-45FB7D176CA9}"/>
+                </a:ext>
+              </a:extLst>
+            </p:cNvPr>
+            <p:cNvCxnSpPr/>
+            <p:nvPr/>
+          </p:nvCxnSpPr>
+          <p:spPr>
+            <a:xfrm>
+              <a:off x="4121348" y="4132558"/>
+              <a:ext cx="1626094" cy="0"/>
+            </a:xfrm>
+            <a:prstGeom prst="straightConnector1">
+              <a:avLst/>
+            </a:prstGeom>
+            <a:ln w="12700">
+              <a:solidFill>
+                <a:schemeClr val="tx1"/>
+              </a:solidFill>
+              <a:headEnd type="triangle"/>
+              <a:tailEnd type="triangle"/>
+            </a:ln>
+          </p:spPr>
+          <p:style>
+            <a:lnRef idx="1">
+              <a:schemeClr val="accent1"/>
+            </a:lnRef>
+            <a:fillRef idx="0">
+              <a:schemeClr val="accent1"/>
+            </a:fillRef>
+            <a:effectRef idx="0">
+              <a:schemeClr val="accent1"/>
+            </a:effectRef>
+            <a:fontRef idx="minor">
+              <a:schemeClr val="tx1"/>
+            </a:fontRef>
+          </p:style>
+        </p:cxnSp>
+        <mc:AlternateContent xmlns:mc="http://schemas.openxmlformats.org/markup-compatibility/2006">
+          <mc:Choice xmlns:a14="http://schemas.microsoft.com/office/drawing/2010/main" Requires="a14">
+            <p:sp>
+              <p:nvSpPr>
+                <p:cNvPr id="38" name="CuadroTexto 37">
+                  <a:extLst>
+                    <a:ext uri="{FF2B5EF4-FFF2-40B4-BE49-F238E27FC236}">
+                      <a16:creationId xmlns:a16="http://schemas.microsoft.com/office/drawing/2014/main" id="{82131BF6-672A-8448-A00B-4DC0CA1DED6B}"/>
+                    </a:ext>
+                  </a:extLst>
+                </p:cNvPr>
+                <p:cNvSpPr txBox="1"/>
+                <p:nvPr/>
+              </p:nvSpPr>
+              <p:spPr>
+                <a:xfrm>
+                  <a:off x="4716484" y="3774150"/>
+                  <a:ext cx="505844" cy="369332"/>
+                </a:xfrm>
+                <a:prstGeom prst="rect">
+                  <a:avLst/>
+                </a:prstGeom>
+                <a:noFill/>
+              </p:spPr>
+              <p:txBody>
+                <a:bodyPr wrap="none" rtlCol="0">
+                  <a:spAutoFit/>
+                </a:bodyPr>
+                <a:lstStyle/>
+                <a:p>
+                  <a14:m>
+                    <m:oMathPara xmlns:m="http://schemas.openxmlformats.org/officeDocument/2006/math">
+                      <m:oMathParaPr>
+                        <m:jc m:val="centerGroup"/>
+                      </m:oMathParaPr>
+                      <m:oMath xmlns:m="http://schemas.openxmlformats.org/officeDocument/2006/math">
+                        <m:r>
+                          <m:rPr>
+                            <m:sty m:val="p"/>
+                          </m:rPr>
+                          <a:rPr lang="es-ES" b="0" i="0" smtClean="0">
+                            <a:latin typeface="Cambria Math" panose="02040503050406030204" pitchFamily="18" charset="0"/>
+                          </a:rPr>
+                          <m:t>Δ</m:t>
+                        </m:r>
+                        <m:r>
+                          <a:rPr lang="es-ES" b="0" i="1" smtClean="0">
+                            <a:latin typeface="Cambria Math" panose="02040503050406030204" pitchFamily="18" charset="0"/>
+                          </a:rPr>
+                          <m:t>𝑥</m:t>
+                        </m:r>
+                      </m:oMath>
+                    </m:oMathPara>
+                  </a14:m>
+                  <a:endParaRPr lang="es-CO" dirty="0"/>
+                </a:p>
+              </p:txBody>
+            </p:sp>
+          </mc:Choice>
+          <mc:Fallback>
+            <p:sp>
+              <p:nvSpPr>
+                <p:cNvPr id="38" name="CuadroTexto 37">
+                  <a:extLst>
+                    <a:ext uri="{FF2B5EF4-FFF2-40B4-BE49-F238E27FC236}">
+                      <a16:creationId xmlns:a16="http://schemas.microsoft.com/office/drawing/2014/main" id="{82131BF6-672A-8448-A00B-4DC0CA1DED6B}"/>
+                    </a:ext>
+                  </a:extLst>
+                </p:cNvPr>
+                <p:cNvSpPr txBox="1">
+                  <a:spLocks noRot="1" noChangeAspect="1" noMove="1" noResize="1" noEditPoints="1" noAdjustHandles="1" noChangeArrowheads="1" noChangeShapeType="1" noTextEdit="1"/>
+                </p:cNvSpPr>
+                <p:nvPr/>
+              </p:nvSpPr>
+              <p:spPr>
+                <a:xfrm>
+                  <a:off x="4716484" y="3774150"/>
+                  <a:ext cx="505844" cy="369332"/>
+                </a:xfrm>
+                <a:prstGeom prst="rect">
+                  <a:avLst/>
+                </a:prstGeom>
+                <a:blipFill>
+                  <a:blip r:embed="rId7"/>
+                  <a:stretch>
+                    <a:fillRect/>
+                  </a:stretch>
+                </a:blipFill>
+              </p:spPr>
+              <p:txBody>
+                <a:bodyPr/>
+                <a:lstStyle/>
+                <a:p>
+                  <a:r>
+                    <a:rPr lang="es-CO">
+                      <a:noFill/>
+                    </a:rPr>
+                    <a:t> </a:t>
+                  </a:r>
+                </a:p>
+              </p:txBody>
+            </p:sp>
+          </mc:Fallback>
+        </mc:AlternateContent>
+        <p:cxnSp>
+          <p:nvCxnSpPr>
+            <p:cNvPr id="41" name="Conector recto de flecha 40">
+              <a:extLst>
+                <a:ext uri="{FF2B5EF4-FFF2-40B4-BE49-F238E27FC236}">
+                  <a16:creationId xmlns:a16="http://schemas.microsoft.com/office/drawing/2014/main" id="{F2C7439D-2FA5-334B-AFB8-06E1120F8858}"/>
+                </a:ext>
+              </a:extLst>
+            </p:cNvPr>
+            <p:cNvCxnSpPr>
+              <a:cxnSpLocks/>
+            </p:cNvCxnSpPr>
+            <p:nvPr/>
+          </p:nvCxnSpPr>
+          <p:spPr>
+            <a:xfrm flipV="1">
+              <a:off x="6055259" y="2202779"/>
+              <a:ext cx="0" cy="1585406"/>
+            </a:xfrm>
+            <a:prstGeom prst="straightConnector1">
+              <a:avLst/>
+            </a:prstGeom>
+            <a:ln w="12700">
+              <a:solidFill>
+                <a:schemeClr val="tx1"/>
+              </a:solidFill>
+              <a:headEnd type="triangle"/>
+              <a:tailEnd type="triangle"/>
+            </a:ln>
+          </p:spPr>
+          <p:style>
+            <a:lnRef idx="1">
+              <a:schemeClr val="accent1"/>
+            </a:lnRef>
+            <a:fillRef idx="0">
+              <a:schemeClr val="accent1"/>
+            </a:fillRef>
+            <a:effectRef idx="0">
+              <a:schemeClr val="accent1"/>
+            </a:effectRef>
+            <a:fontRef idx="minor">
+              <a:schemeClr val="tx1"/>
+            </a:fontRef>
+          </p:style>
+        </p:cxnSp>
+        <mc:AlternateContent xmlns:mc="http://schemas.openxmlformats.org/markup-compatibility/2006">
+          <mc:Choice xmlns:a14="http://schemas.microsoft.com/office/drawing/2010/main" Requires="a14">
+            <p:sp>
+              <p:nvSpPr>
+                <p:cNvPr id="44" name="CuadroTexto 43">
+                  <a:extLst>
+                    <a:ext uri="{FF2B5EF4-FFF2-40B4-BE49-F238E27FC236}">
+                      <a16:creationId xmlns:a16="http://schemas.microsoft.com/office/drawing/2014/main" id="{C88FAAB4-322D-4043-8635-6D93AFCC5E20}"/>
+                    </a:ext>
+                  </a:extLst>
+                </p:cNvPr>
+                <p:cNvSpPr txBox="1"/>
+                <p:nvPr/>
+              </p:nvSpPr>
+              <p:spPr>
+                <a:xfrm>
+                  <a:off x="6029160" y="2849589"/>
+                  <a:ext cx="505844" cy="369332"/>
+                </a:xfrm>
+                <a:prstGeom prst="rect">
+                  <a:avLst/>
+                </a:prstGeom>
+                <a:noFill/>
+              </p:spPr>
+              <p:txBody>
+                <a:bodyPr wrap="none" rtlCol="0">
+                  <a:spAutoFit/>
+                </a:bodyPr>
+                <a:lstStyle/>
+                <a:p>
+                  <a14:m>
+                    <m:oMathPara xmlns:m="http://schemas.openxmlformats.org/officeDocument/2006/math">
+                      <m:oMathParaPr>
+                        <m:jc m:val="centerGroup"/>
+                      </m:oMathParaPr>
+                      <m:oMath xmlns:m="http://schemas.openxmlformats.org/officeDocument/2006/math">
+                        <m:r>
+                          <m:rPr>
+                            <m:sty m:val="p"/>
+                          </m:rPr>
+                          <a:rPr lang="es-ES" b="0" i="0" smtClean="0">
+                            <a:latin typeface="Cambria Math" panose="02040503050406030204" pitchFamily="18" charset="0"/>
+                          </a:rPr>
+                          <m:t>Δ</m:t>
+                        </m:r>
+                        <m:r>
+                          <a:rPr lang="es-ES" b="0" i="1" smtClean="0">
+                            <a:latin typeface="Cambria Math" panose="02040503050406030204" pitchFamily="18" charset="0"/>
+                          </a:rPr>
+                          <m:t>𝑦</m:t>
+                        </m:r>
+                      </m:oMath>
+                    </m:oMathPara>
+                  </a14:m>
+                  <a:endParaRPr lang="es-CO" dirty="0"/>
+                </a:p>
+              </p:txBody>
+            </p:sp>
+          </mc:Choice>
+          <mc:Fallback>
+            <p:sp>
+              <p:nvSpPr>
+                <p:cNvPr id="44" name="CuadroTexto 43">
+                  <a:extLst>
+                    <a:ext uri="{FF2B5EF4-FFF2-40B4-BE49-F238E27FC236}">
+                      <a16:creationId xmlns:a16="http://schemas.microsoft.com/office/drawing/2014/main" id="{C88FAAB4-322D-4043-8635-6D93AFCC5E20}"/>
+                    </a:ext>
+                  </a:extLst>
+                </p:cNvPr>
+                <p:cNvSpPr txBox="1">
+                  <a:spLocks noRot="1" noChangeAspect="1" noMove="1" noResize="1" noEditPoints="1" noAdjustHandles="1" noChangeArrowheads="1" noChangeShapeType="1" noTextEdit="1"/>
+                </p:cNvSpPr>
+                <p:nvPr/>
+              </p:nvSpPr>
+              <p:spPr>
+                <a:xfrm>
+                  <a:off x="6029160" y="2849589"/>
+                  <a:ext cx="505844" cy="369332"/>
+                </a:xfrm>
+                <a:prstGeom prst="rect">
+                  <a:avLst/>
+                </a:prstGeom>
+                <a:blipFill>
+                  <a:blip r:embed="rId8"/>
+                  <a:stretch>
+                    <a:fillRect b="-6452"/>
+                  </a:stretch>
+                </a:blipFill>
+              </p:spPr>
+              <p:txBody>
+                <a:bodyPr/>
+                <a:lstStyle/>
+                <a:p>
+                  <a:r>
+                    <a:rPr lang="es-CO">
+                      <a:noFill/>
+                    </a:rPr>
+                    <a:t> </a:t>
+                  </a:r>
+                </a:p>
+              </p:txBody>
+            </p:sp>
+          </mc:Fallback>
+        </mc:AlternateContent>
+      </p:grpSp>
+    </p:spTree>
+    <p:extLst>
+      <p:ext uri="{BB962C8B-B14F-4D97-AF65-F5344CB8AC3E}">
+        <p14:creationId xmlns:p14="http://schemas.microsoft.com/office/powerpoint/2010/main" val="813852088"/>
+      </p:ext>
+    </p:extLst>
+  </p:cSld>
+  <p:clrMapOvr>
+    <a:masterClrMapping/>
+  </p:clrMapOvr>
+</p:sld>
+</file>
+
+<file path=ppt/slides/slide3.xml><?xml version="1.0" encoding="utf-8"?>
+<p:sld xmlns:a="http://schemas.openxmlformats.org/drawingml/2006/main" xmlns:r="http://schemas.openxmlformats.org/officeDocument/2006/relationships" xmlns:p="http://schemas.openxmlformats.org/presentationml/2006/main">
+  <p:cSld>
+    <p:spTree>
+      <p:nvGrpSpPr>
+        <p:cNvPr id="1" name=""/>
+        <p:cNvGrpSpPr/>
+        <p:nvPr/>
+      </p:nvGrpSpPr>
+      <p:grpSpPr>
+        <a:xfrm>
+          <a:off x="0" y="0"/>
+          <a:ext cx="0" cy="0"/>
+          <a:chOff x="0" y="0"/>
+          <a:chExt cx="0" cy="0"/>
+        </a:xfrm>
+      </p:grpSpPr>
+      <p:cxnSp>
+        <p:nvCxnSpPr>
+          <p:cNvPr id="5" name="Conector recto de flecha 4">
+            <a:extLst>
+              <a:ext uri="{FF2B5EF4-FFF2-40B4-BE49-F238E27FC236}">
+                <a16:creationId xmlns:a16="http://schemas.microsoft.com/office/drawing/2014/main" id="{A566F85F-84AB-EB48-89B6-73ADB3E22D79}"/>
+              </a:ext>
+            </a:extLst>
+          </p:cNvPr>
+          <p:cNvCxnSpPr>
+            <a:cxnSpLocks/>
+          </p:cNvCxnSpPr>
+          <p:nvPr/>
+        </p:nvCxnSpPr>
+        <p:spPr>
+          <a:xfrm flipV="1">
+            <a:off x="2518621" y="1621061"/>
+            <a:ext cx="0" cy="3219006"/>
+          </a:xfrm>
+          <a:prstGeom prst="straightConnector1">
+            <a:avLst/>
+          </a:prstGeom>
+          <a:ln w="15875">
+            <a:solidFill>
+              <a:schemeClr val="tx1"/>
+            </a:solidFill>
+            <a:tailEnd type="stealth"/>
+          </a:ln>
+        </p:spPr>
+        <p:style>
+          <a:lnRef idx="1">
+            <a:schemeClr val="accent1"/>
+          </a:lnRef>
+          <a:fillRef idx="0">
+            <a:schemeClr val="accent1"/>
+          </a:fillRef>
+          <a:effectRef idx="0">
+            <a:schemeClr val="accent1"/>
+          </a:effectRef>
+          <a:fontRef idx="minor">
+            <a:schemeClr val="tx1"/>
+          </a:fontRef>
+        </p:style>
+      </p:cxnSp>
+      <p:cxnSp>
+        <p:nvCxnSpPr>
+          <p:cNvPr id="6" name="Conector recto de flecha 5">
+            <a:extLst>
+              <a:ext uri="{FF2B5EF4-FFF2-40B4-BE49-F238E27FC236}">
+                <a16:creationId xmlns:a16="http://schemas.microsoft.com/office/drawing/2014/main" id="{2ADD708A-75EF-8742-B902-195864F7A382}"/>
+              </a:ext>
+            </a:extLst>
+          </p:cNvPr>
+          <p:cNvCxnSpPr>
+            <a:cxnSpLocks/>
+          </p:cNvCxnSpPr>
+          <p:nvPr/>
+        </p:nvCxnSpPr>
+        <p:spPr>
+          <a:xfrm>
+            <a:off x="2337389" y="4658834"/>
+            <a:ext cx="4232118" cy="0"/>
+          </a:xfrm>
+          <a:prstGeom prst="straightConnector1">
+            <a:avLst/>
+          </a:prstGeom>
+          <a:ln w="15875">
+            <a:solidFill>
+              <a:schemeClr val="tx1"/>
+            </a:solidFill>
+            <a:tailEnd type="stealth"/>
+          </a:ln>
+        </p:spPr>
+        <p:style>
+          <a:lnRef idx="1">
+            <a:schemeClr val="accent1"/>
+          </a:lnRef>
+          <a:fillRef idx="0">
+            <a:schemeClr val="accent1"/>
+          </a:fillRef>
+          <a:effectRef idx="0">
+            <a:schemeClr val="accent1"/>
+          </a:effectRef>
+          <a:fontRef idx="minor">
+            <a:schemeClr val="tx1"/>
+          </a:fontRef>
+        </p:style>
+      </p:cxnSp>
+      <p:sp>
+        <p:nvSpPr>
+          <p:cNvPr id="7" name="Forma libre 6">
+            <a:extLst>
+              <a:ext uri="{FF2B5EF4-FFF2-40B4-BE49-F238E27FC236}">
+                <a16:creationId xmlns:a16="http://schemas.microsoft.com/office/drawing/2014/main" id="{88994FBB-A5AD-2340-AC0D-FF7801B69859}"/>
+              </a:ext>
+            </a:extLst>
+          </p:cNvPr>
+          <p:cNvSpPr/>
+          <p:nvPr/>
+        </p:nvSpPr>
+        <p:spPr>
+          <a:xfrm>
+            <a:off x="2337389" y="1833254"/>
+            <a:ext cx="3484605" cy="2644347"/>
+          </a:xfrm>
+          <a:custGeom>
+            <a:avLst/>
+            <a:gdLst>
+              <a:gd name="connsiteX0" fmla="*/ 0 w 3237470"/>
+              <a:gd name="connsiteY0" fmla="*/ 2409568 h 2409568"/>
+              <a:gd name="connsiteX1" fmla="*/ 1606379 w 3237470"/>
+              <a:gd name="connsiteY1" fmla="*/ 1915298 h 2409568"/>
+              <a:gd name="connsiteX2" fmla="*/ 3237470 w 3237470"/>
+              <a:gd name="connsiteY2" fmla="*/ 0 h 2409568"/>
+              <a:gd name="connsiteX0" fmla="*/ 0 w 3237470"/>
+              <a:gd name="connsiteY0" fmla="*/ 2409568 h 2409568"/>
+              <a:gd name="connsiteX1" fmla="*/ 2001795 w 3237470"/>
+              <a:gd name="connsiteY1" fmla="*/ 1828800 h 2409568"/>
+              <a:gd name="connsiteX2" fmla="*/ 3237470 w 3237470"/>
+              <a:gd name="connsiteY2" fmla="*/ 0 h 2409568"/>
+              <a:gd name="connsiteX0" fmla="*/ 0 w 3237470"/>
+              <a:gd name="connsiteY0" fmla="*/ 2409568 h 2409568"/>
+              <a:gd name="connsiteX1" fmla="*/ 2001795 w 3237470"/>
+              <a:gd name="connsiteY1" fmla="*/ 1828800 h 2409568"/>
+              <a:gd name="connsiteX2" fmla="*/ 3237470 w 3237470"/>
+              <a:gd name="connsiteY2" fmla="*/ 0 h 2409568"/>
+              <a:gd name="connsiteX0" fmla="*/ 0 w 3484605"/>
+              <a:gd name="connsiteY0" fmla="*/ 2644347 h 2644347"/>
+              <a:gd name="connsiteX1" fmla="*/ 2001795 w 3484605"/>
+              <a:gd name="connsiteY1" fmla="*/ 2063579 h 2644347"/>
+              <a:gd name="connsiteX2" fmla="*/ 3484605 w 3484605"/>
+              <a:gd name="connsiteY2" fmla="*/ 0 h 2644347"/>
+              <a:gd name="connsiteX0" fmla="*/ 0 w 3484605"/>
+              <a:gd name="connsiteY0" fmla="*/ 2644347 h 2644347"/>
+              <a:gd name="connsiteX1" fmla="*/ 2001795 w 3484605"/>
+              <a:gd name="connsiteY1" fmla="*/ 2063579 h 2644347"/>
+              <a:gd name="connsiteX2" fmla="*/ 3484605 w 3484605"/>
+              <a:gd name="connsiteY2" fmla="*/ 0 h 2644347"/>
+            </a:gdLst>
+            <a:ahLst/>
+            <a:cxnLst>
+              <a:cxn ang="0">
+                <a:pos x="connsiteX0" y="connsiteY0"/>
+              </a:cxn>
+              <a:cxn ang="0">
+                <a:pos x="connsiteX1" y="connsiteY1"/>
+              </a:cxn>
+              <a:cxn ang="0">
+                <a:pos x="connsiteX2" y="connsiteY2"/>
+              </a:cxn>
+            </a:cxnLst>
+            <a:rect l="l" t="t" r="r" b="b"/>
+            <a:pathLst>
+              <a:path w="3484605" h="2644347">
+                <a:moveTo>
+                  <a:pt x="0" y="2644347"/>
+                </a:moveTo>
+                <a:cubicBezTo>
+                  <a:pt x="533400" y="2598009"/>
+                  <a:pt x="1462217" y="2465174"/>
+                  <a:pt x="2001795" y="2063579"/>
+                </a:cubicBezTo>
+                <a:cubicBezTo>
+                  <a:pt x="2541373" y="1661984"/>
+                  <a:pt x="3198340" y="942203"/>
+                  <a:pt x="3484605" y="0"/>
+                </a:cubicBezTo>
+              </a:path>
+            </a:pathLst>
+          </a:custGeom>
+          <a:noFill/>
+          <a:ln w="25400">
+            <a:solidFill>
+              <a:schemeClr val="tx1"/>
+            </a:solidFill>
+          </a:ln>
+        </p:spPr>
+        <p:style>
+          <a:lnRef idx="2">
+            <a:schemeClr val="accent1">
+              <a:shade val="50000"/>
+            </a:schemeClr>
+          </a:lnRef>
+          <a:fillRef idx="1">
+            <a:schemeClr val="accent1"/>
+          </a:fillRef>
+          <a:effectRef idx="0">
+            <a:schemeClr val="accent1"/>
+          </a:effectRef>
+          <a:fontRef idx="minor">
+            <a:schemeClr val="lt1"/>
+          </a:fontRef>
+        </p:style>
+        <p:txBody>
+          <a:bodyPr rtlCol="0" anchor="ctr"/>
+          <a:lstStyle/>
+          <a:p>
+            <a:pPr algn="ctr"/>
+            <a:endParaRPr lang="es-CO"/>
+          </a:p>
+        </p:txBody>
+      </p:sp>
+      <mc:AlternateContent xmlns:mc="http://schemas.openxmlformats.org/markup-compatibility/2006">
+        <mc:Choice xmlns:a14="http://schemas.microsoft.com/office/drawing/2010/main" Requires="a14">
+          <p:sp>
+            <p:nvSpPr>
+              <p:cNvPr id="8" name="CuadroTexto 7">
+                <a:extLst>
+                  <a:ext uri="{FF2B5EF4-FFF2-40B4-BE49-F238E27FC236}">
+                    <a16:creationId xmlns:a16="http://schemas.microsoft.com/office/drawing/2014/main" id="{972FC93C-B85E-4C42-B34A-131F806DC161}"/>
+                  </a:ext>
+                </a:extLst>
+              </p:cNvPr>
+              <p:cNvSpPr txBox="1"/>
+              <p:nvPr/>
+            </p:nvSpPr>
+            <p:spPr>
+              <a:xfrm>
+                <a:off x="5257544" y="1436395"/>
+                <a:ext cx="1128899" cy="369332"/>
+              </a:xfrm>
+              <a:prstGeom prst="rect">
+                <a:avLst/>
+              </a:prstGeom>
+              <a:noFill/>
+            </p:spPr>
+            <p:txBody>
+              <a:bodyPr wrap="none" rtlCol="0">
+                <a:spAutoFit/>
+              </a:bodyPr>
+              <a:lstStyle/>
+              <a:p>
+                <a14:m>
+                  <m:oMathPara xmlns:m="http://schemas.openxmlformats.org/officeDocument/2006/math">
+                    <m:oMathParaPr>
+                      <m:jc m:val="centerGroup"/>
+                    </m:oMathParaPr>
+                    <m:oMath xmlns:m="http://schemas.openxmlformats.org/officeDocument/2006/math">
+                      <m:r>
+                        <a:rPr lang="es-ES" b="0" i="1" smtClean="0">
+                          <a:latin typeface="Cambria Math" panose="02040503050406030204" pitchFamily="18" charset="0"/>
+                        </a:rPr>
+                        <m:t>𝑦</m:t>
+                      </m:r>
+                      <m:r>
+                        <a:rPr lang="es-ES" b="0" i="1" smtClean="0">
+                          <a:latin typeface="Cambria Math" panose="02040503050406030204" pitchFamily="18" charset="0"/>
+                        </a:rPr>
+                        <m:t>=</m:t>
+                      </m:r>
+                      <m:r>
+                        <a:rPr lang="es-ES" b="0" i="1" smtClean="0">
+                          <a:latin typeface="Cambria Math" panose="02040503050406030204" pitchFamily="18" charset="0"/>
+                        </a:rPr>
+                        <m:t>𝑓</m:t>
+                      </m:r>
+                      <m:r>
+                        <a:rPr lang="es-ES" b="0" i="1" smtClean="0">
+                          <a:latin typeface="Cambria Math" panose="02040503050406030204" pitchFamily="18" charset="0"/>
+                        </a:rPr>
+                        <m:t>(</m:t>
+                      </m:r>
+                      <m:r>
+                        <a:rPr lang="es-ES" b="0" i="1" smtClean="0">
+                          <a:latin typeface="Cambria Math" panose="02040503050406030204" pitchFamily="18" charset="0"/>
+                        </a:rPr>
+                        <m:t>𝑥</m:t>
+                      </m:r>
+                      <m:r>
+                        <a:rPr lang="es-ES" b="0" i="1" smtClean="0">
+                          <a:latin typeface="Cambria Math" panose="02040503050406030204" pitchFamily="18" charset="0"/>
+                        </a:rPr>
+                        <m:t>)</m:t>
+                      </m:r>
+                    </m:oMath>
+                  </m:oMathPara>
+                </a14:m>
+                <a:endParaRPr lang="es-CO" dirty="0"/>
+              </a:p>
+            </p:txBody>
+          </p:sp>
+        </mc:Choice>
+        <mc:Fallback>
+          <p:sp>
+            <p:nvSpPr>
+              <p:cNvPr id="8" name="CuadroTexto 7">
+                <a:extLst>
+                  <a:ext uri="{FF2B5EF4-FFF2-40B4-BE49-F238E27FC236}">
+                    <a16:creationId xmlns:a16="http://schemas.microsoft.com/office/drawing/2014/main" id="{972FC93C-B85E-4C42-B34A-131F806DC161}"/>
+                  </a:ext>
+                </a:extLst>
+              </p:cNvPr>
+              <p:cNvSpPr txBox="1">
+                <a:spLocks noRot="1" noChangeAspect="1" noMove="1" noResize="1" noEditPoints="1" noAdjustHandles="1" noChangeArrowheads="1" noChangeShapeType="1" noTextEdit="1"/>
+              </p:cNvSpPr>
+              <p:nvPr/>
+            </p:nvSpPr>
+            <p:spPr>
+              <a:xfrm>
+                <a:off x="5257544" y="1436395"/>
+                <a:ext cx="1128899" cy="369332"/>
+              </a:xfrm>
+              <a:prstGeom prst="rect">
+                <a:avLst/>
+              </a:prstGeom>
+              <a:blipFill>
+                <a:blip r:embed="rId2"/>
+                <a:stretch>
+                  <a:fillRect b="-13333"/>
+                </a:stretch>
+              </a:blipFill>
+            </p:spPr>
+            <p:txBody>
+              <a:bodyPr/>
+              <a:lstStyle/>
+              <a:p>
+                <a:r>
+                  <a:rPr lang="es-CO">
+                    <a:noFill/>
+                  </a:rPr>
+                  <a:t> </a:t>
+                </a:r>
+              </a:p>
+            </p:txBody>
+          </p:sp>
+        </mc:Fallback>
+      </mc:AlternateContent>
+      <p:sp>
+        <p:nvSpPr>
+          <p:cNvPr id="9" name="Elipse 8">
+            <a:extLst>
+              <a:ext uri="{FF2B5EF4-FFF2-40B4-BE49-F238E27FC236}">
+                <a16:creationId xmlns:a16="http://schemas.microsoft.com/office/drawing/2014/main" id="{BF7F4E00-80F3-9344-9A8C-B231D82BB620}"/>
+              </a:ext>
+            </a:extLst>
+          </p:cNvPr>
+          <p:cNvSpPr/>
+          <p:nvPr/>
+        </p:nvSpPr>
+        <p:spPr>
+          <a:xfrm>
+            <a:off x="3818061" y="4082059"/>
+            <a:ext cx="140043" cy="140043"/>
+          </a:xfrm>
+          <a:prstGeom prst="ellipse">
+            <a:avLst/>
+          </a:prstGeom>
+          <a:solidFill>
+            <a:schemeClr val="tx1">
+              <a:lumMod val="75000"/>
+              <a:lumOff val="25000"/>
+            </a:schemeClr>
+          </a:solidFill>
+          <a:ln>
+            <a:solidFill>
+              <a:schemeClr val="tx1">
+                <a:lumMod val="75000"/>
+                <a:lumOff val="25000"/>
+              </a:schemeClr>
+            </a:solidFill>
+          </a:ln>
+        </p:spPr>
+        <p:style>
+          <a:lnRef idx="2">
+            <a:schemeClr val="accent1">
+              <a:shade val="50000"/>
+            </a:schemeClr>
+          </a:lnRef>
+          <a:fillRef idx="1">
+            <a:schemeClr val="accent1"/>
+          </a:fillRef>
+          <a:effectRef idx="0">
+            <a:schemeClr val="accent1"/>
+          </a:effectRef>
+          <a:fontRef idx="minor">
+            <a:schemeClr val="lt1"/>
+          </a:fontRef>
+        </p:style>
+        <p:txBody>
+          <a:bodyPr rtlCol="0" anchor="ctr"/>
+          <a:lstStyle/>
+          <a:p>
+            <a:pPr algn="ctr"/>
+            <a:endParaRPr lang="es-CO"/>
+          </a:p>
+        </p:txBody>
+      </p:sp>
+      <p:cxnSp>
+        <p:nvCxnSpPr>
+          <p:cNvPr id="11" name="Conector recto 10">
+            <a:extLst>
+              <a:ext uri="{FF2B5EF4-FFF2-40B4-BE49-F238E27FC236}">
+                <a16:creationId xmlns:a16="http://schemas.microsoft.com/office/drawing/2014/main" id="{9FBFC484-F8D6-714C-998D-44B342463B18}"/>
+              </a:ext>
+            </a:extLst>
+          </p:cNvPr>
+          <p:cNvCxnSpPr>
+            <a:cxnSpLocks/>
+            <a:stCxn id="9" idx="4"/>
+          </p:cNvCxnSpPr>
+          <p:nvPr/>
+        </p:nvCxnSpPr>
+        <p:spPr>
+          <a:xfrm>
+            <a:off x="3888083" y="4222102"/>
+            <a:ext cx="0" cy="436732"/>
+          </a:xfrm>
+          <a:prstGeom prst="line">
+            <a:avLst/>
+          </a:prstGeom>
+          <a:ln w="12700">
+            <a:solidFill>
+              <a:schemeClr val="tx1"/>
+            </a:solidFill>
+            <a:prstDash val="dash"/>
+          </a:ln>
+        </p:spPr>
+        <p:style>
+          <a:lnRef idx="1">
+            <a:schemeClr val="accent1"/>
+          </a:lnRef>
+          <a:fillRef idx="0">
+            <a:schemeClr val="accent1"/>
+          </a:fillRef>
+          <a:effectRef idx="0">
+            <a:schemeClr val="accent1"/>
+          </a:effectRef>
+          <a:fontRef idx="minor">
+            <a:schemeClr val="tx1"/>
+          </a:fontRef>
+        </p:style>
+      </p:cxnSp>
+      <p:cxnSp>
+        <p:nvCxnSpPr>
+          <p:cNvPr id="13" name="Conector recto 12">
+            <a:extLst>
+              <a:ext uri="{FF2B5EF4-FFF2-40B4-BE49-F238E27FC236}">
+                <a16:creationId xmlns:a16="http://schemas.microsoft.com/office/drawing/2014/main" id="{DCE11860-1E8E-3943-9EDB-8FE36AD323C7}"/>
+              </a:ext>
+            </a:extLst>
+          </p:cNvPr>
+          <p:cNvCxnSpPr>
+            <a:cxnSpLocks/>
+          </p:cNvCxnSpPr>
+          <p:nvPr/>
+        </p:nvCxnSpPr>
+        <p:spPr>
+          <a:xfrm>
+            <a:off x="2518621" y="4152080"/>
+            <a:ext cx="1866767" cy="0"/>
+          </a:xfrm>
+          <a:prstGeom prst="line">
+            <a:avLst/>
+          </a:prstGeom>
+          <a:ln w="12700">
+            <a:solidFill>
+              <a:schemeClr val="tx1"/>
+            </a:solidFill>
+            <a:prstDash val="dash"/>
+          </a:ln>
+        </p:spPr>
+        <p:style>
+          <a:lnRef idx="1">
+            <a:schemeClr val="accent1"/>
+          </a:lnRef>
+          <a:fillRef idx="0">
+            <a:schemeClr val="accent1"/>
+          </a:fillRef>
+          <a:effectRef idx="0">
+            <a:schemeClr val="accent1"/>
+          </a:effectRef>
+          <a:fontRef idx="minor">
+            <a:schemeClr val="tx1"/>
+          </a:fontRef>
+        </p:style>
+      </p:cxnSp>
+      <mc:AlternateContent xmlns:mc="http://schemas.openxmlformats.org/markup-compatibility/2006">
+        <mc:Choice xmlns:a14="http://schemas.microsoft.com/office/drawing/2010/main" Requires="a14">
+          <p:sp>
+            <p:nvSpPr>
+              <p:cNvPr id="15" name="CuadroTexto 14">
+                <a:extLst>
+                  <a:ext uri="{FF2B5EF4-FFF2-40B4-BE49-F238E27FC236}">
+                    <a16:creationId xmlns:a16="http://schemas.microsoft.com/office/drawing/2014/main" id="{758C14C6-E213-AE45-BD1E-B6B325F212C3}"/>
+                  </a:ext>
+                </a:extLst>
+              </p:cNvPr>
+              <p:cNvSpPr txBox="1"/>
+              <p:nvPr/>
+            </p:nvSpPr>
+            <p:spPr>
+              <a:xfrm>
+                <a:off x="3650164" y="4665763"/>
+                <a:ext cx="475836" cy="369332"/>
+              </a:xfrm>
+              <a:prstGeom prst="rect">
+                <a:avLst/>
+              </a:prstGeom>
+              <a:noFill/>
+            </p:spPr>
+            <p:txBody>
+              <a:bodyPr wrap="none" rtlCol="0">
+                <a:spAutoFit/>
+              </a:bodyPr>
+              <a:lstStyle/>
+              <a:p>
+                <a14:m>
+                  <m:oMathPara xmlns:m="http://schemas.openxmlformats.org/officeDocument/2006/math">
+                    <m:oMathParaPr>
+                      <m:jc m:val="centerGroup"/>
+                    </m:oMathParaPr>
+                    <m:oMath xmlns:m="http://schemas.openxmlformats.org/officeDocument/2006/math">
+                      <m:sSub>
+                        <m:sSubPr>
+                          <m:ctrlPr>
+                            <a:rPr lang="es-ES" b="0" i="1" smtClean="0">
+                              <a:latin typeface="Cambria Math" panose="02040503050406030204" pitchFamily="18" charset="0"/>
+                            </a:rPr>
+                          </m:ctrlPr>
+                        </m:sSubPr>
+                        <m:e>
+                          <m:r>
+                            <a:rPr lang="es-ES" b="0" i="1" smtClean="0">
+                              <a:latin typeface="Cambria Math" panose="02040503050406030204" pitchFamily="18" charset="0"/>
+                            </a:rPr>
+                            <m:t>𝑥</m:t>
+                          </m:r>
+                        </m:e>
+                        <m:sub>
+                          <m:r>
+                            <a:rPr lang="es-ES" b="0" i="1" smtClean="0">
+                              <a:latin typeface="Cambria Math" panose="02040503050406030204" pitchFamily="18" charset="0"/>
+                            </a:rPr>
+                            <m:t>𝑘</m:t>
+                          </m:r>
+                        </m:sub>
+                      </m:sSub>
+                    </m:oMath>
+                  </m:oMathPara>
+                </a14:m>
+                <a:endParaRPr lang="es-CO" dirty="0"/>
+              </a:p>
+            </p:txBody>
+          </p:sp>
+        </mc:Choice>
+        <mc:Fallback>
+          <p:sp>
+            <p:nvSpPr>
+              <p:cNvPr id="15" name="CuadroTexto 14">
+                <a:extLst>
+                  <a:ext uri="{FF2B5EF4-FFF2-40B4-BE49-F238E27FC236}">
+                    <a16:creationId xmlns:a16="http://schemas.microsoft.com/office/drawing/2014/main" id="{758C14C6-E213-AE45-BD1E-B6B325F212C3}"/>
+                  </a:ext>
+                </a:extLst>
+              </p:cNvPr>
+              <p:cNvSpPr txBox="1">
+                <a:spLocks noRot="1" noChangeAspect="1" noMove="1" noResize="1" noEditPoints="1" noAdjustHandles="1" noChangeArrowheads="1" noChangeShapeType="1" noTextEdit="1"/>
+              </p:cNvSpPr>
+              <p:nvPr/>
+            </p:nvSpPr>
+            <p:spPr>
+              <a:xfrm>
+                <a:off x="3650164" y="4665763"/>
+                <a:ext cx="475836" cy="369332"/>
+              </a:xfrm>
+              <a:prstGeom prst="rect">
+                <a:avLst/>
+              </a:prstGeom>
+              <a:blipFill>
+                <a:blip r:embed="rId3"/>
+                <a:stretch>
+                  <a:fillRect/>
+                </a:stretch>
+              </a:blipFill>
+            </p:spPr>
+            <p:txBody>
+              <a:bodyPr/>
+              <a:lstStyle/>
+              <a:p>
+                <a:r>
+                  <a:rPr lang="es-CO">
+                    <a:noFill/>
+                  </a:rPr>
+                  <a:t> </a:t>
+                </a:r>
+              </a:p>
+            </p:txBody>
+          </p:sp>
+        </mc:Fallback>
+      </mc:AlternateContent>
+      <mc:AlternateContent xmlns:mc="http://schemas.openxmlformats.org/markup-compatibility/2006">
+        <mc:Choice xmlns:a14="http://schemas.microsoft.com/office/drawing/2010/main" Requires="a14">
+          <p:sp>
+            <p:nvSpPr>
+              <p:cNvPr id="17" name="CuadroTexto 16">
+                <a:extLst>
+                  <a:ext uri="{FF2B5EF4-FFF2-40B4-BE49-F238E27FC236}">
+                    <a16:creationId xmlns:a16="http://schemas.microsoft.com/office/drawing/2014/main" id="{6ACBEAF1-4D06-B046-B521-86EE34638994}"/>
+                  </a:ext>
+                </a:extLst>
+              </p:cNvPr>
+              <p:cNvSpPr txBox="1"/>
+              <p:nvPr/>
+            </p:nvSpPr>
+            <p:spPr>
+              <a:xfrm>
+                <a:off x="2516881" y="3729077"/>
+                <a:ext cx="1357166" cy="369332"/>
+              </a:xfrm>
+              <a:prstGeom prst="rect">
+                <a:avLst/>
+              </a:prstGeom>
+              <a:noFill/>
+            </p:spPr>
+            <p:txBody>
+              <a:bodyPr wrap="none" rtlCol="0">
+                <a:spAutoFit/>
+              </a:bodyPr>
+              <a:lstStyle/>
+              <a:p>
+                <a14:m>
+                  <m:oMathPara xmlns:m="http://schemas.openxmlformats.org/officeDocument/2006/math">
+                    <m:oMathParaPr>
+                      <m:jc m:val="centerGroup"/>
+                    </m:oMathParaPr>
+                    <m:oMath xmlns:m="http://schemas.openxmlformats.org/officeDocument/2006/math">
+                      <m:sSub>
+                        <m:sSubPr>
+                          <m:ctrlPr>
+                            <a:rPr lang="es-ES" b="0" i="1" smtClean="0">
+                              <a:latin typeface="Cambria Math" panose="02040503050406030204" pitchFamily="18" charset="0"/>
+                            </a:rPr>
+                          </m:ctrlPr>
+                        </m:sSubPr>
+                        <m:e>
+                          <m:r>
+                            <a:rPr lang="es-ES" b="0" i="1" smtClean="0">
+                              <a:latin typeface="Cambria Math" panose="02040503050406030204" pitchFamily="18" charset="0"/>
+                            </a:rPr>
+                            <m:t>𝑦</m:t>
+                          </m:r>
+                        </m:e>
+                        <m:sub>
+                          <m:r>
+                            <a:rPr lang="es-ES" b="0" i="1" smtClean="0">
+                              <a:latin typeface="Cambria Math" panose="02040503050406030204" pitchFamily="18" charset="0"/>
+                            </a:rPr>
+                            <m:t>𝑘</m:t>
+                          </m:r>
+                        </m:sub>
+                      </m:sSub>
+                      <m:r>
+                        <a:rPr lang="es-ES" b="0" i="1" smtClean="0">
+                          <a:latin typeface="Cambria Math" panose="02040503050406030204" pitchFamily="18" charset="0"/>
+                        </a:rPr>
+                        <m:t>=</m:t>
+                      </m:r>
+                      <m:r>
+                        <a:rPr lang="es-ES" b="0" i="1" smtClean="0">
+                          <a:latin typeface="Cambria Math" panose="02040503050406030204" pitchFamily="18" charset="0"/>
+                        </a:rPr>
+                        <m:t>𝑓</m:t>
+                      </m:r>
+                      <m:r>
+                        <a:rPr lang="es-ES" b="0" i="1" smtClean="0">
+                          <a:latin typeface="Cambria Math" panose="02040503050406030204" pitchFamily="18" charset="0"/>
+                        </a:rPr>
+                        <m:t>(</m:t>
+                      </m:r>
+                      <m:sSub>
+                        <m:sSubPr>
+                          <m:ctrlPr>
+                            <a:rPr lang="es-ES" b="0" i="1" smtClean="0">
+                              <a:latin typeface="Cambria Math" panose="02040503050406030204" pitchFamily="18" charset="0"/>
+                            </a:rPr>
+                          </m:ctrlPr>
+                        </m:sSubPr>
+                        <m:e>
+                          <m:r>
+                            <a:rPr lang="es-ES" b="0" i="1" smtClean="0">
+                              <a:latin typeface="Cambria Math" panose="02040503050406030204" pitchFamily="18" charset="0"/>
+                            </a:rPr>
+                            <m:t>𝑥</m:t>
+                          </m:r>
+                        </m:e>
+                        <m:sub>
+                          <m:r>
+                            <a:rPr lang="es-ES" b="0" i="1" smtClean="0">
+                              <a:latin typeface="Cambria Math" panose="02040503050406030204" pitchFamily="18" charset="0"/>
+                            </a:rPr>
+                            <m:t>𝑘</m:t>
+                          </m:r>
+                        </m:sub>
+                      </m:sSub>
+                      <m:r>
+                        <a:rPr lang="es-ES" b="0" i="1" smtClean="0">
+                          <a:latin typeface="Cambria Math" panose="02040503050406030204" pitchFamily="18" charset="0"/>
+                        </a:rPr>
+                        <m:t>)</m:t>
+                      </m:r>
+                    </m:oMath>
+                  </m:oMathPara>
+                </a14:m>
+                <a:endParaRPr lang="es-CO" dirty="0"/>
+              </a:p>
+            </p:txBody>
+          </p:sp>
+        </mc:Choice>
+        <mc:Fallback>
+          <p:sp>
+            <p:nvSpPr>
+              <p:cNvPr id="17" name="CuadroTexto 16">
+                <a:extLst>
+                  <a:ext uri="{FF2B5EF4-FFF2-40B4-BE49-F238E27FC236}">
+                    <a16:creationId xmlns:a16="http://schemas.microsoft.com/office/drawing/2014/main" id="{6ACBEAF1-4D06-B046-B521-86EE34638994}"/>
+                  </a:ext>
+                </a:extLst>
+              </p:cNvPr>
+              <p:cNvSpPr txBox="1">
+                <a:spLocks noRot="1" noChangeAspect="1" noMove="1" noResize="1" noEditPoints="1" noAdjustHandles="1" noChangeArrowheads="1" noChangeShapeType="1" noTextEdit="1"/>
+              </p:cNvSpPr>
+              <p:nvPr/>
+            </p:nvSpPr>
+            <p:spPr>
+              <a:xfrm>
+                <a:off x="2516881" y="3729077"/>
+                <a:ext cx="1357166" cy="369332"/>
+              </a:xfrm>
+              <a:prstGeom prst="rect">
+                <a:avLst/>
+              </a:prstGeom>
+              <a:blipFill>
+                <a:blip r:embed="rId4"/>
+                <a:stretch>
+                  <a:fillRect b="-13333"/>
+                </a:stretch>
+              </a:blipFill>
+            </p:spPr>
+            <p:txBody>
+              <a:bodyPr/>
+              <a:lstStyle/>
+              <a:p>
+                <a:r>
+                  <a:rPr lang="es-CO">
+                    <a:noFill/>
+                  </a:rPr>
+                  <a:t> </a:t>
+                </a:r>
+              </a:p>
+            </p:txBody>
+          </p:sp>
+        </mc:Fallback>
+      </mc:AlternateContent>
+      <p:cxnSp>
+        <p:nvCxnSpPr>
+          <p:cNvPr id="4" name="Conector recto 3">
+            <a:extLst>
+              <a:ext uri="{FF2B5EF4-FFF2-40B4-BE49-F238E27FC236}">
+                <a16:creationId xmlns:a16="http://schemas.microsoft.com/office/drawing/2014/main" id="{F385F535-5102-F140-ABE5-86F44C28C8C6}"/>
+              </a:ext>
+            </a:extLst>
+          </p:cNvPr>
+          <p:cNvCxnSpPr>
+            <a:cxnSpLocks/>
+          </p:cNvCxnSpPr>
+          <p:nvPr/>
+        </p:nvCxnSpPr>
+        <p:spPr>
+          <a:xfrm flipV="1">
+            <a:off x="2337389" y="3088433"/>
+            <a:ext cx="3935567" cy="1751634"/>
+          </a:xfrm>
+          <a:prstGeom prst="line">
+            <a:avLst/>
+          </a:prstGeom>
+          <a:ln w="38100">
+            <a:solidFill>
+              <a:srgbClr val="FF0000"/>
+            </a:solidFill>
+            <a:prstDash val="dash"/>
+          </a:ln>
+        </p:spPr>
+        <p:style>
+          <a:lnRef idx="1">
+            <a:schemeClr val="accent1"/>
+          </a:lnRef>
+          <a:fillRef idx="0">
+            <a:schemeClr val="accent1"/>
+          </a:fillRef>
+          <a:effectRef idx="0">
+            <a:schemeClr val="accent1"/>
+          </a:effectRef>
+          <a:fontRef idx="minor">
+            <a:schemeClr val="tx1"/>
+          </a:fontRef>
+        </p:style>
+      </p:cxnSp>
+    </p:spTree>
+    <p:extLst>
+      <p:ext uri="{BB962C8B-B14F-4D97-AF65-F5344CB8AC3E}">
+        <p14:creationId xmlns:p14="http://schemas.microsoft.com/office/powerpoint/2010/main" val="2332245057"/>
+      </p:ext>
+    </p:extLst>
+  </p:cSld>
+  <p:clrMapOvr>
+    <a:masterClrMapping/>
+  </p:clrMapOvr>
+</p:sld>
+</file>
+
+<file path=ppt/slides/slide4.xml><?xml version="1.0" encoding="utf-8"?>
+<p:sld xmlns:a="http://schemas.openxmlformats.org/drawingml/2006/main" xmlns:r="http://schemas.openxmlformats.org/officeDocument/2006/relationships" xmlns:p="http://schemas.openxmlformats.org/presentationml/2006/main">
+  <p:cSld>
+    <p:spTree>
+      <p:nvGrpSpPr>
+        <p:cNvPr id="1" name=""/>
+        <p:cNvGrpSpPr/>
+        <p:nvPr/>
+      </p:nvGrpSpPr>
+      <p:grpSpPr>
+        <a:xfrm>
+          <a:off x="0" y="0"/>
+          <a:ext cx="0" cy="0"/>
+          <a:chOff x="0" y="0"/>
+          <a:chExt cx="0" cy="0"/>
+        </a:xfrm>
+      </p:grpSpPr>
+      <p:cxnSp>
+        <p:nvCxnSpPr>
+          <p:cNvPr id="3" name="Conector recto de flecha 2">
+            <a:extLst>
+              <a:ext uri="{FF2B5EF4-FFF2-40B4-BE49-F238E27FC236}">
+                <a16:creationId xmlns:a16="http://schemas.microsoft.com/office/drawing/2014/main" id="{A7E5D910-466C-DB47-BCEE-52E2A3682150}"/>
+              </a:ext>
+            </a:extLst>
+          </p:cNvPr>
+          <p:cNvCxnSpPr>
+            <a:cxnSpLocks/>
+          </p:cNvCxnSpPr>
+          <p:nvPr/>
+        </p:nvCxnSpPr>
+        <p:spPr>
+          <a:xfrm flipV="1">
+            <a:off x="4655331" y="1035698"/>
+            <a:ext cx="0" cy="4842589"/>
+          </a:xfrm>
+          <a:prstGeom prst="straightConnector1">
+            <a:avLst/>
+          </a:prstGeom>
+          <a:ln w="15875">
+            <a:solidFill>
+              <a:schemeClr val="tx1"/>
+            </a:solidFill>
+            <a:headEnd type="stealth"/>
+            <a:tailEnd type="stealth"/>
+          </a:ln>
+        </p:spPr>
+        <p:style>
+          <a:lnRef idx="1">
+            <a:schemeClr val="accent1"/>
+          </a:lnRef>
+          <a:fillRef idx="0">
+            <a:schemeClr val="accent1"/>
+          </a:fillRef>
+          <a:effectRef idx="0">
+            <a:schemeClr val="accent1"/>
+          </a:effectRef>
+          <a:fontRef idx="minor">
+            <a:schemeClr val="tx1"/>
+          </a:fontRef>
+        </p:style>
+      </p:cxnSp>
+      <p:cxnSp>
+        <p:nvCxnSpPr>
+          <p:cNvPr id="5" name="Conector recto de flecha 4">
+            <a:extLst>
+              <a:ext uri="{FF2B5EF4-FFF2-40B4-BE49-F238E27FC236}">
+                <a16:creationId xmlns:a16="http://schemas.microsoft.com/office/drawing/2014/main" id="{353B6D8C-0752-EF49-83A5-5052A58D6146}"/>
+              </a:ext>
+            </a:extLst>
+          </p:cNvPr>
+          <p:cNvCxnSpPr>
+            <a:cxnSpLocks/>
+          </p:cNvCxnSpPr>
+          <p:nvPr/>
+        </p:nvCxnSpPr>
+        <p:spPr>
+          <a:xfrm flipH="1">
+            <a:off x="1548883" y="3601616"/>
+            <a:ext cx="6363476" cy="0"/>
+          </a:xfrm>
+          <a:prstGeom prst="straightConnector1">
+            <a:avLst/>
+          </a:prstGeom>
+          <a:ln w="15875">
+            <a:solidFill>
+              <a:schemeClr val="tx1"/>
+            </a:solidFill>
+            <a:headEnd type="stealth"/>
+            <a:tailEnd type="stealth"/>
+          </a:ln>
+        </p:spPr>
+        <p:style>
+          <a:lnRef idx="1">
+            <a:schemeClr val="accent1"/>
+          </a:lnRef>
+          <a:fillRef idx="0">
+            <a:schemeClr val="accent1"/>
+          </a:fillRef>
+          <a:effectRef idx="0">
+            <a:schemeClr val="accent1"/>
+          </a:effectRef>
+          <a:fontRef idx="minor">
+            <a:schemeClr val="tx1"/>
+          </a:fontRef>
+        </p:style>
+      </p:cxnSp>
+      <p:sp>
+        <p:nvSpPr>
+          <p:cNvPr id="11" name="Forma libre 10">
+            <a:extLst>
+              <a:ext uri="{FF2B5EF4-FFF2-40B4-BE49-F238E27FC236}">
+                <a16:creationId xmlns:a16="http://schemas.microsoft.com/office/drawing/2014/main" id="{2AAD6773-817E-2045-AF08-BEED2AF50D88}"/>
+              </a:ext>
+            </a:extLst>
+          </p:cNvPr>
+          <p:cNvSpPr/>
+          <p:nvPr/>
+        </p:nvSpPr>
+        <p:spPr>
+          <a:xfrm>
+            <a:off x="2663245" y="1390261"/>
+            <a:ext cx="3984171" cy="1464909"/>
+          </a:xfrm>
+          <a:custGeom>
+            <a:avLst/>
+            <a:gdLst>
+              <a:gd name="connsiteX0" fmla="*/ 0 w 3984171"/>
+              <a:gd name="connsiteY0" fmla="*/ 0 h 1464909"/>
+              <a:gd name="connsiteX1" fmla="*/ 2034074 w 3984171"/>
+              <a:gd name="connsiteY1" fmla="*/ 1464907 h 1464909"/>
+              <a:gd name="connsiteX2" fmla="*/ 3984171 w 3984171"/>
+              <a:gd name="connsiteY2" fmla="*/ 9331 h 1464909"/>
+              <a:gd name="connsiteX0" fmla="*/ 0 w 3984171"/>
+              <a:gd name="connsiteY0" fmla="*/ 0 h 1464909"/>
+              <a:gd name="connsiteX1" fmla="*/ 2034074 w 3984171"/>
+              <a:gd name="connsiteY1" fmla="*/ 1464907 h 1464909"/>
+              <a:gd name="connsiteX2" fmla="*/ 3984171 w 3984171"/>
+              <a:gd name="connsiteY2" fmla="*/ 9331 h 1464909"/>
+              <a:gd name="connsiteX0" fmla="*/ 0 w 3984171"/>
+              <a:gd name="connsiteY0" fmla="*/ 0 h 1464909"/>
+              <a:gd name="connsiteX1" fmla="*/ 2034074 w 3984171"/>
+              <a:gd name="connsiteY1" fmla="*/ 1464907 h 1464909"/>
+              <a:gd name="connsiteX2" fmla="*/ 3984171 w 3984171"/>
+              <a:gd name="connsiteY2" fmla="*/ 9331 h 1464909"/>
+              <a:gd name="connsiteX0" fmla="*/ 0 w 3984171"/>
+              <a:gd name="connsiteY0" fmla="*/ 0 h 1464909"/>
+              <a:gd name="connsiteX1" fmla="*/ 2034074 w 3984171"/>
+              <a:gd name="connsiteY1" fmla="*/ 1464907 h 1464909"/>
+              <a:gd name="connsiteX2" fmla="*/ 3984171 w 3984171"/>
+              <a:gd name="connsiteY2" fmla="*/ 9331 h 1464909"/>
+            </a:gdLst>
+            <a:ahLst/>
+            <a:cxnLst>
+              <a:cxn ang="0">
+                <a:pos x="connsiteX0" y="connsiteY0"/>
+              </a:cxn>
+              <a:cxn ang="0">
+                <a:pos x="connsiteX1" y="connsiteY1"/>
+              </a:cxn>
+              <a:cxn ang="0">
+                <a:pos x="connsiteX2" y="connsiteY2"/>
+              </a:cxn>
+            </a:cxnLst>
+            <a:rect l="l" t="t" r="r" b="b"/>
+            <a:pathLst>
+              <a:path w="3984171" h="1464909">
+                <a:moveTo>
+                  <a:pt x="0" y="0"/>
+                </a:moveTo>
+                <a:cubicBezTo>
+                  <a:pt x="517072" y="834313"/>
+                  <a:pt x="1370046" y="1463352"/>
+                  <a:pt x="2034074" y="1464907"/>
+                </a:cubicBezTo>
+                <a:cubicBezTo>
+                  <a:pt x="2698102" y="1466462"/>
+                  <a:pt x="3518418" y="793880"/>
+                  <a:pt x="3984171" y="9331"/>
+                </a:cubicBezTo>
+              </a:path>
+            </a:pathLst>
+          </a:custGeom>
+          <a:noFill/>
+          <a:ln w="25400">
+            <a:solidFill>
+              <a:schemeClr val="tx1"/>
+            </a:solidFill>
+          </a:ln>
+        </p:spPr>
+        <p:style>
+          <a:lnRef idx="2">
+            <a:schemeClr val="accent1">
+              <a:shade val="50000"/>
+            </a:schemeClr>
+          </a:lnRef>
+          <a:fillRef idx="1">
+            <a:schemeClr val="accent1"/>
+          </a:fillRef>
+          <a:effectRef idx="0">
+            <a:schemeClr val="accent1"/>
+          </a:effectRef>
+          <a:fontRef idx="minor">
+            <a:schemeClr val="lt1"/>
+          </a:fontRef>
+        </p:style>
+        <p:txBody>
+          <a:bodyPr rtlCol="0" anchor="ctr"/>
+          <a:lstStyle/>
+          <a:p>
+            <a:pPr algn="ctr"/>
+            <a:endParaRPr lang="es-CO" dirty="0"/>
+          </a:p>
+        </p:txBody>
+      </p:sp>
+      <p:sp>
+        <p:nvSpPr>
+          <p:cNvPr id="12" name="Forma libre 11">
+            <a:extLst>
+              <a:ext uri="{FF2B5EF4-FFF2-40B4-BE49-F238E27FC236}">
+                <a16:creationId xmlns:a16="http://schemas.microsoft.com/office/drawing/2014/main" id="{06379C02-6D8F-BE43-9835-E911A99F5B0B}"/>
+              </a:ext>
+            </a:extLst>
+          </p:cNvPr>
+          <p:cNvSpPr/>
+          <p:nvPr/>
+        </p:nvSpPr>
+        <p:spPr>
+          <a:xfrm rot="10800000">
+            <a:off x="2663245" y="4063478"/>
+            <a:ext cx="3984171" cy="1464909"/>
+          </a:xfrm>
+          <a:custGeom>
+            <a:avLst/>
+            <a:gdLst>
+              <a:gd name="connsiteX0" fmla="*/ 0 w 3984171"/>
+              <a:gd name="connsiteY0" fmla="*/ 0 h 1464909"/>
+              <a:gd name="connsiteX1" fmla="*/ 2034074 w 3984171"/>
+              <a:gd name="connsiteY1" fmla="*/ 1464907 h 1464909"/>
+              <a:gd name="connsiteX2" fmla="*/ 3984171 w 3984171"/>
+              <a:gd name="connsiteY2" fmla="*/ 9331 h 1464909"/>
+              <a:gd name="connsiteX0" fmla="*/ 0 w 3984171"/>
+              <a:gd name="connsiteY0" fmla="*/ 0 h 1464909"/>
+              <a:gd name="connsiteX1" fmla="*/ 2034074 w 3984171"/>
+              <a:gd name="connsiteY1" fmla="*/ 1464907 h 1464909"/>
+              <a:gd name="connsiteX2" fmla="*/ 3984171 w 3984171"/>
+              <a:gd name="connsiteY2" fmla="*/ 9331 h 1464909"/>
+              <a:gd name="connsiteX0" fmla="*/ 0 w 3984171"/>
+              <a:gd name="connsiteY0" fmla="*/ 0 h 1464909"/>
+              <a:gd name="connsiteX1" fmla="*/ 2034074 w 3984171"/>
+              <a:gd name="connsiteY1" fmla="*/ 1464907 h 1464909"/>
+              <a:gd name="connsiteX2" fmla="*/ 3984171 w 3984171"/>
+              <a:gd name="connsiteY2" fmla="*/ 9331 h 1464909"/>
+              <a:gd name="connsiteX0" fmla="*/ 0 w 3984171"/>
+              <a:gd name="connsiteY0" fmla="*/ 0 h 1464909"/>
+              <a:gd name="connsiteX1" fmla="*/ 2034074 w 3984171"/>
+              <a:gd name="connsiteY1" fmla="*/ 1464907 h 1464909"/>
+              <a:gd name="connsiteX2" fmla="*/ 3984171 w 3984171"/>
+              <a:gd name="connsiteY2" fmla="*/ 9331 h 1464909"/>
+            </a:gdLst>
+            <a:ahLst/>
+            <a:cxnLst>
+              <a:cxn ang="0">
+                <a:pos x="connsiteX0" y="connsiteY0"/>
+              </a:cxn>
+              <a:cxn ang="0">
+                <a:pos x="connsiteX1" y="connsiteY1"/>
+              </a:cxn>
+              <a:cxn ang="0">
+                <a:pos x="connsiteX2" y="connsiteY2"/>
+              </a:cxn>
+            </a:cxnLst>
+            <a:rect l="l" t="t" r="r" b="b"/>
+            <a:pathLst>
+              <a:path w="3984171" h="1464909">
+                <a:moveTo>
+                  <a:pt x="0" y="0"/>
+                </a:moveTo>
+                <a:cubicBezTo>
+                  <a:pt x="517072" y="834313"/>
+                  <a:pt x="1370046" y="1463352"/>
+                  <a:pt x="2034074" y="1464907"/>
+                </a:cubicBezTo>
+                <a:cubicBezTo>
+                  <a:pt x="2698102" y="1466462"/>
+                  <a:pt x="3518418" y="793880"/>
+                  <a:pt x="3984171" y="9331"/>
+                </a:cubicBezTo>
+              </a:path>
+            </a:pathLst>
+          </a:custGeom>
+          <a:noFill/>
+          <a:ln w="25400">
+            <a:solidFill>
+              <a:schemeClr val="tx1"/>
+            </a:solidFill>
+          </a:ln>
+        </p:spPr>
+        <p:style>
+          <a:lnRef idx="2">
+            <a:schemeClr val="accent1">
+              <a:shade val="50000"/>
+            </a:schemeClr>
+          </a:lnRef>
+          <a:fillRef idx="1">
+            <a:schemeClr val="accent1"/>
+          </a:fillRef>
+          <a:effectRef idx="0">
+            <a:schemeClr val="accent1"/>
+          </a:effectRef>
+          <a:fontRef idx="minor">
+            <a:schemeClr val="lt1"/>
+          </a:fontRef>
+        </p:style>
+        <p:txBody>
+          <a:bodyPr rtlCol="0" anchor="ctr"/>
+          <a:lstStyle/>
+          <a:p>
+            <a:pPr algn="ctr"/>
+            <a:endParaRPr lang="es-CO" dirty="0"/>
+          </a:p>
+        </p:txBody>
+      </p:sp>
+      <p:sp>
+        <p:nvSpPr>
+          <p:cNvPr id="13" name="Elipse 12">
+            <a:extLst>
+              <a:ext uri="{FF2B5EF4-FFF2-40B4-BE49-F238E27FC236}">
+                <a16:creationId xmlns:a16="http://schemas.microsoft.com/office/drawing/2014/main" id="{42408D53-865E-F548-89F7-59B6BCB8DDC9}"/>
+              </a:ext>
+            </a:extLst>
+          </p:cNvPr>
+          <p:cNvSpPr/>
+          <p:nvPr/>
+        </p:nvSpPr>
+        <p:spPr>
+          <a:xfrm>
+            <a:off x="5850294" y="2239347"/>
+            <a:ext cx="121298" cy="121298"/>
+          </a:xfrm>
+          <a:prstGeom prst="ellipse">
+            <a:avLst/>
+          </a:prstGeom>
+          <a:solidFill>
+            <a:schemeClr val="tx1"/>
+          </a:solidFill>
+          <a:ln>
+            <a:solidFill>
+              <a:schemeClr val="tx1"/>
+            </a:solidFill>
+          </a:ln>
+        </p:spPr>
+        <p:style>
+          <a:lnRef idx="2">
+            <a:schemeClr val="accent1">
+              <a:shade val="50000"/>
+            </a:schemeClr>
+          </a:lnRef>
+          <a:fillRef idx="1">
+            <a:schemeClr val="accent1"/>
+          </a:fillRef>
+          <a:effectRef idx="0">
+            <a:schemeClr val="accent1"/>
+          </a:effectRef>
+          <a:fontRef idx="minor">
+            <a:schemeClr val="lt1"/>
+          </a:fontRef>
+        </p:style>
+        <p:txBody>
+          <a:bodyPr rtlCol="0" anchor="ctr"/>
+          <a:lstStyle/>
+          <a:p>
+            <a:pPr algn="ctr"/>
+            <a:endParaRPr lang="es-CO"/>
+          </a:p>
+        </p:txBody>
+      </p:sp>
+      <p:cxnSp>
+        <p:nvCxnSpPr>
+          <p:cNvPr id="14" name="Conector recto 13">
+            <a:extLst>
+              <a:ext uri="{FF2B5EF4-FFF2-40B4-BE49-F238E27FC236}">
+                <a16:creationId xmlns:a16="http://schemas.microsoft.com/office/drawing/2014/main" id="{3D33590C-01C4-FD4E-94F9-152066331C30}"/>
+              </a:ext>
+            </a:extLst>
+          </p:cNvPr>
+          <p:cNvCxnSpPr>
+            <a:cxnSpLocks/>
+          </p:cNvCxnSpPr>
+          <p:nvPr/>
+        </p:nvCxnSpPr>
+        <p:spPr>
+          <a:xfrm flipV="1">
+            <a:off x="5247071" y="1745673"/>
+            <a:ext cx="1308996" cy="1109497"/>
+          </a:xfrm>
+          <a:prstGeom prst="line">
+            <a:avLst/>
+          </a:prstGeom>
+          <a:ln w="38100">
+            <a:solidFill>
+              <a:srgbClr val="FF0000"/>
+            </a:solidFill>
+            <a:prstDash val="solid"/>
+          </a:ln>
+        </p:spPr>
+        <p:style>
+          <a:lnRef idx="1">
+            <a:schemeClr val="accent1"/>
+          </a:lnRef>
+          <a:fillRef idx="0">
+            <a:schemeClr val="accent1"/>
+          </a:fillRef>
+          <a:effectRef idx="0">
+            <a:schemeClr val="accent1"/>
+          </a:effectRef>
+          <a:fontRef idx="minor">
+            <a:schemeClr val="tx1"/>
+          </a:fontRef>
+        </p:style>
+      </p:cxnSp>
+      <mc:AlternateContent xmlns:mc="http://schemas.openxmlformats.org/markup-compatibility/2006">
+        <mc:Choice xmlns:a14="http://schemas.microsoft.com/office/drawing/2010/main" Requires="a14">
+          <p:sp>
+            <p:nvSpPr>
+              <p:cNvPr id="17" name="CuadroTexto 16">
+                <a:extLst>
+                  <a:ext uri="{FF2B5EF4-FFF2-40B4-BE49-F238E27FC236}">
+                    <a16:creationId xmlns:a16="http://schemas.microsoft.com/office/drawing/2014/main" id="{48DDC976-C645-2B4E-A58D-1379AD8C252D}"/>
+                  </a:ext>
+                </a:extLst>
+              </p:cNvPr>
+              <p:cNvSpPr txBox="1"/>
+              <p:nvPr/>
+            </p:nvSpPr>
+            <p:spPr>
+              <a:xfrm>
+                <a:off x="5971592" y="2224052"/>
+                <a:ext cx="1424493" cy="618246"/>
+              </a:xfrm>
+              <a:prstGeom prst="rect">
+                <a:avLst/>
+              </a:prstGeom>
+              <a:noFill/>
+            </p:spPr>
+            <p:txBody>
+              <a:bodyPr wrap="none" rtlCol="0">
+                <a:spAutoFit/>
+              </a:bodyPr>
+              <a:lstStyle/>
+              <a:p>
+                <a14:m>
+                  <m:oMathPara xmlns:m="http://schemas.openxmlformats.org/officeDocument/2006/math">
+                    <m:oMathParaPr>
+                      <m:jc m:val="centerGroup"/>
+                    </m:oMathParaPr>
+                    <m:oMath xmlns:m="http://schemas.openxmlformats.org/officeDocument/2006/math">
+                      <m:f>
+                        <m:fPr>
+                          <m:ctrlPr>
+                            <a:rPr lang="es-CO" i="1" smtClean="0">
+                              <a:latin typeface="Cambria Math" panose="02040503050406030204" pitchFamily="18" charset="0"/>
+                            </a:rPr>
+                          </m:ctrlPr>
+                        </m:fPr>
+                        <m:num>
+                          <m:r>
+                            <a:rPr lang="es-ES" b="0" i="1" smtClean="0">
+                              <a:latin typeface="Cambria Math" panose="02040503050406030204" pitchFamily="18" charset="0"/>
+                            </a:rPr>
+                            <m:t>𝑑</m:t>
+                          </m:r>
+                        </m:num>
+                        <m:den>
+                          <m:r>
+                            <a:rPr lang="es-ES" b="0" i="1" smtClean="0">
+                              <a:latin typeface="Cambria Math" panose="02040503050406030204" pitchFamily="18" charset="0"/>
+                            </a:rPr>
+                            <m:t>𝑑𝑥</m:t>
+                          </m:r>
+                        </m:den>
+                      </m:f>
+                      <m:r>
+                        <a:rPr lang="es-ES" b="0" i="1" smtClean="0">
+                          <a:latin typeface="Cambria Math" panose="02040503050406030204" pitchFamily="18" charset="0"/>
+                        </a:rPr>
+                        <m:t>𝑓</m:t>
+                      </m:r>
+                      <m:d>
+                        <m:dPr>
+                          <m:ctrlPr>
+                            <a:rPr lang="es-ES" b="0" i="1" smtClean="0">
+                              <a:latin typeface="Cambria Math" panose="02040503050406030204" pitchFamily="18" charset="0"/>
+                            </a:rPr>
+                          </m:ctrlPr>
+                        </m:dPr>
+                        <m:e>
+                          <m:r>
+                            <a:rPr lang="es-ES" b="0" i="1" smtClean="0">
+                              <a:latin typeface="Cambria Math" panose="02040503050406030204" pitchFamily="18" charset="0"/>
+                            </a:rPr>
+                            <m:t>𝑥</m:t>
+                          </m:r>
+                        </m:e>
+                      </m:d>
+                      <m:r>
+                        <a:rPr lang="es-ES" b="0" i="1" smtClean="0">
+                          <a:latin typeface="Cambria Math" panose="02040503050406030204" pitchFamily="18" charset="0"/>
+                        </a:rPr>
+                        <m:t>&gt;0</m:t>
+                      </m:r>
+                    </m:oMath>
+                  </m:oMathPara>
+                </a14:m>
+                <a:endParaRPr lang="es-CO" dirty="0"/>
+              </a:p>
+            </p:txBody>
+          </p:sp>
+        </mc:Choice>
+        <mc:Fallback>
+          <p:sp>
+            <p:nvSpPr>
+              <p:cNvPr id="17" name="CuadroTexto 16">
+                <a:extLst>
+                  <a:ext uri="{FF2B5EF4-FFF2-40B4-BE49-F238E27FC236}">
+                    <a16:creationId xmlns:a16="http://schemas.microsoft.com/office/drawing/2014/main" id="{48DDC976-C645-2B4E-A58D-1379AD8C252D}"/>
+                  </a:ext>
+                </a:extLst>
+              </p:cNvPr>
+              <p:cNvSpPr txBox="1">
+                <a:spLocks noRot="1" noChangeAspect="1" noMove="1" noResize="1" noEditPoints="1" noAdjustHandles="1" noChangeArrowheads="1" noChangeShapeType="1" noTextEdit="1"/>
+              </p:cNvSpPr>
+              <p:nvPr/>
+            </p:nvSpPr>
+            <p:spPr>
+              <a:xfrm>
+                <a:off x="5971592" y="2224052"/>
+                <a:ext cx="1424493" cy="618246"/>
+              </a:xfrm>
+              <a:prstGeom prst="rect">
+                <a:avLst/>
+              </a:prstGeom>
+              <a:blipFill>
+                <a:blip r:embed="rId2"/>
+                <a:stretch>
+                  <a:fillRect b="-6122"/>
+                </a:stretch>
+              </a:blipFill>
+            </p:spPr>
+            <p:txBody>
+              <a:bodyPr/>
+              <a:lstStyle/>
+              <a:p>
+                <a:r>
+                  <a:rPr lang="es-CO">
+                    <a:noFill/>
+                  </a:rPr>
+                  <a:t> </a:t>
+                </a:r>
+              </a:p>
+            </p:txBody>
+          </p:sp>
+        </mc:Fallback>
+      </mc:AlternateContent>
+      <p:sp>
+        <p:nvSpPr>
+          <p:cNvPr id="19" name="Elipse 18">
+            <a:extLst>
+              <a:ext uri="{FF2B5EF4-FFF2-40B4-BE49-F238E27FC236}">
+                <a16:creationId xmlns:a16="http://schemas.microsoft.com/office/drawing/2014/main" id="{BC3026A3-AC8B-F047-9141-2FED70EC2F90}"/>
+              </a:ext>
+            </a:extLst>
+          </p:cNvPr>
+          <p:cNvSpPr/>
+          <p:nvPr/>
+        </p:nvSpPr>
+        <p:spPr>
+          <a:xfrm>
+            <a:off x="3236838" y="4666322"/>
+            <a:ext cx="121298" cy="121298"/>
+          </a:xfrm>
+          <a:prstGeom prst="ellipse">
+            <a:avLst/>
+          </a:prstGeom>
+          <a:solidFill>
+            <a:schemeClr val="tx1"/>
+          </a:solidFill>
+          <a:ln>
+            <a:solidFill>
+              <a:schemeClr val="tx1"/>
+            </a:solidFill>
+          </a:ln>
+        </p:spPr>
+        <p:style>
+          <a:lnRef idx="2">
+            <a:schemeClr val="accent1">
+              <a:shade val="50000"/>
+            </a:schemeClr>
+          </a:lnRef>
+          <a:fillRef idx="1">
+            <a:schemeClr val="accent1"/>
+          </a:fillRef>
+          <a:effectRef idx="0">
+            <a:schemeClr val="accent1"/>
+          </a:effectRef>
+          <a:fontRef idx="minor">
+            <a:schemeClr val="lt1"/>
+          </a:fontRef>
+        </p:style>
+        <p:txBody>
+          <a:bodyPr rtlCol="0" anchor="ctr"/>
+          <a:lstStyle/>
+          <a:p>
+            <a:pPr algn="ctr"/>
+            <a:endParaRPr lang="es-CO"/>
+          </a:p>
+        </p:txBody>
+      </p:sp>
+      <p:cxnSp>
+        <p:nvCxnSpPr>
+          <p:cNvPr id="18" name="Conector recto 17">
+            <a:extLst>
+              <a:ext uri="{FF2B5EF4-FFF2-40B4-BE49-F238E27FC236}">
+                <a16:creationId xmlns:a16="http://schemas.microsoft.com/office/drawing/2014/main" id="{AE13CC20-1679-AC4D-9E2F-48B99A9E3A81}"/>
+              </a:ext>
+            </a:extLst>
+          </p:cNvPr>
+          <p:cNvCxnSpPr>
+            <a:cxnSpLocks/>
+          </p:cNvCxnSpPr>
+          <p:nvPr/>
+        </p:nvCxnSpPr>
+        <p:spPr>
+          <a:xfrm flipV="1">
+            <a:off x="2535382" y="4063478"/>
+            <a:ext cx="1454727" cy="1404261"/>
+          </a:xfrm>
+          <a:prstGeom prst="line">
+            <a:avLst/>
+          </a:prstGeom>
+          <a:ln w="38100">
+            <a:solidFill>
+              <a:srgbClr val="FF0000"/>
+            </a:solidFill>
+            <a:prstDash val="solid"/>
+          </a:ln>
+        </p:spPr>
+        <p:style>
+          <a:lnRef idx="1">
+            <a:schemeClr val="accent1"/>
+          </a:lnRef>
+          <a:fillRef idx="0">
+            <a:schemeClr val="accent1"/>
+          </a:fillRef>
+          <a:effectRef idx="0">
+            <a:schemeClr val="accent1"/>
+          </a:effectRef>
+          <a:fontRef idx="minor">
+            <a:schemeClr val="tx1"/>
+          </a:fontRef>
+        </p:style>
+      </p:cxnSp>
+      <mc:AlternateContent xmlns:mc="http://schemas.openxmlformats.org/markup-compatibility/2006">
+        <mc:Choice xmlns:a14="http://schemas.microsoft.com/office/drawing/2010/main" Requires="a14">
+          <p:sp>
+            <p:nvSpPr>
+              <p:cNvPr id="24" name="CuadroTexto 23">
+                <a:extLst>
+                  <a:ext uri="{FF2B5EF4-FFF2-40B4-BE49-F238E27FC236}">
+                    <a16:creationId xmlns:a16="http://schemas.microsoft.com/office/drawing/2014/main" id="{F4E0E10A-E41D-7248-8D88-209BF6A6064C}"/>
+                  </a:ext>
+                </a:extLst>
+              </p:cNvPr>
+              <p:cNvSpPr txBox="1"/>
+              <p:nvPr/>
+            </p:nvSpPr>
+            <p:spPr>
+              <a:xfrm>
+                <a:off x="1786772" y="4417848"/>
+                <a:ext cx="1424493" cy="618246"/>
+              </a:xfrm>
+              <a:prstGeom prst="rect">
+                <a:avLst/>
+              </a:prstGeom>
+              <a:noFill/>
+            </p:spPr>
+            <p:txBody>
+              <a:bodyPr wrap="none" rtlCol="0">
+                <a:spAutoFit/>
+              </a:bodyPr>
+              <a:lstStyle/>
+              <a:p>
+                <a14:m>
+                  <m:oMathPara xmlns:m="http://schemas.openxmlformats.org/officeDocument/2006/math">
+                    <m:oMathParaPr>
+                      <m:jc m:val="centerGroup"/>
+                    </m:oMathParaPr>
+                    <m:oMath xmlns:m="http://schemas.openxmlformats.org/officeDocument/2006/math">
+                      <m:f>
+                        <m:fPr>
+                          <m:ctrlPr>
+                            <a:rPr lang="es-CO" i="1" smtClean="0">
+                              <a:latin typeface="Cambria Math" panose="02040503050406030204" pitchFamily="18" charset="0"/>
+                            </a:rPr>
+                          </m:ctrlPr>
+                        </m:fPr>
+                        <m:num>
+                          <m:r>
+                            <a:rPr lang="es-ES" b="0" i="1" smtClean="0">
+                              <a:latin typeface="Cambria Math" panose="02040503050406030204" pitchFamily="18" charset="0"/>
+                            </a:rPr>
+                            <m:t>𝑑</m:t>
+                          </m:r>
+                        </m:num>
+                        <m:den>
+                          <m:r>
+                            <a:rPr lang="es-ES" b="0" i="1" smtClean="0">
+                              <a:latin typeface="Cambria Math" panose="02040503050406030204" pitchFamily="18" charset="0"/>
+                            </a:rPr>
+                            <m:t>𝑑𝑥</m:t>
+                          </m:r>
+                        </m:den>
+                      </m:f>
+                      <m:r>
+                        <a:rPr lang="es-ES" b="0" i="1" smtClean="0">
+                          <a:latin typeface="Cambria Math" panose="02040503050406030204" pitchFamily="18" charset="0"/>
+                        </a:rPr>
+                        <m:t>𝑓</m:t>
+                      </m:r>
+                      <m:d>
+                        <m:dPr>
+                          <m:ctrlPr>
+                            <a:rPr lang="es-ES" b="0" i="1" smtClean="0">
+                              <a:latin typeface="Cambria Math" panose="02040503050406030204" pitchFamily="18" charset="0"/>
+                            </a:rPr>
+                          </m:ctrlPr>
+                        </m:dPr>
+                        <m:e>
+                          <m:r>
+                            <a:rPr lang="es-ES" b="0" i="1" smtClean="0">
+                              <a:latin typeface="Cambria Math" panose="02040503050406030204" pitchFamily="18" charset="0"/>
+                            </a:rPr>
+                            <m:t>𝑥</m:t>
+                          </m:r>
+                        </m:e>
+                      </m:d>
+                      <m:r>
+                        <a:rPr lang="es-ES" b="0" i="1" smtClean="0">
+                          <a:latin typeface="Cambria Math" panose="02040503050406030204" pitchFamily="18" charset="0"/>
+                        </a:rPr>
+                        <m:t>&gt;0</m:t>
+                      </m:r>
+                    </m:oMath>
+                  </m:oMathPara>
+                </a14:m>
+                <a:endParaRPr lang="es-CO" dirty="0"/>
+              </a:p>
+            </p:txBody>
+          </p:sp>
+        </mc:Choice>
+        <mc:Fallback>
+          <p:sp>
+            <p:nvSpPr>
+              <p:cNvPr id="24" name="CuadroTexto 23">
+                <a:extLst>
+                  <a:ext uri="{FF2B5EF4-FFF2-40B4-BE49-F238E27FC236}">
+                    <a16:creationId xmlns:a16="http://schemas.microsoft.com/office/drawing/2014/main" id="{F4E0E10A-E41D-7248-8D88-209BF6A6064C}"/>
+                  </a:ext>
+                </a:extLst>
+              </p:cNvPr>
+              <p:cNvSpPr txBox="1">
+                <a:spLocks noRot="1" noChangeAspect="1" noMove="1" noResize="1" noEditPoints="1" noAdjustHandles="1" noChangeArrowheads="1" noChangeShapeType="1" noTextEdit="1"/>
+              </p:cNvSpPr>
+              <p:nvPr/>
+            </p:nvSpPr>
+            <p:spPr>
+              <a:xfrm>
+                <a:off x="1786772" y="4417848"/>
+                <a:ext cx="1424493" cy="618246"/>
+              </a:xfrm>
+              <a:prstGeom prst="rect">
+                <a:avLst/>
+              </a:prstGeom>
+              <a:blipFill>
+                <a:blip r:embed="rId3"/>
+                <a:stretch>
+                  <a:fillRect b="-6122"/>
+                </a:stretch>
+              </a:blipFill>
+            </p:spPr>
+            <p:txBody>
+              <a:bodyPr/>
+              <a:lstStyle/>
+              <a:p>
+                <a:r>
+                  <a:rPr lang="es-CO">
+                    <a:noFill/>
+                  </a:rPr>
+                  <a:t> </a:t>
+                </a:r>
+              </a:p>
+            </p:txBody>
+          </p:sp>
+        </mc:Fallback>
+      </mc:AlternateContent>
+      <p:sp>
+        <p:nvSpPr>
+          <p:cNvPr id="28" name="Elipse 27">
+            <a:extLst>
+              <a:ext uri="{FF2B5EF4-FFF2-40B4-BE49-F238E27FC236}">
+                <a16:creationId xmlns:a16="http://schemas.microsoft.com/office/drawing/2014/main" id="{6EDF8B15-EB71-0048-8030-71F5CD115128}"/>
+              </a:ext>
+            </a:extLst>
+          </p:cNvPr>
+          <p:cNvSpPr/>
+          <p:nvPr/>
+        </p:nvSpPr>
+        <p:spPr>
+          <a:xfrm>
+            <a:off x="5737414" y="4509090"/>
+            <a:ext cx="121298" cy="121298"/>
+          </a:xfrm>
+          <a:prstGeom prst="ellipse">
+            <a:avLst/>
+          </a:prstGeom>
+          <a:solidFill>
+            <a:schemeClr val="tx1"/>
+          </a:solidFill>
+          <a:ln>
+            <a:solidFill>
+              <a:schemeClr val="tx1"/>
+            </a:solidFill>
+          </a:ln>
+        </p:spPr>
+        <p:style>
+          <a:lnRef idx="2">
+            <a:schemeClr val="accent1">
+              <a:shade val="50000"/>
+            </a:schemeClr>
+          </a:lnRef>
+          <a:fillRef idx="1">
+            <a:schemeClr val="accent1"/>
+          </a:fillRef>
+          <a:effectRef idx="0">
+            <a:schemeClr val="accent1"/>
+          </a:effectRef>
+          <a:fontRef idx="minor">
+            <a:schemeClr val="lt1"/>
+          </a:fontRef>
+        </p:style>
+        <p:txBody>
+          <a:bodyPr rtlCol="0" anchor="ctr"/>
+          <a:lstStyle/>
+          <a:p>
+            <a:pPr algn="ctr"/>
+            <a:endParaRPr lang="es-CO"/>
+          </a:p>
+        </p:txBody>
+      </p:sp>
+      <p:sp>
+        <p:nvSpPr>
+          <p:cNvPr id="29" name="Elipse 28">
+            <a:extLst>
+              <a:ext uri="{FF2B5EF4-FFF2-40B4-BE49-F238E27FC236}">
+                <a16:creationId xmlns:a16="http://schemas.microsoft.com/office/drawing/2014/main" id="{01E2D107-F6CB-4545-BFCD-3E097DAB5039}"/>
+              </a:ext>
+            </a:extLst>
+          </p:cNvPr>
+          <p:cNvSpPr/>
+          <p:nvPr/>
+        </p:nvSpPr>
+        <p:spPr>
+          <a:xfrm>
+            <a:off x="3228525" y="2091127"/>
+            <a:ext cx="121298" cy="121298"/>
+          </a:xfrm>
+          <a:prstGeom prst="ellipse">
+            <a:avLst/>
+          </a:prstGeom>
+          <a:solidFill>
+            <a:schemeClr val="tx1"/>
+          </a:solidFill>
+          <a:ln>
+            <a:solidFill>
+              <a:schemeClr val="tx1"/>
+            </a:solidFill>
+          </a:ln>
+        </p:spPr>
+        <p:style>
+          <a:lnRef idx="2">
+            <a:schemeClr val="accent1">
+              <a:shade val="50000"/>
+            </a:schemeClr>
+          </a:lnRef>
+          <a:fillRef idx="1">
+            <a:schemeClr val="accent1"/>
+          </a:fillRef>
+          <a:effectRef idx="0">
+            <a:schemeClr val="accent1"/>
+          </a:effectRef>
+          <a:fontRef idx="minor">
+            <a:schemeClr val="lt1"/>
+          </a:fontRef>
+        </p:style>
+        <p:txBody>
+          <a:bodyPr rtlCol="0" anchor="ctr"/>
+          <a:lstStyle/>
+          <a:p>
+            <a:pPr algn="ctr"/>
+            <a:endParaRPr lang="es-CO"/>
+          </a:p>
+        </p:txBody>
+      </p:sp>
+      <p:cxnSp>
+        <p:nvCxnSpPr>
+          <p:cNvPr id="30" name="Conector recto 29">
+            <a:extLst>
+              <a:ext uri="{FF2B5EF4-FFF2-40B4-BE49-F238E27FC236}">
+                <a16:creationId xmlns:a16="http://schemas.microsoft.com/office/drawing/2014/main" id="{4077415D-D675-FE4D-A3C1-755A8D50C7CA}"/>
+              </a:ext>
+            </a:extLst>
+          </p:cNvPr>
+          <p:cNvCxnSpPr>
+            <a:cxnSpLocks/>
+          </p:cNvCxnSpPr>
+          <p:nvPr/>
+        </p:nvCxnSpPr>
+        <p:spPr>
+          <a:xfrm>
+            <a:off x="5178412" y="4049549"/>
+            <a:ext cx="1261233" cy="1054465"/>
+          </a:xfrm>
+          <a:prstGeom prst="line">
+            <a:avLst/>
+          </a:prstGeom>
+          <a:ln w="38100">
+            <a:solidFill>
+              <a:srgbClr val="FF0000"/>
+            </a:solidFill>
+            <a:prstDash val="solid"/>
+          </a:ln>
+        </p:spPr>
+        <p:style>
+          <a:lnRef idx="1">
+            <a:schemeClr val="accent1"/>
+          </a:lnRef>
+          <a:fillRef idx="0">
+            <a:schemeClr val="accent1"/>
+          </a:fillRef>
+          <a:effectRef idx="0">
+            <a:schemeClr val="accent1"/>
+          </a:effectRef>
+          <a:fontRef idx="minor">
+            <a:schemeClr val="tx1"/>
+          </a:fontRef>
+        </p:style>
+      </p:cxnSp>
+      <p:cxnSp>
+        <p:nvCxnSpPr>
+          <p:cNvPr id="25" name="Conector recto 24">
+            <a:extLst>
+              <a:ext uri="{FF2B5EF4-FFF2-40B4-BE49-F238E27FC236}">
+                <a16:creationId xmlns:a16="http://schemas.microsoft.com/office/drawing/2014/main" id="{5F55EEA4-5F59-D14E-8524-44DE6D99F947}"/>
+              </a:ext>
+            </a:extLst>
+          </p:cNvPr>
+          <p:cNvCxnSpPr>
+            <a:cxnSpLocks/>
+          </p:cNvCxnSpPr>
+          <p:nvPr/>
+        </p:nvCxnSpPr>
+        <p:spPr>
+          <a:xfrm>
+            <a:off x="2712720" y="1652960"/>
+            <a:ext cx="1169534" cy="1050289"/>
+          </a:xfrm>
+          <a:prstGeom prst="line">
+            <a:avLst/>
+          </a:prstGeom>
+          <a:ln w="38100">
+            <a:solidFill>
+              <a:srgbClr val="FF0000"/>
+            </a:solidFill>
+            <a:prstDash val="solid"/>
+          </a:ln>
+        </p:spPr>
+        <p:style>
+          <a:lnRef idx="1">
+            <a:schemeClr val="accent1"/>
+          </a:lnRef>
+          <a:fillRef idx="0">
+            <a:schemeClr val="accent1"/>
+          </a:fillRef>
+          <a:effectRef idx="0">
+            <a:schemeClr val="accent1"/>
+          </a:effectRef>
+          <a:fontRef idx="minor">
+            <a:schemeClr val="tx1"/>
+          </a:fontRef>
+        </p:style>
+      </p:cxnSp>
+      <mc:AlternateContent xmlns:mc="http://schemas.openxmlformats.org/markup-compatibility/2006">
+        <mc:Choice xmlns:a14="http://schemas.microsoft.com/office/drawing/2010/main" Requires="a14">
+          <p:sp>
+            <p:nvSpPr>
+              <p:cNvPr id="34" name="CuadroTexto 33">
+                <a:extLst>
+                  <a:ext uri="{FF2B5EF4-FFF2-40B4-BE49-F238E27FC236}">
+                    <a16:creationId xmlns:a16="http://schemas.microsoft.com/office/drawing/2014/main" id="{16287E73-5630-FC44-8AA9-33403E16CF86}"/>
+                  </a:ext>
+                </a:extLst>
+              </p:cNvPr>
+              <p:cNvSpPr txBox="1"/>
+              <p:nvPr/>
+            </p:nvSpPr>
+            <p:spPr>
+              <a:xfrm>
+                <a:off x="1804032" y="1991703"/>
+                <a:ext cx="1424493" cy="618246"/>
+              </a:xfrm>
+              <a:prstGeom prst="rect">
+                <a:avLst/>
+              </a:prstGeom>
+              <a:noFill/>
+            </p:spPr>
+            <p:txBody>
+              <a:bodyPr wrap="none" rtlCol="0">
+                <a:spAutoFit/>
+              </a:bodyPr>
+              <a:lstStyle/>
+              <a:p>
+                <a14:m>
+                  <m:oMathPara xmlns:m="http://schemas.openxmlformats.org/officeDocument/2006/math">
+                    <m:oMathParaPr>
+                      <m:jc m:val="centerGroup"/>
+                    </m:oMathParaPr>
+                    <m:oMath xmlns:m="http://schemas.openxmlformats.org/officeDocument/2006/math">
+                      <m:f>
+                        <m:fPr>
+                          <m:ctrlPr>
+                            <a:rPr lang="es-CO" i="1" smtClean="0">
+                              <a:latin typeface="Cambria Math" panose="02040503050406030204" pitchFamily="18" charset="0"/>
+                            </a:rPr>
+                          </m:ctrlPr>
+                        </m:fPr>
+                        <m:num>
+                          <m:r>
+                            <a:rPr lang="es-ES" b="0" i="1" smtClean="0">
+                              <a:latin typeface="Cambria Math" panose="02040503050406030204" pitchFamily="18" charset="0"/>
+                            </a:rPr>
+                            <m:t>𝑑</m:t>
+                          </m:r>
+                        </m:num>
+                        <m:den>
+                          <m:r>
+                            <a:rPr lang="es-ES" b="0" i="1" smtClean="0">
+                              <a:latin typeface="Cambria Math" panose="02040503050406030204" pitchFamily="18" charset="0"/>
+                            </a:rPr>
+                            <m:t>𝑑𝑥</m:t>
+                          </m:r>
+                        </m:den>
+                      </m:f>
+                      <m:r>
+                        <a:rPr lang="es-ES" b="0" i="1" smtClean="0">
+                          <a:latin typeface="Cambria Math" panose="02040503050406030204" pitchFamily="18" charset="0"/>
+                        </a:rPr>
+                        <m:t>𝑓</m:t>
+                      </m:r>
+                      <m:d>
+                        <m:dPr>
+                          <m:ctrlPr>
+                            <a:rPr lang="es-ES" b="0" i="1" smtClean="0">
+                              <a:latin typeface="Cambria Math" panose="02040503050406030204" pitchFamily="18" charset="0"/>
+                            </a:rPr>
+                          </m:ctrlPr>
+                        </m:dPr>
+                        <m:e>
+                          <m:r>
+                            <a:rPr lang="es-ES" b="0" i="1" smtClean="0">
+                              <a:latin typeface="Cambria Math" panose="02040503050406030204" pitchFamily="18" charset="0"/>
+                            </a:rPr>
+                            <m:t>𝑥</m:t>
+                          </m:r>
+                        </m:e>
+                      </m:d>
+                      <m:r>
+                        <a:rPr lang="es-ES" b="0" i="1" smtClean="0">
+                          <a:latin typeface="Cambria Math" panose="02040503050406030204" pitchFamily="18" charset="0"/>
+                        </a:rPr>
+                        <m:t>&lt;0</m:t>
+                      </m:r>
+                    </m:oMath>
+                  </m:oMathPara>
+                </a14:m>
+                <a:endParaRPr lang="es-CO" dirty="0"/>
+              </a:p>
+            </p:txBody>
+          </p:sp>
+        </mc:Choice>
+        <mc:Fallback>
+          <p:sp>
+            <p:nvSpPr>
+              <p:cNvPr id="34" name="CuadroTexto 33">
+                <a:extLst>
+                  <a:ext uri="{FF2B5EF4-FFF2-40B4-BE49-F238E27FC236}">
+                    <a16:creationId xmlns:a16="http://schemas.microsoft.com/office/drawing/2014/main" id="{16287E73-5630-FC44-8AA9-33403E16CF86}"/>
+                  </a:ext>
+                </a:extLst>
+              </p:cNvPr>
+              <p:cNvSpPr txBox="1">
+                <a:spLocks noRot="1" noChangeAspect="1" noMove="1" noResize="1" noEditPoints="1" noAdjustHandles="1" noChangeArrowheads="1" noChangeShapeType="1" noTextEdit="1"/>
+              </p:cNvSpPr>
+              <p:nvPr/>
+            </p:nvSpPr>
+            <p:spPr>
+              <a:xfrm>
+                <a:off x="1804032" y="1991703"/>
+                <a:ext cx="1424493" cy="618246"/>
+              </a:xfrm>
+              <a:prstGeom prst="rect">
+                <a:avLst/>
+              </a:prstGeom>
+              <a:blipFill>
+                <a:blip r:embed="rId4"/>
+                <a:stretch>
+                  <a:fillRect b="-6000"/>
+                </a:stretch>
+              </a:blipFill>
+            </p:spPr>
+            <p:txBody>
+              <a:bodyPr/>
+              <a:lstStyle/>
+              <a:p>
+                <a:r>
+                  <a:rPr lang="es-CO">
+                    <a:noFill/>
+                  </a:rPr>
+                  <a:t> </a:t>
+                </a:r>
+              </a:p>
+            </p:txBody>
+          </p:sp>
+        </mc:Fallback>
+      </mc:AlternateContent>
+      <mc:AlternateContent xmlns:mc="http://schemas.openxmlformats.org/markup-compatibility/2006">
+        <mc:Choice xmlns:a14="http://schemas.microsoft.com/office/drawing/2010/main" Requires="a14">
+          <p:sp>
+            <p:nvSpPr>
+              <p:cNvPr id="35" name="CuadroTexto 34">
+                <a:extLst>
+                  <a:ext uri="{FF2B5EF4-FFF2-40B4-BE49-F238E27FC236}">
+                    <a16:creationId xmlns:a16="http://schemas.microsoft.com/office/drawing/2014/main" id="{33E61EB1-9AB4-604A-837B-69FA9C3D2532}"/>
+                  </a:ext>
+                </a:extLst>
+              </p:cNvPr>
+              <p:cNvSpPr txBox="1"/>
+              <p:nvPr/>
+            </p:nvSpPr>
+            <p:spPr>
+              <a:xfrm>
+                <a:off x="6096000" y="4147362"/>
+                <a:ext cx="1424493" cy="618246"/>
+              </a:xfrm>
+              <a:prstGeom prst="rect">
+                <a:avLst/>
+              </a:prstGeom>
+              <a:noFill/>
+            </p:spPr>
+            <p:txBody>
+              <a:bodyPr wrap="none" rtlCol="0">
+                <a:spAutoFit/>
+              </a:bodyPr>
+              <a:lstStyle/>
+              <a:p>
+                <a14:m>
+                  <m:oMathPara xmlns:m="http://schemas.openxmlformats.org/officeDocument/2006/math">
+                    <m:oMathParaPr>
+                      <m:jc m:val="centerGroup"/>
+                    </m:oMathParaPr>
+                    <m:oMath xmlns:m="http://schemas.openxmlformats.org/officeDocument/2006/math">
+                      <m:f>
+                        <m:fPr>
+                          <m:ctrlPr>
+                            <a:rPr lang="es-CO" i="1" smtClean="0">
+                              <a:latin typeface="Cambria Math" panose="02040503050406030204" pitchFamily="18" charset="0"/>
+                            </a:rPr>
+                          </m:ctrlPr>
+                        </m:fPr>
+                        <m:num>
+                          <m:r>
+                            <a:rPr lang="es-ES" b="0" i="1" smtClean="0">
+                              <a:latin typeface="Cambria Math" panose="02040503050406030204" pitchFamily="18" charset="0"/>
+                            </a:rPr>
+                            <m:t>𝑑</m:t>
+                          </m:r>
+                        </m:num>
+                        <m:den>
+                          <m:r>
+                            <a:rPr lang="es-ES" b="0" i="1" smtClean="0">
+                              <a:latin typeface="Cambria Math" panose="02040503050406030204" pitchFamily="18" charset="0"/>
+                            </a:rPr>
+                            <m:t>𝑑𝑥</m:t>
+                          </m:r>
+                        </m:den>
+                      </m:f>
+                      <m:r>
+                        <a:rPr lang="es-ES" b="0" i="1" smtClean="0">
+                          <a:latin typeface="Cambria Math" panose="02040503050406030204" pitchFamily="18" charset="0"/>
+                        </a:rPr>
+                        <m:t>𝑓</m:t>
+                      </m:r>
+                      <m:d>
+                        <m:dPr>
+                          <m:ctrlPr>
+                            <a:rPr lang="es-ES" b="0" i="1" smtClean="0">
+                              <a:latin typeface="Cambria Math" panose="02040503050406030204" pitchFamily="18" charset="0"/>
+                            </a:rPr>
+                          </m:ctrlPr>
+                        </m:dPr>
+                        <m:e>
+                          <m:r>
+                            <a:rPr lang="es-ES" b="0" i="1" smtClean="0">
+                              <a:latin typeface="Cambria Math" panose="02040503050406030204" pitchFamily="18" charset="0"/>
+                            </a:rPr>
+                            <m:t>𝑥</m:t>
+                          </m:r>
+                        </m:e>
+                      </m:d>
+                      <m:r>
+                        <a:rPr lang="es-ES" b="0" i="1" smtClean="0">
+                          <a:latin typeface="Cambria Math" panose="02040503050406030204" pitchFamily="18" charset="0"/>
+                        </a:rPr>
+                        <m:t>&lt;0</m:t>
+                      </m:r>
+                    </m:oMath>
+                  </m:oMathPara>
+                </a14:m>
+                <a:endParaRPr lang="es-CO" dirty="0"/>
+              </a:p>
+            </p:txBody>
+          </p:sp>
+        </mc:Choice>
+        <mc:Fallback>
+          <p:sp>
+            <p:nvSpPr>
+              <p:cNvPr id="35" name="CuadroTexto 34">
+                <a:extLst>
+                  <a:ext uri="{FF2B5EF4-FFF2-40B4-BE49-F238E27FC236}">
+                    <a16:creationId xmlns:a16="http://schemas.microsoft.com/office/drawing/2014/main" id="{33E61EB1-9AB4-604A-837B-69FA9C3D2532}"/>
+                  </a:ext>
+                </a:extLst>
+              </p:cNvPr>
+              <p:cNvSpPr txBox="1">
+                <a:spLocks noRot="1" noChangeAspect="1" noMove="1" noResize="1" noEditPoints="1" noAdjustHandles="1" noChangeArrowheads="1" noChangeShapeType="1" noTextEdit="1"/>
+              </p:cNvSpPr>
+              <p:nvPr/>
+            </p:nvSpPr>
+            <p:spPr>
+              <a:xfrm>
+                <a:off x="6096000" y="4147362"/>
+                <a:ext cx="1424493" cy="618246"/>
+              </a:xfrm>
+              <a:prstGeom prst="rect">
+                <a:avLst/>
+              </a:prstGeom>
+              <a:blipFill>
+                <a:blip r:embed="rId5"/>
+                <a:stretch>
+                  <a:fillRect b="-4000"/>
+                </a:stretch>
+              </a:blipFill>
+            </p:spPr>
+            <p:txBody>
+              <a:bodyPr/>
+              <a:lstStyle/>
+              <a:p>
+                <a:r>
+                  <a:rPr lang="es-CO">
+                    <a:noFill/>
+                  </a:rPr>
+                  <a:t> </a:t>
+                </a:r>
+              </a:p>
+            </p:txBody>
+          </p:sp>
+        </mc:Fallback>
+      </mc:AlternateContent>
+    </p:spTree>
+    <p:extLst>
+      <p:ext uri="{BB962C8B-B14F-4D97-AF65-F5344CB8AC3E}">
+        <p14:creationId xmlns:p14="http://schemas.microsoft.com/office/powerpoint/2010/main" val="2780408512"/>
+      </p:ext>
+    </p:extLst>
+  </p:cSld>
+  <p:clrMapOvr>
+    <a:masterClrMapping/>
+  </p:clrMapOvr>
+</p:sld>
+</file>
+
+<file path=ppt/slides/slide5.xml><?xml version="1.0" encoding="utf-8"?>
+<p:sld xmlns:a="http://schemas.openxmlformats.org/drawingml/2006/main" xmlns:r="http://schemas.openxmlformats.org/officeDocument/2006/relationships" xmlns:p="http://schemas.openxmlformats.org/presentationml/2006/main">
+  <p:cSld>
+    <p:spTree>
+      <p:nvGrpSpPr>
+        <p:cNvPr id="1" name=""/>
+        <p:cNvGrpSpPr/>
+        <p:nvPr/>
+      </p:nvGrpSpPr>
+      <p:grpSpPr>
+        <a:xfrm>
+          <a:off x="0" y="0"/>
+          <a:ext cx="0" cy="0"/>
+          <a:chOff x="0" y="0"/>
+          <a:chExt cx="0" cy="0"/>
+        </a:xfrm>
+      </p:grpSpPr>
+      <p:cxnSp>
+        <p:nvCxnSpPr>
+          <p:cNvPr id="3" name="Conector recto de flecha 2">
+            <a:extLst>
+              <a:ext uri="{FF2B5EF4-FFF2-40B4-BE49-F238E27FC236}">
+                <a16:creationId xmlns:a16="http://schemas.microsoft.com/office/drawing/2014/main" id="{A7E5D910-466C-DB47-BCEE-52E2A3682150}"/>
+              </a:ext>
+            </a:extLst>
+          </p:cNvPr>
+          <p:cNvCxnSpPr>
+            <a:cxnSpLocks/>
+          </p:cNvCxnSpPr>
+          <p:nvPr/>
+        </p:nvCxnSpPr>
+        <p:spPr>
+          <a:xfrm flipV="1">
+            <a:off x="4655331" y="1035698"/>
+            <a:ext cx="0" cy="4842589"/>
+          </a:xfrm>
+          <a:prstGeom prst="straightConnector1">
+            <a:avLst/>
+          </a:prstGeom>
+          <a:ln w="15875">
+            <a:solidFill>
+              <a:schemeClr val="tx1"/>
+            </a:solidFill>
+            <a:headEnd type="stealth"/>
+            <a:tailEnd type="stealth"/>
+          </a:ln>
+        </p:spPr>
+        <p:style>
+          <a:lnRef idx="1">
+            <a:schemeClr val="accent1"/>
+          </a:lnRef>
+          <a:fillRef idx="0">
+            <a:schemeClr val="accent1"/>
+          </a:fillRef>
+          <a:effectRef idx="0">
+            <a:schemeClr val="accent1"/>
+          </a:effectRef>
+          <a:fontRef idx="minor">
+            <a:schemeClr val="tx1"/>
+          </a:fontRef>
+        </p:style>
+      </p:cxnSp>
+      <p:cxnSp>
+        <p:nvCxnSpPr>
+          <p:cNvPr id="5" name="Conector recto de flecha 4">
+            <a:extLst>
+              <a:ext uri="{FF2B5EF4-FFF2-40B4-BE49-F238E27FC236}">
+                <a16:creationId xmlns:a16="http://schemas.microsoft.com/office/drawing/2014/main" id="{353B6D8C-0752-EF49-83A5-5052A58D6146}"/>
+              </a:ext>
+            </a:extLst>
+          </p:cNvPr>
+          <p:cNvCxnSpPr>
+            <a:cxnSpLocks/>
+          </p:cNvCxnSpPr>
+          <p:nvPr/>
+        </p:nvCxnSpPr>
+        <p:spPr>
+          <a:xfrm flipH="1">
+            <a:off x="1548883" y="3601616"/>
+            <a:ext cx="6363476" cy="0"/>
+          </a:xfrm>
+          <a:prstGeom prst="straightConnector1">
+            <a:avLst/>
+          </a:prstGeom>
+          <a:ln w="15875">
+            <a:solidFill>
+              <a:schemeClr val="tx1"/>
+            </a:solidFill>
+            <a:headEnd type="stealth"/>
+            <a:tailEnd type="stealth"/>
+          </a:ln>
+        </p:spPr>
+        <p:style>
+          <a:lnRef idx="1">
+            <a:schemeClr val="accent1"/>
+          </a:lnRef>
+          <a:fillRef idx="0">
+            <a:schemeClr val="accent1"/>
+          </a:fillRef>
+          <a:effectRef idx="0">
+            <a:schemeClr val="accent1"/>
+          </a:effectRef>
+          <a:fontRef idx="minor">
+            <a:schemeClr val="tx1"/>
+          </a:fontRef>
+        </p:style>
+      </p:cxnSp>
+      <p:sp>
+        <p:nvSpPr>
+          <p:cNvPr id="11" name="Forma libre 10">
+            <a:extLst>
+              <a:ext uri="{FF2B5EF4-FFF2-40B4-BE49-F238E27FC236}">
+                <a16:creationId xmlns:a16="http://schemas.microsoft.com/office/drawing/2014/main" id="{2AAD6773-817E-2045-AF08-BEED2AF50D88}"/>
+              </a:ext>
+            </a:extLst>
+          </p:cNvPr>
+          <p:cNvSpPr/>
+          <p:nvPr/>
+        </p:nvSpPr>
+        <p:spPr>
+          <a:xfrm>
+            <a:off x="2663245" y="1390261"/>
+            <a:ext cx="3984171" cy="1464909"/>
+          </a:xfrm>
+          <a:custGeom>
+            <a:avLst/>
+            <a:gdLst>
+              <a:gd name="connsiteX0" fmla="*/ 0 w 3984171"/>
+              <a:gd name="connsiteY0" fmla="*/ 0 h 1464909"/>
+              <a:gd name="connsiteX1" fmla="*/ 2034074 w 3984171"/>
+              <a:gd name="connsiteY1" fmla="*/ 1464907 h 1464909"/>
+              <a:gd name="connsiteX2" fmla="*/ 3984171 w 3984171"/>
+              <a:gd name="connsiteY2" fmla="*/ 9331 h 1464909"/>
+              <a:gd name="connsiteX0" fmla="*/ 0 w 3984171"/>
+              <a:gd name="connsiteY0" fmla="*/ 0 h 1464909"/>
+              <a:gd name="connsiteX1" fmla="*/ 2034074 w 3984171"/>
+              <a:gd name="connsiteY1" fmla="*/ 1464907 h 1464909"/>
+              <a:gd name="connsiteX2" fmla="*/ 3984171 w 3984171"/>
+              <a:gd name="connsiteY2" fmla="*/ 9331 h 1464909"/>
+              <a:gd name="connsiteX0" fmla="*/ 0 w 3984171"/>
+              <a:gd name="connsiteY0" fmla="*/ 0 h 1464909"/>
+              <a:gd name="connsiteX1" fmla="*/ 2034074 w 3984171"/>
+              <a:gd name="connsiteY1" fmla="*/ 1464907 h 1464909"/>
+              <a:gd name="connsiteX2" fmla="*/ 3984171 w 3984171"/>
+              <a:gd name="connsiteY2" fmla="*/ 9331 h 1464909"/>
+              <a:gd name="connsiteX0" fmla="*/ 0 w 3984171"/>
+              <a:gd name="connsiteY0" fmla="*/ 0 h 1464909"/>
+              <a:gd name="connsiteX1" fmla="*/ 2034074 w 3984171"/>
+              <a:gd name="connsiteY1" fmla="*/ 1464907 h 1464909"/>
+              <a:gd name="connsiteX2" fmla="*/ 3984171 w 3984171"/>
+              <a:gd name="connsiteY2" fmla="*/ 9331 h 1464909"/>
+            </a:gdLst>
+            <a:ahLst/>
+            <a:cxnLst>
+              <a:cxn ang="0">
+                <a:pos x="connsiteX0" y="connsiteY0"/>
+              </a:cxn>
+              <a:cxn ang="0">
+                <a:pos x="connsiteX1" y="connsiteY1"/>
+              </a:cxn>
+              <a:cxn ang="0">
+                <a:pos x="connsiteX2" y="connsiteY2"/>
+              </a:cxn>
+            </a:cxnLst>
+            <a:rect l="l" t="t" r="r" b="b"/>
+            <a:pathLst>
+              <a:path w="3984171" h="1464909">
+                <a:moveTo>
+                  <a:pt x="0" y="0"/>
+                </a:moveTo>
+                <a:cubicBezTo>
+                  <a:pt x="517072" y="834313"/>
+                  <a:pt x="1370046" y="1463352"/>
+                  <a:pt x="2034074" y="1464907"/>
+                </a:cubicBezTo>
+                <a:cubicBezTo>
+                  <a:pt x="2698102" y="1466462"/>
+                  <a:pt x="3518418" y="793880"/>
+                  <a:pt x="3984171" y="9331"/>
+                </a:cubicBezTo>
+              </a:path>
+            </a:pathLst>
+          </a:custGeom>
+          <a:noFill/>
+          <a:ln w="25400">
+            <a:solidFill>
+              <a:schemeClr val="tx1"/>
+            </a:solidFill>
+          </a:ln>
+        </p:spPr>
+        <p:style>
+          <a:lnRef idx="2">
+            <a:schemeClr val="accent1">
+              <a:shade val="50000"/>
+            </a:schemeClr>
+          </a:lnRef>
+          <a:fillRef idx="1">
+            <a:schemeClr val="accent1"/>
+          </a:fillRef>
+          <a:effectRef idx="0">
+            <a:schemeClr val="accent1"/>
+          </a:effectRef>
+          <a:fontRef idx="minor">
+            <a:schemeClr val="lt1"/>
+          </a:fontRef>
+        </p:style>
+        <p:txBody>
+          <a:bodyPr rtlCol="0" anchor="ctr"/>
+          <a:lstStyle/>
+          <a:p>
+            <a:pPr marL="0" marR="0" lvl="0" indent="0" algn="ctr" defTabSz="914400" rtl="0" eaLnBrk="1" fontAlgn="auto" latinLnBrk="0" hangingPunct="1">
+              <a:lnSpc>
+                <a:spcPct val="100000"/>
+              </a:lnSpc>
+              <a:spcBef>
+                <a:spcPts val="0"/>
+              </a:spcBef>
+              <a:spcAft>
+                <a:spcPts val="0"/>
+              </a:spcAft>
+              <a:buClrTx/>
+              <a:buSzTx/>
+              <a:buFontTx/>
+              <a:buNone/>
+              <a:tabLst/>
+              <a:defRPr/>
+            </a:pPr>
+            <a:endParaRPr kumimoji="0" lang="es-CO" sz="1800" b="0" i="0" u="none" strike="noStrike" kern="1200" cap="none" spc="0" normalizeH="0" baseline="0" noProof="0" dirty="0">
+              <a:ln>
+                <a:noFill/>
+              </a:ln>
+              <a:solidFill>
+                <a:prstClr val="white"/>
+              </a:solidFill>
+              <a:effectLst/>
+              <a:uLnTx/>
+              <a:uFillTx/>
+              <a:latin typeface="Calibri" panose="020F0502020204030204"/>
+              <a:ea typeface="+mn-ea"/>
+              <a:cs typeface="+mn-cs"/>
+            </a:endParaRPr>
+          </a:p>
+        </p:txBody>
+      </p:sp>
+      <p:sp>
+        <p:nvSpPr>
+          <p:cNvPr id="12" name="Forma libre 11">
+            <a:extLst>
+              <a:ext uri="{FF2B5EF4-FFF2-40B4-BE49-F238E27FC236}">
+                <a16:creationId xmlns:a16="http://schemas.microsoft.com/office/drawing/2014/main" id="{06379C02-6D8F-BE43-9835-E911A99F5B0B}"/>
+              </a:ext>
+            </a:extLst>
+          </p:cNvPr>
+          <p:cNvSpPr/>
+          <p:nvPr/>
+        </p:nvSpPr>
+        <p:spPr>
+          <a:xfrm rot="10800000">
+            <a:off x="2663245" y="4063478"/>
+            <a:ext cx="3984171" cy="1464909"/>
+          </a:xfrm>
+          <a:custGeom>
+            <a:avLst/>
+            <a:gdLst>
+              <a:gd name="connsiteX0" fmla="*/ 0 w 3984171"/>
+              <a:gd name="connsiteY0" fmla="*/ 0 h 1464909"/>
+              <a:gd name="connsiteX1" fmla="*/ 2034074 w 3984171"/>
+              <a:gd name="connsiteY1" fmla="*/ 1464907 h 1464909"/>
+              <a:gd name="connsiteX2" fmla="*/ 3984171 w 3984171"/>
+              <a:gd name="connsiteY2" fmla="*/ 9331 h 1464909"/>
+              <a:gd name="connsiteX0" fmla="*/ 0 w 3984171"/>
+              <a:gd name="connsiteY0" fmla="*/ 0 h 1464909"/>
+              <a:gd name="connsiteX1" fmla="*/ 2034074 w 3984171"/>
+              <a:gd name="connsiteY1" fmla="*/ 1464907 h 1464909"/>
+              <a:gd name="connsiteX2" fmla="*/ 3984171 w 3984171"/>
+              <a:gd name="connsiteY2" fmla="*/ 9331 h 1464909"/>
+              <a:gd name="connsiteX0" fmla="*/ 0 w 3984171"/>
+              <a:gd name="connsiteY0" fmla="*/ 0 h 1464909"/>
+              <a:gd name="connsiteX1" fmla="*/ 2034074 w 3984171"/>
+              <a:gd name="connsiteY1" fmla="*/ 1464907 h 1464909"/>
+              <a:gd name="connsiteX2" fmla="*/ 3984171 w 3984171"/>
+              <a:gd name="connsiteY2" fmla="*/ 9331 h 1464909"/>
+              <a:gd name="connsiteX0" fmla="*/ 0 w 3984171"/>
+              <a:gd name="connsiteY0" fmla="*/ 0 h 1464909"/>
+              <a:gd name="connsiteX1" fmla="*/ 2034074 w 3984171"/>
+              <a:gd name="connsiteY1" fmla="*/ 1464907 h 1464909"/>
+              <a:gd name="connsiteX2" fmla="*/ 3984171 w 3984171"/>
+              <a:gd name="connsiteY2" fmla="*/ 9331 h 1464909"/>
+            </a:gdLst>
+            <a:ahLst/>
+            <a:cxnLst>
+              <a:cxn ang="0">
+                <a:pos x="connsiteX0" y="connsiteY0"/>
+              </a:cxn>
+              <a:cxn ang="0">
+                <a:pos x="connsiteX1" y="connsiteY1"/>
+              </a:cxn>
+              <a:cxn ang="0">
+                <a:pos x="connsiteX2" y="connsiteY2"/>
+              </a:cxn>
+            </a:cxnLst>
+            <a:rect l="l" t="t" r="r" b="b"/>
+            <a:pathLst>
+              <a:path w="3984171" h="1464909">
+                <a:moveTo>
+                  <a:pt x="0" y="0"/>
+                </a:moveTo>
+                <a:cubicBezTo>
+                  <a:pt x="517072" y="834313"/>
+                  <a:pt x="1370046" y="1463352"/>
+                  <a:pt x="2034074" y="1464907"/>
+                </a:cubicBezTo>
+                <a:cubicBezTo>
+                  <a:pt x="2698102" y="1466462"/>
+                  <a:pt x="3518418" y="793880"/>
+                  <a:pt x="3984171" y="9331"/>
+                </a:cubicBezTo>
+              </a:path>
+            </a:pathLst>
+          </a:custGeom>
+          <a:noFill/>
+          <a:ln w="25400">
+            <a:solidFill>
+              <a:schemeClr val="tx1"/>
+            </a:solidFill>
+          </a:ln>
+        </p:spPr>
+        <p:style>
+          <a:lnRef idx="2">
+            <a:schemeClr val="accent1">
+              <a:shade val="50000"/>
+            </a:schemeClr>
+          </a:lnRef>
+          <a:fillRef idx="1">
+            <a:schemeClr val="accent1"/>
+          </a:fillRef>
+          <a:effectRef idx="0">
+            <a:schemeClr val="accent1"/>
+          </a:effectRef>
+          <a:fontRef idx="minor">
+            <a:schemeClr val="lt1"/>
+          </a:fontRef>
+        </p:style>
+        <p:txBody>
+          <a:bodyPr rtlCol="0" anchor="ctr"/>
+          <a:lstStyle/>
+          <a:p>
+            <a:pPr marL="0" marR="0" lvl="0" indent="0" algn="ctr" defTabSz="914400" rtl="0" eaLnBrk="1" fontAlgn="auto" latinLnBrk="0" hangingPunct="1">
+              <a:lnSpc>
+                <a:spcPct val="100000"/>
+              </a:lnSpc>
+              <a:spcBef>
+                <a:spcPts val="0"/>
+              </a:spcBef>
+              <a:spcAft>
+                <a:spcPts val="0"/>
+              </a:spcAft>
+              <a:buClrTx/>
+              <a:buSzTx/>
+              <a:buFontTx/>
+              <a:buNone/>
+              <a:tabLst/>
+              <a:defRPr/>
+            </a:pPr>
+            <a:endParaRPr kumimoji="0" lang="es-CO" sz="1800" b="0" i="0" u="none" strike="noStrike" kern="1200" cap="none" spc="0" normalizeH="0" baseline="0" noProof="0" dirty="0">
+              <a:ln>
+                <a:noFill/>
+              </a:ln>
+              <a:solidFill>
+                <a:prstClr val="white"/>
+              </a:solidFill>
+              <a:effectLst/>
+              <a:uLnTx/>
+              <a:uFillTx/>
+              <a:latin typeface="Calibri" panose="020F0502020204030204"/>
+              <a:ea typeface="+mn-ea"/>
+              <a:cs typeface="+mn-cs"/>
+            </a:endParaRPr>
+          </a:p>
+        </p:txBody>
+      </p:sp>
+      <p:cxnSp>
+        <p:nvCxnSpPr>
+          <p:cNvPr id="14" name="Conector recto 13">
+            <a:extLst>
+              <a:ext uri="{FF2B5EF4-FFF2-40B4-BE49-F238E27FC236}">
+                <a16:creationId xmlns:a16="http://schemas.microsoft.com/office/drawing/2014/main" id="{3D33590C-01C4-FD4E-94F9-152066331C30}"/>
+              </a:ext>
+            </a:extLst>
+          </p:cNvPr>
+          <p:cNvCxnSpPr>
+            <a:cxnSpLocks/>
+          </p:cNvCxnSpPr>
+          <p:nvPr/>
+        </p:nvCxnSpPr>
+        <p:spPr>
+          <a:xfrm flipH="1">
+            <a:off x="5913034" y="1492901"/>
+            <a:ext cx="917771" cy="816689"/>
+          </a:xfrm>
+          <a:prstGeom prst="line">
+            <a:avLst/>
+          </a:prstGeom>
+          <a:ln w="38100">
+            <a:solidFill>
+              <a:srgbClr val="FF0000"/>
+            </a:solidFill>
+            <a:prstDash val="solid"/>
+            <a:headEnd type="triangle"/>
+            <a:tailEnd type="oval" w="med" len="med"/>
+          </a:ln>
+        </p:spPr>
+        <p:style>
+          <a:lnRef idx="1">
+            <a:schemeClr val="accent1"/>
+          </a:lnRef>
+          <a:fillRef idx="0">
+            <a:schemeClr val="accent1"/>
+          </a:fillRef>
+          <a:effectRef idx="0">
+            <a:schemeClr val="accent1"/>
+          </a:effectRef>
+          <a:fontRef idx="minor">
+            <a:schemeClr val="tx1"/>
+          </a:fontRef>
+        </p:style>
+      </p:cxnSp>
+      <mc:AlternateContent xmlns:mc="http://schemas.openxmlformats.org/markup-compatibility/2006">
+        <mc:Choice xmlns:a14="http://schemas.microsoft.com/office/drawing/2010/main" Requires="a14">
+          <p:sp>
+            <p:nvSpPr>
+              <p:cNvPr id="17" name="CuadroTexto 16">
+                <a:extLst>
+                  <a:ext uri="{FF2B5EF4-FFF2-40B4-BE49-F238E27FC236}">
+                    <a16:creationId xmlns:a16="http://schemas.microsoft.com/office/drawing/2014/main" id="{48DDC976-C645-2B4E-A58D-1379AD8C252D}"/>
+                  </a:ext>
+                </a:extLst>
+              </p:cNvPr>
+              <p:cNvSpPr txBox="1"/>
+              <p:nvPr/>
+            </p:nvSpPr>
+            <p:spPr>
+              <a:xfrm>
+                <a:off x="6082138" y="2116854"/>
+                <a:ext cx="2059988" cy="369332"/>
+              </a:xfrm>
+              <a:prstGeom prst="rect">
+                <a:avLst/>
+              </a:prstGeom>
+              <a:noFill/>
+            </p:spPr>
+            <p:txBody>
+              <a:bodyPr wrap="none" rtlCol="0">
+                <a:spAutoFit/>
+              </a:bodyPr>
+              <a:lstStyle/>
+              <a:p>
+                <a:pPr marL="0" marR="0" lvl="0" indent="0" algn="l" defTabSz="914400" rtl="0" eaLnBrk="1" fontAlgn="auto" latinLnBrk="0" hangingPunct="1">
+                  <a:lnSpc>
+                    <a:spcPct val="100000"/>
+                  </a:lnSpc>
+                  <a:spcBef>
+                    <a:spcPts val="0"/>
+                  </a:spcBef>
+                  <a:spcAft>
+                    <a:spcPts val="0"/>
+                  </a:spcAft>
+                  <a:buClrTx/>
+                  <a:buSzTx/>
+                  <a:buFontTx/>
+                  <a:buNone/>
+                  <a:tabLst/>
+                  <a:defRPr/>
+                </a:pPr>
+                <a14:m>
+                  <m:oMath xmlns:m="http://schemas.openxmlformats.org/officeDocument/2006/math">
+                    <m:r>
+                      <a:rPr kumimoji="0" lang="es-ES" sz="1800" b="0" i="1" u="none" strike="noStrike" kern="1200" cap="none" spc="0" normalizeH="0" baseline="0" noProof="0" smtClean="0">
+                        <a:ln>
+                          <a:noFill/>
+                        </a:ln>
+                        <a:solidFill>
+                          <a:prstClr val="black"/>
+                        </a:solidFill>
+                        <a:effectLst/>
+                        <a:uLnTx/>
+                        <a:uFillTx/>
+                        <a:latin typeface="Cambria Math" panose="02040503050406030204" pitchFamily="18" charset="0"/>
+                        <a:ea typeface="+mn-ea"/>
+                        <a:cs typeface="+mn-cs"/>
+                      </a:rPr>
+                      <m:t>𝑥</m:t>
+                    </m:r>
+                    <m:r>
+                      <a:rPr kumimoji="0" lang="es-ES" sz="1800" b="0" i="1" u="none" strike="noStrike" kern="1200" cap="none" spc="0" normalizeH="0" baseline="0" noProof="0" smtClean="0">
+                        <a:ln>
+                          <a:noFill/>
+                        </a:ln>
+                        <a:solidFill>
+                          <a:prstClr val="black"/>
+                        </a:solidFill>
+                        <a:effectLst/>
+                        <a:uLnTx/>
+                        <a:uFillTx/>
+                        <a:latin typeface="Cambria Math" panose="02040503050406030204" pitchFamily="18" charset="0"/>
+                        <a:ea typeface="+mn-ea"/>
+                        <a:cs typeface="+mn-cs"/>
+                      </a:rPr>
+                      <m:t>+</m:t>
+                    </m:r>
+                    <m:r>
+                      <m:rPr>
+                        <m:sty m:val="p"/>
+                      </m:rPr>
+                      <a:rPr kumimoji="0" lang="es-ES" sz="1800" b="0" i="0" u="none" strike="noStrike" kern="1200" cap="none" spc="0" normalizeH="0" baseline="0" noProof="0" smtClean="0">
+                        <a:ln>
+                          <a:noFill/>
+                        </a:ln>
+                        <a:solidFill>
+                          <a:prstClr val="black"/>
+                        </a:solidFill>
+                        <a:effectLst/>
+                        <a:uLnTx/>
+                        <a:uFillTx/>
+                        <a:latin typeface="Cambria Math" panose="02040503050406030204" pitchFamily="18" charset="0"/>
+                        <a:ea typeface="+mn-ea"/>
+                        <a:cs typeface="+mn-cs"/>
+                      </a:rPr>
+                      <m:t>Δ</m:t>
+                    </m:r>
+                    <m:r>
+                      <a:rPr kumimoji="0" lang="es-ES" sz="1800" b="0" i="1" u="none" strike="noStrike" kern="1200" cap="none" spc="0" normalizeH="0" baseline="0" noProof="0" smtClean="0">
+                        <a:ln>
+                          <a:noFill/>
+                        </a:ln>
+                        <a:solidFill>
+                          <a:prstClr val="black"/>
+                        </a:solidFill>
+                        <a:effectLst/>
+                        <a:uLnTx/>
+                        <a:uFillTx/>
+                        <a:latin typeface="Cambria Math" panose="02040503050406030204" pitchFamily="18" charset="0"/>
+                        <a:ea typeface="+mn-ea"/>
+                        <a:cs typeface="+mn-cs"/>
+                      </a:rPr>
+                      <m:t>𝑥</m:t>
+                    </m:r>
+                  </m:oMath>
+                </a14:m>
+                <a:r>
+                  <a:rPr kumimoji="0" lang="es-CO" sz="1800" b="0" i="0" u="none" strike="noStrike" kern="1200" cap="none" spc="0" normalizeH="0" baseline="0" noProof="0" dirty="0">
+                    <a:ln>
+                      <a:noFill/>
+                    </a:ln>
+                    <a:solidFill>
+                      <a:prstClr val="black"/>
+                    </a:solidFill>
+                    <a:effectLst/>
+                    <a:uLnTx/>
+                    <a:uFillTx/>
+                    <a:latin typeface="Calibri" panose="020F0502020204030204"/>
+                    <a:ea typeface="+mn-ea"/>
+                    <a:cs typeface="+mn-cs"/>
+                  </a:rPr>
+                  <a:t>, con </a:t>
+                </a:r>
+                <a14:m>
+                  <m:oMath xmlns:m="http://schemas.openxmlformats.org/officeDocument/2006/math">
+                    <m:r>
+                      <m:rPr>
+                        <m:sty m:val="p"/>
+                      </m:rPr>
+                      <a:rPr kumimoji="0" lang="es-ES" sz="1800" b="0" i="0" u="none" strike="noStrike" kern="1200" cap="none" spc="0" normalizeH="0" baseline="0" noProof="0" smtClean="0">
+                        <a:ln>
+                          <a:noFill/>
+                        </a:ln>
+                        <a:solidFill>
+                          <a:prstClr val="black"/>
+                        </a:solidFill>
+                        <a:effectLst/>
+                        <a:uLnTx/>
+                        <a:uFillTx/>
+                        <a:latin typeface="Cambria Math" panose="02040503050406030204" pitchFamily="18" charset="0"/>
+                        <a:ea typeface="+mn-ea"/>
+                        <a:cs typeface="+mn-cs"/>
+                      </a:rPr>
+                      <m:t>Δ</m:t>
+                    </m:r>
+                    <m:r>
+                      <a:rPr kumimoji="0" lang="es-ES" sz="1800" b="0" i="1" u="none" strike="noStrike" kern="1200" cap="none" spc="0" normalizeH="0" baseline="0" noProof="0" smtClean="0">
+                        <a:ln>
+                          <a:noFill/>
+                        </a:ln>
+                        <a:solidFill>
+                          <a:prstClr val="black"/>
+                        </a:solidFill>
+                        <a:effectLst/>
+                        <a:uLnTx/>
+                        <a:uFillTx/>
+                        <a:latin typeface="Cambria Math" panose="02040503050406030204" pitchFamily="18" charset="0"/>
+                        <a:ea typeface="+mn-ea"/>
+                        <a:cs typeface="+mn-cs"/>
+                      </a:rPr>
+                      <m:t>𝑥</m:t>
+                    </m:r>
+                    <m:r>
+                      <a:rPr kumimoji="0" lang="es-ES" sz="1800" b="0" i="1" u="none" strike="noStrike" kern="1200" cap="none" spc="0" normalizeH="0" baseline="0" noProof="0" smtClean="0">
+                        <a:ln>
+                          <a:noFill/>
+                        </a:ln>
+                        <a:solidFill>
+                          <a:prstClr val="black"/>
+                        </a:solidFill>
+                        <a:effectLst/>
+                        <a:uLnTx/>
+                        <a:uFillTx/>
+                        <a:latin typeface="Cambria Math" panose="02040503050406030204" pitchFamily="18" charset="0"/>
+                        <a:ea typeface="+mn-ea"/>
+                        <a:cs typeface="+mn-cs"/>
+                      </a:rPr>
+                      <m:t>&gt;0</m:t>
+                    </m:r>
+                  </m:oMath>
+                </a14:m>
+                <a:endParaRPr kumimoji="0" lang="es-CO" sz="1800" b="0" i="0" u="none" strike="noStrike" kern="1200" cap="none" spc="0" normalizeH="0" baseline="0" noProof="0" dirty="0">
+                  <a:ln>
+                    <a:noFill/>
+                  </a:ln>
+                  <a:solidFill>
+                    <a:prstClr val="black"/>
+                  </a:solidFill>
+                  <a:effectLst/>
+                  <a:uLnTx/>
+                  <a:uFillTx/>
+                  <a:latin typeface="Calibri" panose="020F0502020204030204"/>
+                  <a:ea typeface="+mn-ea"/>
+                  <a:cs typeface="+mn-cs"/>
+                </a:endParaRPr>
+              </a:p>
+            </p:txBody>
+          </p:sp>
+        </mc:Choice>
+        <mc:Fallback>
+          <p:sp>
+            <p:nvSpPr>
+              <p:cNvPr id="17" name="CuadroTexto 16">
+                <a:extLst>
+                  <a:ext uri="{FF2B5EF4-FFF2-40B4-BE49-F238E27FC236}">
+                    <a16:creationId xmlns:a16="http://schemas.microsoft.com/office/drawing/2014/main" id="{48DDC976-C645-2B4E-A58D-1379AD8C252D}"/>
+                  </a:ext>
+                </a:extLst>
+              </p:cNvPr>
+              <p:cNvSpPr txBox="1">
+                <a:spLocks noRot="1" noChangeAspect="1" noMove="1" noResize="1" noEditPoints="1" noAdjustHandles="1" noChangeArrowheads="1" noChangeShapeType="1" noTextEdit="1"/>
+              </p:cNvSpPr>
+              <p:nvPr/>
+            </p:nvSpPr>
+            <p:spPr>
+              <a:xfrm>
+                <a:off x="6082138" y="2116854"/>
+                <a:ext cx="2059988" cy="369332"/>
+              </a:xfrm>
+              <a:prstGeom prst="rect">
+                <a:avLst/>
+              </a:prstGeom>
+              <a:blipFill>
+                <a:blip r:embed="rId2"/>
+                <a:stretch>
+                  <a:fillRect t="-6667" b="-26667"/>
+                </a:stretch>
+              </a:blipFill>
+            </p:spPr>
+            <p:txBody>
+              <a:bodyPr/>
+              <a:lstStyle/>
+              <a:p>
+                <a:r>
+                  <a:rPr lang="es-CO">
+                    <a:noFill/>
+                  </a:rPr>
+                  <a:t> </a:t>
+                </a:r>
+              </a:p>
+            </p:txBody>
+          </p:sp>
+        </mc:Fallback>
+      </mc:AlternateContent>
+      <p:cxnSp>
+        <p:nvCxnSpPr>
+          <p:cNvPr id="23" name="Conector recto 22">
+            <a:extLst>
+              <a:ext uri="{FF2B5EF4-FFF2-40B4-BE49-F238E27FC236}">
+                <a16:creationId xmlns:a16="http://schemas.microsoft.com/office/drawing/2014/main" id="{CB68ED98-A8E4-194C-99A5-8590D1474D0F}"/>
+              </a:ext>
+            </a:extLst>
+          </p:cNvPr>
+          <p:cNvCxnSpPr>
+            <a:cxnSpLocks/>
+          </p:cNvCxnSpPr>
+          <p:nvPr/>
+        </p:nvCxnSpPr>
+        <p:spPr>
+          <a:xfrm>
+            <a:off x="2362200" y="1492901"/>
+            <a:ext cx="1105696" cy="816689"/>
+          </a:xfrm>
+          <a:prstGeom prst="line">
+            <a:avLst/>
+          </a:prstGeom>
+          <a:ln w="38100">
+            <a:solidFill>
+              <a:srgbClr val="FF0000"/>
+            </a:solidFill>
+            <a:prstDash val="solid"/>
+            <a:headEnd type="triangle"/>
+            <a:tailEnd type="oval" w="med" len="med"/>
+          </a:ln>
+        </p:spPr>
+        <p:style>
+          <a:lnRef idx="1">
+            <a:schemeClr val="accent1"/>
+          </a:lnRef>
+          <a:fillRef idx="0">
+            <a:schemeClr val="accent1"/>
+          </a:fillRef>
+          <a:effectRef idx="0">
+            <a:schemeClr val="accent1"/>
+          </a:effectRef>
+          <a:fontRef idx="minor">
+            <a:schemeClr val="tx1"/>
+          </a:fontRef>
+        </p:style>
+      </p:cxnSp>
+      <p:cxnSp>
+        <p:nvCxnSpPr>
+          <p:cNvPr id="26" name="Conector recto 25">
+            <a:extLst>
+              <a:ext uri="{FF2B5EF4-FFF2-40B4-BE49-F238E27FC236}">
+                <a16:creationId xmlns:a16="http://schemas.microsoft.com/office/drawing/2014/main" id="{FA805BB9-E0AF-BF4E-814A-67DCB9286507}"/>
+              </a:ext>
+            </a:extLst>
+          </p:cNvPr>
+          <p:cNvCxnSpPr>
+            <a:cxnSpLocks/>
+          </p:cNvCxnSpPr>
+          <p:nvPr/>
+        </p:nvCxnSpPr>
+        <p:spPr>
+          <a:xfrm>
+            <a:off x="5098526" y="3875314"/>
+            <a:ext cx="905741" cy="881093"/>
+          </a:xfrm>
+          <a:prstGeom prst="line">
+            <a:avLst/>
+          </a:prstGeom>
+          <a:ln w="38100">
+            <a:solidFill>
+              <a:srgbClr val="FF0000"/>
+            </a:solidFill>
+            <a:prstDash val="solid"/>
+            <a:headEnd type="triangle"/>
+            <a:tailEnd type="oval" w="med" len="med"/>
+          </a:ln>
+        </p:spPr>
+        <p:style>
+          <a:lnRef idx="1">
+            <a:schemeClr val="accent1"/>
+          </a:lnRef>
+          <a:fillRef idx="0">
+            <a:schemeClr val="accent1"/>
+          </a:fillRef>
+          <a:effectRef idx="0">
+            <a:schemeClr val="accent1"/>
+          </a:effectRef>
+          <a:fontRef idx="minor">
+            <a:schemeClr val="tx1"/>
+          </a:fontRef>
+        </p:style>
+      </p:cxnSp>
+      <p:cxnSp>
+        <p:nvCxnSpPr>
+          <p:cNvPr id="27" name="Conector recto 26">
+            <a:extLst>
+              <a:ext uri="{FF2B5EF4-FFF2-40B4-BE49-F238E27FC236}">
+                <a16:creationId xmlns:a16="http://schemas.microsoft.com/office/drawing/2014/main" id="{878DF01B-6CE9-EB4F-86C2-489F33FC432E}"/>
+              </a:ext>
+            </a:extLst>
+          </p:cNvPr>
+          <p:cNvCxnSpPr>
+            <a:cxnSpLocks/>
+          </p:cNvCxnSpPr>
+          <p:nvPr/>
+        </p:nvCxnSpPr>
+        <p:spPr>
+          <a:xfrm flipH="1">
+            <a:off x="3239937" y="3970600"/>
+            <a:ext cx="885749" cy="785807"/>
+          </a:xfrm>
+          <a:prstGeom prst="line">
+            <a:avLst/>
+          </a:prstGeom>
+          <a:ln w="38100">
+            <a:solidFill>
+              <a:srgbClr val="FF0000"/>
+            </a:solidFill>
+            <a:prstDash val="solid"/>
+            <a:headEnd type="triangle"/>
+            <a:tailEnd type="oval" w="med" len="med"/>
+          </a:ln>
+        </p:spPr>
+        <p:style>
+          <a:lnRef idx="1">
+            <a:schemeClr val="accent1"/>
+          </a:lnRef>
+          <a:fillRef idx="0">
+            <a:schemeClr val="accent1"/>
+          </a:fillRef>
+          <a:effectRef idx="0">
+            <a:schemeClr val="accent1"/>
+          </a:effectRef>
+          <a:fontRef idx="minor">
+            <a:schemeClr val="tx1"/>
+          </a:fontRef>
+        </p:style>
+      </p:cxnSp>
+      <mc:AlternateContent xmlns:mc="http://schemas.openxmlformats.org/markup-compatibility/2006">
+        <mc:Choice xmlns:a14="http://schemas.microsoft.com/office/drawing/2010/main" Requires="a14">
+          <p:sp>
+            <p:nvSpPr>
+              <p:cNvPr id="31" name="CuadroTexto 30">
+                <a:extLst>
+                  <a:ext uri="{FF2B5EF4-FFF2-40B4-BE49-F238E27FC236}">
+                    <a16:creationId xmlns:a16="http://schemas.microsoft.com/office/drawing/2014/main" id="{AE59695B-63C2-EB45-AE41-C603308032C3}"/>
+                  </a:ext>
+                </a:extLst>
+              </p:cNvPr>
+              <p:cNvSpPr txBox="1"/>
+              <p:nvPr/>
+            </p:nvSpPr>
+            <p:spPr>
+              <a:xfrm>
+                <a:off x="1599300" y="4082402"/>
+                <a:ext cx="2059988" cy="369332"/>
+              </a:xfrm>
+              <a:prstGeom prst="rect">
+                <a:avLst/>
+              </a:prstGeom>
+              <a:noFill/>
+            </p:spPr>
+            <p:txBody>
+              <a:bodyPr wrap="none" rtlCol="0">
+                <a:spAutoFit/>
+              </a:bodyPr>
+              <a:lstStyle/>
+              <a:p>
+                <a:pPr marL="0" marR="0" lvl="0" indent="0" algn="l" defTabSz="914400" rtl="0" eaLnBrk="1" fontAlgn="auto" latinLnBrk="0" hangingPunct="1">
+                  <a:lnSpc>
+                    <a:spcPct val="100000"/>
+                  </a:lnSpc>
+                  <a:spcBef>
+                    <a:spcPts val="0"/>
+                  </a:spcBef>
+                  <a:spcAft>
+                    <a:spcPts val="0"/>
+                  </a:spcAft>
+                  <a:buClrTx/>
+                  <a:buSzTx/>
+                  <a:buFontTx/>
+                  <a:buNone/>
+                  <a:tabLst/>
+                  <a:defRPr/>
+                </a:pPr>
+                <a14:m>
+                  <m:oMath xmlns:m="http://schemas.openxmlformats.org/officeDocument/2006/math">
+                    <m:r>
+                      <a:rPr kumimoji="0" lang="es-ES" sz="1800" b="0" i="1" u="none" strike="noStrike" kern="1200" cap="none" spc="0" normalizeH="0" baseline="0" noProof="0" smtClean="0">
+                        <a:ln>
+                          <a:noFill/>
+                        </a:ln>
+                        <a:solidFill>
+                          <a:prstClr val="black"/>
+                        </a:solidFill>
+                        <a:effectLst/>
+                        <a:uLnTx/>
+                        <a:uFillTx/>
+                        <a:latin typeface="Cambria Math" panose="02040503050406030204" pitchFamily="18" charset="0"/>
+                        <a:ea typeface="+mn-ea"/>
+                        <a:cs typeface="+mn-cs"/>
+                      </a:rPr>
+                      <m:t>𝑥</m:t>
+                    </m:r>
+                    <m:r>
+                      <a:rPr kumimoji="0" lang="es-ES" sz="1800" b="0" i="1" u="none" strike="noStrike" kern="1200" cap="none" spc="0" normalizeH="0" baseline="0" noProof="0" smtClean="0">
+                        <a:ln>
+                          <a:noFill/>
+                        </a:ln>
+                        <a:solidFill>
+                          <a:prstClr val="black"/>
+                        </a:solidFill>
+                        <a:effectLst/>
+                        <a:uLnTx/>
+                        <a:uFillTx/>
+                        <a:latin typeface="Cambria Math" panose="02040503050406030204" pitchFamily="18" charset="0"/>
+                        <a:ea typeface="+mn-ea"/>
+                        <a:cs typeface="+mn-cs"/>
+                      </a:rPr>
+                      <m:t>+</m:t>
+                    </m:r>
+                    <m:r>
+                      <m:rPr>
+                        <m:sty m:val="p"/>
+                      </m:rPr>
+                      <a:rPr kumimoji="0" lang="es-ES" sz="1800" b="0" i="0" u="none" strike="noStrike" kern="1200" cap="none" spc="0" normalizeH="0" baseline="0" noProof="0" smtClean="0">
+                        <a:ln>
+                          <a:noFill/>
+                        </a:ln>
+                        <a:solidFill>
+                          <a:prstClr val="black"/>
+                        </a:solidFill>
+                        <a:effectLst/>
+                        <a:uLnTx/>
+                        <a:uFillTx/>
+                        <a:latin typeface="Cambria Math" panose="02040503050406030204" pitchFamily="18" charset="0"/>
+                        <a:ea typeface="+mn-ea"/>
+                        <a:cs typeface="+mn-cs"/>
+                      </a:rPr>
+                      <m:t>Δ</m:t>
+                    </m:r>
+                    <m:r>
+                      <a:rPr kumimoji="0" lang="es-ES" sz="1800" b="0" i="1" u="none" strike="noStrike" kern="1200" cap="none" spc="0" normalizeH="0" baseline="0" noProof="0" smtClean="0">
+                        <a:ln>
+                          <a:noFill/>
+                        </a:ln>
+                        <a:solidFill>
+                          <a:prstClr val="black"/>
+                        </a:solidFill>
+                        <a:effectLst/>
+                        <a:uLnTx/>
+                        <a:uFillTx/>
+                        <a:latin typeface="Cambria Math" panose="02040503050406030204" pitchFamily="18" charset="0"/>
+                        <a:ea typeface="+mn-ea"/>
+                        <a:cs typeface="+mn-cs"/>
+                      </a:rPr>
+                      <m:t>𝑥</m:t>
+                    </m:r>
+                  </m:oMath>
+                </a14:m>
+                <a:r>
+                  <a:rPr kumimoji="0" lang="es-CO" sz="1800" b="0" i="0" u="none" strike="noStrike" kern="1200" cap="none" spc="0" normalizeH="0" baseline="0" noProof="0" dirty="0">
+                    <a:ln>
+                      <a:noFill/>
+                    </a:ln>
+                    <a:solidFill>
+                      <a:prstClr val="black"/>
+                    </a:solidFill>
+                    <a:effectLst/>
+                    <a:uLnTx/>
+                    <a:uFillTx/>
+                    <a:latin typeface="Calibri" panose="020F0502020204030204"/>
+                    <a:ea typeface="+mn-ea"/>
+                    <a:cs typeface="+mn-cs"/>
+                  </a:rPr>
+                  <a:t>, con </a:t>
+                </a:r>
+                <a14:m>
+                  <m:oMath xmlns:m="http://schemas.openxmlformats.org/officeDocument/2006/math">
+                    <m:r>
+                      <m:rPr>
+                        <m:sty m:val="p"/>
+                      </m:rPr>
+                      <a:rPr kumimoji="0" lang="es-ES" sz="1800" b="0" i="0" u="none" strike="noStrike" kern="1200" cap="none" spc="0" normalizeH="0" baseline="0" noProof="0" smtClean="0">
+                        <a:ln>
+                          <a:noFill/>
+                        </a:ln>
+                        <a:solidFill>
+                          <a:prstClr val="black"/>
+                        </a:solidFill>
+                        <a:effectLst/>
+                        <a:uLnTx/>
+                        <a:uFillTx/>
+                        <a:latin typeface="Cambria Math" panose="02040503050406030204" pitchFamily="18" charset="0"/>
+                        <a:ea typeface="+mn-ea"/>
+                        <a:cs typeface="+mn-cs"/>
+                      </a:rPr>
+                      <m:t>Δ</m:t>
+                    </m:r>
+                    <m:r>
+                      <a:rPr kumimoji="0" lang="es-ES" sz="1800" b="0" i="1" u="none" strike="noStrike" kern="1200" cap="none" spc="0" normalizeH="0" baseline="0" noProof="0" smtClean="0">
+                        <a:ln>
+                          <a:noFill/>
+                        </a:ln>
+                        <a:solidFill>
+                          <a:prstClr val="black"/>
+                        </a:solidFill>
+                        <a:effectLst/>
+                        <a:uLnTx/>
+                        <a:uFillTx/>
+                        <a:latin typeface="Cambria Math" panose="02040503050406030204" pitchFamily="18" charset="0"/>
+                        <a:ea typeface="+mn-ea"/>
+                        <a:cs typeface="+mn-cs"/>
+                      </a:rPr>
+                      <m:t>𝑥</m:t>
+                    </m:r>
+                    <m:r>
+                      <a:rPr kumimoji="0" lang="es-ES" sz="1800" b="0" i="1" u="none" strike="noStrike" kern="1200" cap="none" spc="0" normalizeH="0" baseline="0" noProof="0" smtClean="0">
+                        <a:ln>
+                          <a:noFill/>
+                        </a:ln>
+                        <a:solidFill>
+                          <a:prstClr val="black"/>
+                        </a:solidFill>
+                        <a:effectLst/>
+                        <a:uLnTx/>
+                        <a:uFillTx/>
+                        <a:latin typeface="Cambria Math" panose="02040503050406030204" pitchFamily="18" charset="0"/>
+                        <a:ea typeface="+mn-ea"/>
+                        <a:cs typeface="+mn-cs"/>
+                      </a:rPr>
+                      <m:t>&gt;0</m:t>
+                    </m:r>
+                  </m:oMath>
+                </a14:m>
+                <a:endParaRPr kumimoji="0" lang="es-CO" sz="1800" b="0" i="0" u="none" strike="noStrike" kern="1200" cap="none" spc="0" normalizeH="0" baseline="0" noProof="0" dirty="0">
+                  <a:ln>
+                    <a:noFill/>
+                  </a:ln>
+                  <a:solidFill>
+                    <a:prstClr val="black"/>
+                  </a:solidFill>
+                  <a:effectLst/>
+                  <a:uLnTx/>
+                  <a:uFillTx/>
+                  <a:latin typeface="Calibri" panose="020F0502020204030204"/>
+                  <a:ea typeface="+mn-ea"/>
+                  <a:cs typeface="+mn-cs"/>
+                </a:endParaRPr>
+              </a:p>
+            </p:txBody>
+          </p:sp>
+        </mc:Choice>
+        <mc:Fallback>
+          <p:sp>
+            <p:nvSpPr>
+              <p:cNvPr id="31" name="CuadroTexto 30">
+                <a:extLst>
+                  <a:ext uri="{FF2B5EF4-FFF2-40B4-BE49-F238E27FC236}">
+                    <a16:creationId xmlns:a16="http://schemas.microsoft.com/office/drawing/2014/main" id="{AE59695B-63C2-EB45-AE41-C603308032C3}"/>
+                  </a:ext>
+                </a:extLst>
+              </p:cNvPr>
+              <p:cNvSpPr txBox="1">
+                <a:spLocks noRot="1" noChangeAspect="1" noMove="1" noResize="1" noEditPoints="1" noAdjustHandles="1" noChangeArrowheads="1" noChangeShapeType="1" noTextEdit="1"/>
+              </p:cNvSpPr>
+              <p:nvPr/>
+            </p:nvSpPr>
+            <p:spPr>
+              <a:xfrm>
+                <a:off x="1599300" y="4082402"/>
+                <a:ext cx="2059988" cy="369332"/>
+              </a:xfrm>
+              <a:prstGeom prst="rect">
+                <a:avLst/>
+              </a:prstGeom>
+              <a:blipFill>
+                <a:blip r:embed="rId3"/>
+                <a:stretch>
+                  <a:fillRect t="-6667" b="-26667"/>
+                </a:stretch>
+              </a:blipFill>
+            </p:spPr>
+            <p:txBody>
+              <a:bodyPr/>
+              <a:lstStyle/>
+              <a:p>
+                <a:r>
+                  <a:rPr lang="es-CO">
+                    <a:noFill/>
+                  </a:rPr>
+                  <a:t> </a:t>
+                </a:r>
+              </a:p>
+            </p:txBody>
+          </p:sp>
+        </mc:Fallback>
+      </mc:AlternateContent>
+      <mc:AlternateContent xmlns:mc="http://schemas.openxmlformats.org/markup-compatibility/2006">
+        <mc:Choice xmlns:a14="http://schemas.microsoft.com/office/drawing/2010/main" Requires="a14">
+          <p:sp>
+            <p:nvSpPr>
+              <p:cNvPr id="32" name="CuadroTexto 31">
+                <a:extLst>
+                  <a:ext uri="{FF2B5EF4-FFF2-40B4-BE49-F238E27FC236}">
+                    <a16:creationId xmlns:a16="http://schemas.microsoft.com/office/drawing/2014/main" id="{3AF12090-65F7-9E40-8025-2A62100BDFD4}"/>
+                  </a:ext>
+                </a:extLst>
+              </p:cNvPr>
+              <p:cNvSpPr txBox="1"/>
+              <p:nvPr/>
+            </p:nvSpPr>
+            <p:spPr>
+              <a:xfrm>
+                <a:off x="5542198" y="3845842"/>
+                <a:ext cx="2059988" cy="369332"/>
+              </a:xfrm>
+              <a:prstGeom prst="rect">
+                <a:avLst/>
+              </a:prstGeom>
+              <a:noFill/>
+            </p:spPr>
+            <p:txBody>
+              <a:bodyPr wrap="none" rtlCol="0">
+                <a:spAutoFit/>
+              </a:bodyPr>
+              <a:lstStyle/>
+              <a:p>
+                <a:pPr marL="0" marR="0" lvl="0" indent="0" algn="l" defTabSz="914400" rtl="0" eaLnBrk="1" fontAlgn="auto" latinLnBrk="0" hangingPunct="1">
+                  <a:lnSpc>
+                    <a:spcPct val="100000"/>
+                  </a:lnSpc>
+                  <a:spcBef>
+                    <a:spcPts val="0"/>
+                  </a:spcBef>
+                  <a:spcAft>
+                    <a:spcPts val="0"/>
+                  </a:spcAft>
+                  <a:buClrTx/>
+                  <a:buSzTx/>
+                  <a:buFontTx/>
+                  <a:buNone/>
+                  <a:tabLst/>
+                  <a:defRPr/>
+                </a:pPr>
+                <a14:m>
+                  <m:oMath xmlns:m="http://schemas.openxmlformats.org/officeDocument/2006/math">
+                    <m:r>
+                      <a:rPr kumimoji="0" lang="es-ES" sz="1800" b="0" i="1" u="none" strike="noStrike" kern="1200" cap="none" spc="0" normalizeH="0" baseline="0" noProof="0" smtClean="0">
+                        <a:ln>
+                          <a:noFill/>
+                        </a:ln>
+                        <a:solidFill>
+                          <a:prstClr val="black"/>
+                        </a:solidFill>
+                        <a:effectLst/>
+                        <a:uLnTx/>
+                        <a:uFillTx/>
+                        <a:latin typeface="Cambria Math" panose="02040503050406030204" pitchFamily="18" charset="0"/>
+                        <a:ea typeface="+mn-ea"/>
+                        <a:cs typeface="+mn-cs"/>
+                      </a:rPr>
+                      <m:t>𝑥</m:t>
+                    </m:r>
+                    <m:r>
+                      <a:rPr kumimoji="0" lang="es-ES" sz="1800" b="0" i="1" u="none" strike="noStrike" kern="1200" cap="none" spc="0" normalizeH="0" baseline="0" noProof="0" smtClean="0">
+                        <a:ln>
+                          <a:noFill/>
+                        </a:ln>
+                        <a:solidFill>
+                          <a:prstClr val="black"/>
+                        </a:solidFill>
+                        <a:effectLst/>
+                        <a:uLnTx/>
+                        <a:uFillTx/>
+                        <a:latin typeface="Cambria Math" panose="02040503050406030204" pitchFamily="18" charset="0"/>
+                        <a:ea typeface="+mn-ea"/>
+                        <a:cs typeface="+mn-cs"/>
+                      </a:rPr>
+                      <m:t>+</m:t>
+                    </m:r>
+                    <m:r>
+                      <m:rPr>
+                        <m:sty m:val="p"/>
+                      </m:rPr>
+                      <a:rPr kumimoji="0" lang="es-ES" sz="1800" b="0" i="0" u="none" strike="noStrike" kern="1200" cap="none" spc="0" normalizeH="0" baseline="0" noProof="0" smtClean="0">
+                        <a:ln>
+                          <a:noFill/>
+                        </a:ln>
+                        <a:solidFill>
+                          <a:prstClr val="black"/>
+                        </a:solidFill>
+                        <a:effectLst/>
+                        <a:uLnTx/>
+                        <a:uFillTx/>
+                        <a:latin typeface="Cambria Math" panose="02040503050406030204" pitchFamily="18" charset="0"/>
+                        <a:ea typeface="+mn-ea"/>
+                        <a:cs typeface="+mn-cs"/>
+                      </a:rPr>
+                      <m:t>Δ</m:t>
+                    </m:r>
+                    <m:r>
+                      <a:rPr kumimoji="0" lang="es-ES" sz="1800" b="0" i="1" u="none" strike="noStrike" kern="1200" cap="none" spc="0" normalizeH="0" baseline="0" noProof="0" smtClean="0">
+                        <a:ln>
+                          <a:noFill/>
+                        </a:ln>
+                        <a:solidFill>
+                          <a:prstClr val="black"/>
+                        </a:solidFill>
+                        <a:effectLst/>
+                        <a:uLnTx/>
+                        <a:uFillTx/>
+                        <a:latin typeface="Cambria Math" panose="02040503050406030204" pitchFamily="18" charset="0"/>
+                        <a:ea typeface="+mn-ea"/>
+                        <a:cs typeface="+mn-cs"/>
+                      </a:rPr>
+                      <m:t>𝑥</m:t>
+                    </m:r>
+                  </m:oMath>
+                </a14:m>
+                <a:r>
+                  <a:rPr kumimoji="0" lang="es-CO" sz="1800" b="0" i="0" u="none" strike="noStrike" kern="1200" cap="none" spc="0" normalizeH="0" baseline="0" noProof="0" dirty="0">
+                    <a:ln>
+                      <a:noFill/>
+                    </a:ln>
+                    <a:solidFill>
+                      <a:prstClr val="black"/>
+                    </a:solidFill>
+                    <a:effectLst/>
+                    <a:uLnTx/>
+                    <a:uFillTx/>
+                    <a:latin typeface="Calibri" panose="020F0502020204030204"/>
+                    <a:ea typeface="+mn-ea"/>
+                    <a:cs typeface="+mn-cs"/>
+                  </a:rPr>
+                  <a:t>, con </a:t>
+                </a:r>
+                <a14:m>
+                  <m:oMath xmlns:m="http://schemas.openxmlformats.org/officeDocument/2006/math">
+                    <m:r>
+                      <m:rPr>
+                        <m:sty m:val="p"/>
+                      </m:rPr>
+                      <a:rPr kumimoji="0" lang="es-ES" sz="1800" b="0" i="0" u="none" strike="noStrike" kern="1200" cap="none" spc="0" normalizeH="0" baseline="0" noProof="0" smtClean="0">
+                        <a:ln>
+                          <a:noFill/>
+                        </a:ln>
+                        <a:solidFill>
+                          <a:prstClr val="black"/>
+                        </a:solidFill>
+                        <a:effectLst/>
+                        <a:uLnTx/>
+                        <a:uFillTx/>
+                        <a:latin typeface="Cambria Math" panose="02040503050406030204" pitchFamily="18" charset="0"/>
+                        <a:ea typeface="+mn-ea"/>
+                        <a:cs typeface="+mn-cs"/>
+                      </a:rPr>
+                      <m:t>Δ</m:t>
+                    </m:r>
+                    <m:r>
+                      <a:rPr kumimoji="0" lang="es-ES" sz="1800" b="0" i="1" u="none" strike="noStrike" kern="1200" cap="none" spc="0" normalizeH="0" baseline="0" noProof="0" smtClean="0">
+                        <a:ln>
+                          <a:noFill/>
+                        </a:ln>
+                        <a:solidFill>
+                          <a:prstClr val="black"/>
+                        </a:solidFill>
+                        <a:effectLst/>
+                        <a:uLnTx/>
+                        <a:uFillTx/>
+                        <a:latin typeface="Cambria Math" panose="02040503050406030204" pitchFamily="18" charset="0"/>
+                        <a:ea typeface="+mn-ea"/>
+                        <a:cs typeface="+mn-cs"/>
+                      </a:rPr>
+                      <m:t>𝑥</m:t>
+                    </m:r>
+                    <m:r>
+                      <a:rPr kumimoji="0" lang="es-ES" sz="1800" b="0" i="1" u="none" strike="noStrike" kern="1200" cap="none" spc="0" normalizeH="0" baseline="0" noProof="0" smtClean="0">
+                        <a:ln>
+                          <a:noFill/>
+                        </a:ln>
+                        <a:solidFill>
+                          <a:prstClr val="black"/>
+                        </a:solidFill>
+                        <a:effectLst/>
+                        <a:uLnTx/>
+                        <a:uFillTx/>
+                        <a:latin typeface="Cambria Math" panose="02040503050406030204" pitchFamily="18" charset="0"/>
+                        <a:ea typeface="+mn-ea"/>
+                        <a:cs typeface="+mn-cs"/>
+                      </a:rPr>
+                      <m:t>&lt;0</m:t>
+                    </m:r>
+                  </m:oMath>
+                </a14:m>
+                <a:endParaRPr kumimoji="0" lang="es-CO" sz="1800" b="0" i="0" u="none" strike="noStrike" kern="1200" cap="none" spc="0" normalizeH="0" baseline="0" noProof="0" dirty="0">
+                  <a:ln>
+                    <a:noFill/>
+                  </a:ln>
+                  <a:solidFill>
+                    <a:prstClr val="black"/>
+                  </a:solidFill>
+                  <a:effectLst/>
+                  <a:uLnTx/>
+                  <a:uFillTx/>
+                  <a:latin typeface="Calibri" panose="020F0502020204030204"/>
+                  <a:ea typeface="+mn-ea"/>
+                  <a:cs typeface="+mn-cs"/>
+                </a:endParaRPr>
+              </a:p>
+            </p:txBody>
+          </p:sp>
+        </mc:Choice>
+        <mc:Fallback>
+          <p:sp>
+            <p:nvSpPr>
+              <p:cNvPr id="32" name="CuadroTexto 31">
+                <a:extLst>
+                  <a:ext uri="{FF2B5EF4-FFF2-40B4-BE49-F238E27FC236}">
+                    <a16:creationId xmlns:a16="http://schemas.microsoft.com/office/drawing/2014/main" id="{3AF12090-65F7-9E40-8025-2A62100BDFD4}"/>
+                  </a:ext>
+                </a:extLst>
+              </p:cNvPr>
+              <p:cNvSpPr txBox="1">
+                <a:spLocks noRot="1" noChangeAspect="1" noMove="1" noResize="1" noEditPoints="1" noAdjustHandles="1" noChangeArrowheads="1" noChangeShapeType="1" noTextEdit="1"/>
+              </p:cNvSpPr>
+              <p:nvPr/>
+            </p:nvSpPr>
+            <p:spPr>
+              <a:xfrm>
+                <a:off x="5542198" y="3845842"/>
+                <a:ext cx="2059988" cy="369332"/>
+              </a:xfrm>
+              <a:prstGeom prst="rect">
+                <a:avLst/>
+              </a:prstGeom>
+              <a:blipFill>
+                <a:blip r:embed="rId4"/>
+                <a:stretch>
+                  <a:fillRect t="-6667" b="-26667"/>
+                </a:stretch>
+              </a:blipFill>
+            </p:spPr>
+            <p:txBody>
+              <a:bodyPr/>
+              <a:lstStyle/>
+              <a:p>
+                <a:r>
+                  <a:rPr lang="es-CO">
+                    <a:noFill/>
+                  </a:rPr>
+                  <a:t> </a:t>
+                </a:r>
+              </a:p>
+            </p:txBody>
+          </p:sp>
+        </mc:Fallback>
+      </mc:AlternateContent>
+      <mc:AlternateContent xmlns:mc="http://schemas.openxmlformats.org/markup-compatibility/2006">
+        <mc:Choice xmlns:a14="http://schemas.microsoft.com/office/drawing/2010/main" Requires="a14">
+          <p:sp>
+            <p:nvSpPr>
+              <p:cNvPr id="33" name="CuadroTexto 32">
+                <a:extLst>
+                  <a:ext uri="{FF2B5EF4-FFF2-40B4-BE49-F238E27FC236}">
+                    <a16:creationId xmlns:a16="http://schemas.microsoft.com/office/drawing/2014/main" id="{82A1E4DF-8FF8-8A4D-89B6-145F10F39753}"/>
+                  </a:ext>
+                </a:extLst>
+              </p:cNvPr>
+              <p:cNvSpPr txBox="1"/>
+              <p:nvPr/>
+            </p:nvSpPr>
+            <p:spPr>
+              <a:xfrm>
+                <a:off x="1505944" y="2292251"/>
+                <a:ext cx="2059988" cy="369332"/>
+              </a:xfrm>
+              <a:prstGeom prst="rect">
+                <a:avLst/>
+              </a:prstGeom>
+              <a:noFill/>
+            </p:spPr>
+            <p:txBody>
+              <a:bodyPr wrap="none" rtlCol="0">
+                <a:spAutoFit/>
+              </a:bodyPr>
+              <a:lstStyle/>
+              <a:p>
+                <a:pPr marL="0" marR="0" lvl="0" indent="0" algn="l" defTabSz="914400" rtl="0" eaLnBrk="1" fontAlgn="auto" latinLnBrk="0" hangingPunct="1">
+                  <a:lnSpc>
+                    <a:spcPct val="100000"/>
+                  </a:lnSpc>
+                  <a:spcBef>
+                    <a:spcPts val="0"/>
+                  </a:spcBef>
+                  <a:spcAft>
+                    <a:spcPts val="0"/>
+                  </a:spcAft>
+                  <a:buClrTx/>
+                  <a:buSzTx/>
+                  <a:buFontTx/>
+                  <a:buNone/>
+                  <a:tabLst/>
+                  <a:defRPr/>
+                </a:pPr>
+                <a14:m>
+                  <m:oMath xmlns:m="http://schemas.openxmlformats.org/officeDocument/2006/math">
+                    <m:r>
+                      <a:rPr kumimoji="0" lang="es-ES" sz="1800" b="0" i="1" u="none" strike="noStrike" kern="1200" cap="none" spc="0" normalizeH="0" baseline="0" noProof="0" smtClean="0">
+                        <a:ln>
+                          <a:noFill/>
+                        </a:ln>
+                        <a:solidFill>
+                          <a:prstClr val="black"/>
+                        </a:solidFill>
+                        <a:effectLst/>
+                        <a:uLnTx/>
+                        <a:uFillTx/>
+                        <a:latin typeface="Cambria Math" panose="02040503050406030204" pitchFamily="18" charset="0"/>
+                        <a:ea typeface="+mn-ea"/>
+                        <a:cs typeface="+mn-cs"/>
+                      </a:rPr>
+                      <m:t>𝑥</m:t>
+                    </m:r>
+                    <m:r>
+                      <a:rPr kumimoji="0" lang="es-ES" sz="1800" b="0" i="1" u="none" strike="noStrike" kern="1200" cap="none" spc="0" normalizeH="0" baseline="0" noProof="0" smtClean="0">
+                        <a:ln>
+                          <a:noFill/>
+                        </a:ln>
+                        <a:solidFill>
+                          <a:prstClr val="black"/>
+                        </a:solidFill>
+                        <a:effectLst/>
+                        <a:uLnTx/>
+                        <a:uFillTx/>
+                        <a:latin typeface="Cambria Math" panose="02040503050406030204" pitchFamily="18" charset="0"/>
+                        <a:ea typeface="+mn-ea"/>
+                        <a:cs typeface="+mn-cs"/>
+                      </a:rPr>
+                      <m:t>+</m:t>
+                    </m:r>
+                    <m:r>
+                      <m:rPr>
+                        <m:sty m:val="p"/>
+                      </m:rPr>
+                      <a:rPr kumimoji="0" lang="es-ES" sz="1800" b="0" i="0" u="none" strike="noStrike" kern="1200" cap="none" spc="0" normalizeH="0" baseline="0" noProof="0" smtClean="0">
+                        <a:ln>
+                          <a:noFill/>
+                        </a:ln>
+                        <a:solidFill>
+                          <a:prstClr val="black"/>
+                        </a:solidFill>
+                        <a:effectLst/>
+                        <a:uLnTx/>
+                        <a:uFillTx/>
+                        <a:latin typeface="Cambria Math" panose="02040503050406030204" pitchFamily="18" charset="0"/>
+                        <a:ea typeface="+mn-ea"/>
+                        <a:cs typeface="+mn-cs"/>
+                      </a:rPr>
+                      <m:t>Δ</m:t>
+                    </m:r>
+                    <m:r>
+                      <a:rPr kumimoji="0" lang="es-ES" sz="1800" b="0" i="1" u="none" strike="noStrike" kern="1200" cap="none" spc="0" normalizeH="0" baseline="0" noProof="0" smtClean="0">
+                        <a:ln>
+                          <a:noFill/>
+                        </a:ln>
+                        <a:solidFill>
+                          <a:prstClr val="black"/>
+                        </a:solidFill>
+                        <a:effectLst/>
+                        <a:uLnTx/>
+                        <a:uFillTx/>
+                        <a:latin typeface="Cambria Math" panose="02040503050406030204" pitchFamily="18" charset="0"/>
+                        <a:ea typeface="+mn-ea"/>
+                        <a:cs typeface="+mn-cs"/>
+                      </a:rPr>
+                      <m:t>𝑥</m:t>
+                    </m:r>
+                  </m:oMath>
+                </a14:m>
+                <a:r>
+                  <a:rPr kumimoji="0" lang="es-CO" sz="1800" b="0" i="0" u="none" strike="noStrike" kern="1200" cap="none" spc="0" normalizeH="0" baseline="0" noProof="0" dirty="0">
+                    <a:ln>
+                      <a:noFill/>
+                    </a:ln>
+                    <a:solidFill>
+                      <a:prstClr val="black"/>
+                    </a:solidFill>
+                    <a:effectLst/>
+                    <a:uLnTx/>
+                    <a:uFillTx/>
+                    <a:latin typeface="Calibri" panose="020F0502020204030204"/>
+                    <a:ea typeface="+mn-ea"/>
+                    <a:cs typeface="+mn-cs"/>
+                  </a:rPr>
+                  <a:t>, con </a:t>
+                </a:r>
+                <a14:m>
+                  <m:oMath xmlns:m="http://schemas.openxmlformats.org/officeDocument/2006/math">
+                    <m:r>
+                      <m:rPr>
+                        <m:sty m:val="p"/>
+                      </m:rPr>
+                      <a:rPr kumimoji="0" lang="es-ES" sz="1800" b="0" i="0" u="none" strike="noStrike" kern="1200" cap="none" spc="0" normalizeH="0" baseline="0" noProof="0" smtClean="0">
+                        <a:ln>
+                          <a:noFill/>
+                        </a:ln>
+                        <a:solidFill>
+                          <a:prstClr val="black"/>
+                        </a:solidFill>
+                        <a:effectLst/>
+                        <a:uLnTx/>
+                        <a:uFillTx/>
+                        <a:latin typeface="Cambria Math" panose="02040503050406030204" pitchFamily="18" charset="0"/>
+                        <a:ea typeface="+mn-ea"/>
+                        <a:cs typeface="+mn-cs"/>
+                      </a:rPr>
+                      <m:t>Δ</m:t>
+                    </m:r>
+                    <m:r>
+                      <a:rPr kumimoji="0" lang="es-ES" sz="1800" b="0" i="1" u="none" strike="noStrike" kern="1200" cap="none" spc="0" normalizeH="0" baseline="0" noProof="0" smtClean="0">
+                        <a:ln>
+                          <a:noFill/>
+                        </a:ln>
+                        <a:solidFill>
+                          <a:prstClr val="black"/>
+                        </a:solidFill>
+                        <a:effectLst/>
+                        <a:uLnTx/>
+                        <a:uFillTx/>
+                        <a:latin typeface="Cambria Math" panose="02040503050406030204" pitchFamily="18" charset="0"/>
+                        <a:ea typeface="+mn-ea"/>
+                        <a:cs typeface="+mn-cs"/>
+                      </a:rPr>
+                      <m:t>𝑥</m:t>
+                    </m:r>
+                    <m:r>
+                      <a:rPr kumimoji="0" lang="es-ES" sz="1800" b="0" i="1" u="none" strike="noStrike" kern="1200" cap="none" spc="0" normalizeH="0" baseline="0" noProof="0" smtClean="0">
+                        <a:ln>
+                          <a:noFill/>
+                        </a:ln>
+                        <a:solidFill>
+                          <a:prstClr val="black"/>
+                        </a:solidFill>
+                        <a:effectLst/>
+                        <a:uLnTx/>
+                        <a:uFillTx/>
+                        <a:latin typeface="Cambria Math" panose="02040503050406030204" pitchFamily="18" charset="0"/>
+                        <a:ea typeface="+mn-ea"/>
+                        <a:cs typeface="+mn-cs"/>
+                      </a:rPr>
+                      <m:t>&lt;0</m:t>
+                    </m:r>
+                  </m:oMath>
+                </a14:m>
+                <a:endParaRPr kumimoji="0" lang="es-CO" sz="1800" b="0" i="0" u="none" strike="noStrike" kern="1200" cap="none" spc="0" normalizeH="0" baseline="0" noProof="0" dirty="0">
+                  <a:ln>
+                    <a:noFill/>
+                  </a:ln>
+                  <a:solidFill>
+                    <a:prstClr val="black"/>
+                  </a:solidFill>
+                  <a:effectLst/>
+                  <a:uLnTx/>
+                  <a:uFillTx/>
+                  <a:latin typeface="Calibri" panose="020F0502020204030204"/>
+                  <a:ea typeface="+mn-ea"/>
+                  <a:cs typeface="+mn-cs"/>
+                </a:endParaRPr>
+              </a:p>
+            </p:txBody>
+          </p:sp>
+        </mc:Choice>
+        <mc:Fallback>
+          <p:sp>
+            <p:nvSpPr>
+              <p:cNvPr id="33" name="CuadroTexto 32">
+                <a:extLst>
+                  <a:ext uri="{FF2B5EF4-FFF2-40B4-BE49-F238E27FC236}">
+                    <a16:creationId xmlns:a16="http://schemas.microsoft.com/office/drawing/2014/main" id="{82A1E4DF-8FF8-8A4D-89B6-145F10F39753}"/>
+                  </a:ext>
+                </a:extLst>
+              </p:cNvPr>
+              <p:cNvSpPr txBox="1">
+                <a:spLocks noRot="1" noChangeAspect="1" noMove="1" noResize="1" noEditPoints="1" noAdjustHandles="1" noChangeArrowheads="1" noChangeShapeType="1" noTextEdit="1"/>
+              </p:cNvSpPr>
+              <p:nvPr/>
+            </p:nvSpPr>
+            <p:spPr>
+              <a:xfrm>
+                <a:off x="1505944" y="2292251"/>
+                <a:ext cx="2059988" cy="369332"/>
+              </a:xfrm>
+              <a:prstGeom prst="rect">
+                <a:avLst/>
+              </a:prstGeom>
+              <a:blipFill>
+                <a:blip r:embed="rId5"/>
+                <a:stretch>
+                  <a:fillRect t="-6667" b="-26667"/>
+                </a:stretch>
+              </a:blipFill>
+            </p:spPr>
+            <p:txBody>
+              <a:bodyPr/>
+              <a:lstStyle/>
+              <a:p>
+                <a:r>
+                  <a:rPr lang="es-CO">
+                    <a:noFill/>
+                  </a:rPr>
+                  <a:t> </a:t>
+                </a:r>
+              </a:p>
+            </p:txBody>
+          </p:sp>
+        </mc:Fallback>
+      </mc:AlternateContent>
+    </p:spTree>
+    <p:extLst>
+      <p:ext uri="{BB962C8B-B14F-4D97-AF65-F5344CB8AC3E}">
+        <p14:creationId xmlns:p14="http://schemas.microsoft.com/office/powerpoint/2010/main" val="3020483400"/>
+      </p:ext>
+    </p:extLst>
+  </p:cSld>
+  <p:clrMapOvr>
+    <a:masterClrMapping/>
+  </p:clrMapOvr>
+</p:sld>
+</file>
+
+<file path=ppt/slides/slide6.xml><?xml version="1.0" encoding="utf-8"?>
+<p:sld xmlns:a="http://schemas.openxmlformats.org/drawingml/2006/main" xmlns:r="http://schemas.openxmlformats.org/officeDocument/2006/relationships" xmlns:p="http://schemas.openxmlformats.org/presentationml/2006/main">
+  <p:cSld>
+    <p:spTree>
+      <p:nvGrpSpPr>
+        <p:cNvPr id="1" name=""/>
+        <p:cNvGrpSpPr/>
+        <p:nvPr/>
+      </p:nvGrpSpPr>
+      <p:grpSpPr>
+        <a:xfrm>
+          <a:off x="0" y="0"/>
+          <a:ext cx="0" cy="0"/>
+          <a:chOff x="0" y="0"/>
+          <a:chExt cx="0" cy="0"/>
+        </a:xfrm>
+      </p:grpSpPr>
+      <p:cxnSp>
+        <p:nvCxnSpPr>
+          <p:cNvPr id="3" name="Conector recto de flecha 2">
+            <a:extLst>
+              <a:ext uri="{FF2B5EF4-FFF2-40B4-BE49-F238E27FC236}">
+                <a16:creationId xmlns:a16="http://schemas.microsoft.com/office/drawing/2014/main" id="{CB0C5799-5B45-7F44-8141-B98C809C189A}"/>
+              </a:ext>
+            </a:extLst>
+          </p:cNvPr>
+          <p:cNvCxnSpPr>
+            <a:cxnSpLocks/>
+          </p:cNvCxnSpPr>
+          <p:nvPr/>
+        </p:nvCxnSpPr>
+        <p:spPr>
+          <a:xfrm flipV="1">
+            <a:off x="2336674" y="1007706"/>
+            <a:ext cx="0" cy="4228323"/>
+          </a:xfrm>
+          <a:prstGeom prst="straightConnector1">
+            <a:avLst/>
+          </a:prstGeom>
+          <a:ln w="15875">
+            <a:solidFill>
+              <a:schemeClr val="tx1"/>
+            </a:solidFill>
+            <a:headEnd type="stealth"/>
+            <a:tailEnd type="stealth"/>
+          </a:ln>
+        </p:spPr>
+        <p:style>
+          <a:lnRef idx="1">
+            <a:schemeClr val="accent1"/>
+          </a:lnRef>
+          <a:fillRef idx="0">
+            <a:schemeClr val="accent1"/>
+          </a:fillRef>
+          <a:effectRef idx="0">
+            <a:schemeClr val="accent1"/>
+          </a:effectRef>
+          <a:fontRef idx="minor">
+            <a:schemeClr val="tx1"/>
+          </a:fontRef>
+        </p:style>
+      </p:cxnSp>
+      <p:sp>
+        <p:nvSpPr>
+          <p:cNvPr id="4" name="Forma libre 3">
+            <a:extLst>
+              <a:ext uri="{FF2B5EF4-FFF2-40B4-BE49-F238E27FC236}">
+                <a16:creationId xmlns:a16="http://schemas.microsoft.com/office/drawing/2014/main" id="{69609FC0-43FC-594C-BC46-81B11EAC66EE}"/>
+              </a:ext>
+            </a:extLst>
+          </p:cNvPr>
+          <p:cNvSpPr/>
+          <p:nvPr/>
+        </p:nvSpPr>
+        <p:spPr>
+          <a:xfrm>
+            <a:off x="1923017" y="1412033"/>
+            <a:ext cx="5109153" cy="2822510"/>
+          </a:xfrm>
+          <a:custGeom>
+            <a:avLst/>
+            <a:gdLst>
+              <a:gd name="connsiteX0" fmla="*/ 0 w 3984171"/>
+              <a:gd name="connsiteY0" fmla="*/ 0 h 1464909"/>
+              <a:gd name="connsiteX1" fmla="*/ 2034074 w 3984171"/>
+              <a:gd name="connsiteY1" fmla="*/ 1464907 h 1464909"/>
+              <a:gd name="connsiteX2" fmla="*/ 3984171 w 3984171"/>
+              <a:gd name="connsiteY2" fmla="*/ 9331 h 1464909"/>
+              <a:gd name="connsiteX0" fmla="*/ 0 w 3984171"/>
+              <a:gd name="connsiteY0" fmla="*/ 0 h 1464909"/>
+              <a:gd name="connsiteX1" fmla="*/ 2034074 w 3984171"/>
+              <a:gd name="connsiteY1" fmla="*/ 1464907 h 1464909"/>
+              <a:gd name="connsiteX2" fmla="*/ 3984171 w 3984171"/>
+              <a:gd name="connsiteY2" fmla="*/ 9331 h 1464909"/>
+              <a:gd name="connsiteX0" fmla="*/ 0 w 3984171"/>
+              <a:gd name="connsiteY0" fmla="*/ 0 h 1464909"/>
+              <a:gd name="connsiteX1" fmla="*/ 2034074 w 3984171"/>
+              <a:gd name="connsiteY1" fmla="*/ 1464907 h 1464909"/>
+              <a:gd name="connsiteX2" fmla="*/ 3984171 w 3984171"/>
+              <a:gd name="connsiteY2" fmla="*/ 9331 h 1464909"/>
+              <a:gd name="connsiteX0" fmla="*/ 0 w 3984171"/>
+              <a:gd name="connsiteY0" fmla="*/ 0 h 1464909"/>
+              <a:gd name="connsiteX1" fmla="*/ 2034074 w 3984171"/>
+              <a:gd name="connsiteY1" fmla="*/ 1464907 h 1464909"/>
+              <a:gd name="connsiteX2" fmla="*/ 3984171 w 3984171"/>
+              <a:gd name="connsiteY2" fmla="*/ 9331 h 1464909"/>
+            </a:gdLst>
+            <a:ahLst/>
+            <a:cxnLst>
+              <a:cxn ang="0">
+                <a:pos x="connsiteX0" y="connsiteY0"/>
+              </a:cxn>
+              <a:cxn ang="0">
+                <a:pos x="connsiteX1" y="connsiteY1"/>
+              </a:cxn>
+              <a:cxn ang="0">
+                <a:pos x="connsiteX2" y="connsiteY2"/>
+              </a:cxn>
+            </a:cxnLst>
+            <a:rect l="l" t="t" r="r" b="b"/>
+            <a:pathLst>
+              <a:path w="3984171" h="1464909">
+                <a:moveTo>
+                  <a:pt x="0" y="0"/>
+                </a:moveTo>
+                <a:cubicBezTo>
+                  <a:pt x="517072" y="834313"/>
+                  <a:pt x="1370046" y="1463352"/>
+                  <a:pt x="2034074" y="1464907"/>
+                </a:cubicBezTo>
+                <a:cubicBezTo>
+                  <a:pt x="2698102" y="1466462"/>
+                  <a:pt x="3518418" y="793880"/>
+                  <a:pt x="3984171" y="9331"/>
+                </a:cubicBezTo>
+              </a:path>
+            </a:pathLst>
+          </a:custGeom>
+          <a:noFill/>
+          <a:ln w="25400">
+            <a:solidFill>
+              <a:schemeClr val="tx1"/>
+            </a:solidFill>
+          </a:ln>
+        </p:spPr>
+        <p:style>
+          <a:lnRef idx="2">
+            <a:schemeClr val="accent1">
+              <a:shade val="50000"/>
+            </a:schemeClr>
+          </a:lnRef>
+          <a:fillRef idx="1">
+            <a:schemeClr val="accent1"/>
+          </a:fillRef>
+          <a:effectRef idx="0">
+            <a:schemeClr val="accent1"/>
+          </a:effectRef>
+          <a:fontRef idx="minor">
+            <a:schemeClr val="lt1"/>
+          </a:fontRef>
+        </p:style>
+        <p:txBody>
+          <a:bodyPr rtlCol="0" anchor="ctr"/>
+          <a:lstStyle/>
+          <a:p>
+            <a:pPr marL="0" marR="0" lvl="0" indent="0" algn="ctr" defTabSz="914400" rtl="0" eaLnBrk="1" fontAlgn="auto" latinLnBrk="0" hangingPunct="1">
+              <a:lnSpc>
+                <a:spcPct val="100000"/>
+              </a:lnSpc>
+              <a:spcBef>
+                <a:spcPts val="0"/>
+              </a:spcBef>
+              <a:spcAft>
+                <a:spcPts val="0"/>
+              </a:spcAft>
+              <a:buClrTx/>
+              <a:buSzTx/>
+              <a:buFontTx/>
+              <a:buNone/>
+              <a:tabLst/>
+              <a:defRPr/>
+            </a:pPr>
+            <a:endParaRPr kumimoji="0" lang="es-CO" sz="1800" b="0" i="0" u="none" strike="noStrike" kern="1200" cap="none" spc="0" normalizeH="0" baseline="0" noProof="0" dirty="0">
+              <a:ln>
+                <a:noFill/>
+              </a:ln>
+              <a:solidFill>
+                <a:prstClr val="white"/>
+              </a:solidFill>
+              <a:effectLst/>
+              <a:uLnTx/>
+              <a:uFillTx/>
+              <a:latin typeface="Calibri" panose="020F0502020204030204"/>
+              <a:ea typeface="+mn-ea"/>
+              <a:cs typeface="+mn-cs"/>
+            </a:endParaRPr>
+          </a:p>
+        </p:txBody>
+      </p:sp>
+      <p:cxnSp>
+        <p:nvCxnSpPr>
+          <p:cNvPr id="5" name="Conector recto de flecha 4">
+            <a:extLst>
+              <a:ext uri="{FF2B5EF4-FFF2-40B4-BE49-F238E27FC236}">
+                <a16:creationId xmlns:a16="http://schemas.microsoft.com/office/drawing/2014/main" id="{77349CD8-8B71-BA42-AF62-7E864E508DFE}"/>
+              </a:ext>
+            </a:extLst>
+          </p:cNvPr>
+          <p:cNvCxnSpPr>
+            <a:cxnSpLocks/>
+          </p:cNvCxnSpPr>
+          <p:nvPr/>
+        </p:nvCxnSpPr>
+        <p:spPr>
+          <a:xfrm flipH="1">
+            <a:off x="1570655" y="4592216"/>
+            <a:ext cx="6363476" cy="0"/>
+          </a:xfrm>
+          <a:prstGeom prst="straightConnector1">
+            <a:avLst/>
+          </a:prstGeom>
+          <a:ln w="15875">
+            <a:solidFill>
+              <a:schemeClr val="tx1"/>
+            </a:solidFill>
+            <a:headEnd type="stealth"/>
+            <a:tailEnd type="stealth"/>
+          </a:ln>
+        </p:spPr>
+        <p:style>
+          <a:lnRef idx="1">
+            <a:schemeClr val="accent1"/>
+          </a:lnRef>
+          <a:fillRef idx="0">
+            <a:schemeClr val="accent1"/>
+          </a:fillRef>
+          <a:effectRef idx="0">
+            <a:schemeClr val="accent1"/>
+          </a:effectRef>
+          <a:fontRef idx="minor">
+            <a:schemeClr val="tx1"/>
+          </a:fontRef>
+        </p:style>
+      </p:cxnSp>
+      <p:sp>
+        <p:nvSpPr>
+          <p:cNvPr id="7" name="Elipse 6">
+            <a:extLst>
+              <a:ext uri="{FF2B5EF4-FFF2-40B4-BE49-F238E27FC236}">
+                <a16:creationId xmlns:a16="http://schemas.microsoft.com/office/drawing/2014/main" id="{740E7E93-A533-774A-9189-5FBE74A5A51B}"/>
+              </a:ext>
+            </a:extLst>
+          </p:cNvPr>
+          <p:cNvSpPr/>
+          <p:nvPr/>
+        </p:nvSpPr>
+        <p:spPr>
+          <a:xfrm>
+            <a:off x="6568752" y="2239347"/>
+            <a:ext cx="121298" cy="121298"/>
+          </a:xfrm>
+          <a:prstGeom prst="ellipse">
+            <a:avLst/>
+          </a:prstGeom>
+          <a:solidFill>
+            <a:schemeClr val="tx1"/>
+          </a:solidFill>
+          <a:ln>
+            <a:solidFill>
+              <a:schemeClr val="tx1"/>
+            </a:solidFill>
+          </a:ln>
+        </p:spPr>
+        <p:style>
+          <a:lnRef idx="2">
+            <a:schemeClr val="accent1">
+              <a:shade val="50000"/>
+            </a:schemeClr>
+          </a:lnRef>
+          <a:fillRef idx="1">
+            <a:schemeClr val="accent1"/>
+          </a:fillRef>
+          <a:effectRef idx="0">
+            <a:schemeClr val="accent1"/>
+          </a:effectRef>
+          <a:fontRef idx="minor">
+            <a:schemeClr val="lt1"/>
+          </a:fontRef>
+        </p:style>
+        <p:txBody>
+          <a:bodyPr rtlCol="0" anchor="ctr"/>
+          <a:lstStyle/>
+          <a:p>
+            <a:pPr algn="ctr"/>
+            <a:endParaRPr lang="es-CO"/>
+          </a:p>
+        </p:txBody>
+      </p:sp>
+      <p:sp>
+        <p:nvSpPr>
+          <p:cNvPr id="8" name="Elipse 7">
+            <a:extLst>
+              <a:ext uri="{FF2B5EF4-FFF2-40B4-BE49-F238E27FC236}">
+                <a16:creationId xmlns:a16="http://schemas.microsoft.com/office/drawing/2014/main" id="{C8CB8E7A-910D-4E48-B7AA-402CE0747161}"/>
+              </a:ext>
+            </a:extLst>
+          </p:cNvPr>
+          <p:cNvSpPr/>
+          <p:nvPr/>
+        </p:nvSpPr>
+        <p:spPr>
+          <a:xfrm>
+            <a:off x="6165980" y="2870719"/>
+            <a:ext cx="121298" cy="121298"/>
+          </a:xfrm>
+          <a:prstGeom prst="ellipse">
+            <a:avLst/>
+          </a:prstGeom>
+          <a:solidFill>
+            <a:schemeClr val="tx1"/>
+          </a:solidFill>
+          <a:ln>
+            <a:solidFill>
+              <a:schemeClr val="tx1"/>
+            </a:solidFill>
+          </a:ln>
+        </p:spPr>
+        <p:style>
+          <a:lnRef idx="2">
+            <a:schemeClr val="accent1">
+              <a:shade val="50000"/>
+            </a:schemeClr>
+          </a:lnRef>
+          <a:fillRef idx="1">
+            <a:schemeClr val="accent1"/>
+          </a:fillRef>
+          <a:effectRef idx="0">
+            <a:schemeClr val="accent1"/>
+          </a:effectRef>
+          <a:fontRef idx="minor">
+            <a:schemeClr val="lt1"/>
+          </a:fontRef>
+        </p:style>
+        <p:txBody>
+          <a:bodyPr rtlCol="0" anchor="ctr"/>
+          <a:lstStyle/>
+          <a:p>
+            <a:pPr algn="ctr"/>
+            <a:endParaRPr lang="es-CO"/>
+          </a:p>
+        </p:txBody>
+      </p:sp>
+      <p:sp>
+        <p:nvSpPr>
+          <p:cNvPr id="9" name="Elipse 8">
+            <a:extLst>
+              <a:ext uri="{FF2B5EF4-FFF2-40B4-BE49-F238E27FC236}">
+                <a16:creationId xmlns:a16="http://schemas.microsoft.com/office/drawing/2014/main" id="{E3B34891-967F-C542-9C8F-CBEC8E32EC74}"/>
+              </a:ext>
+            </a:extLst>
+          </p:cNvPr>
+          <p:cNvSpPr/>
+          <p:nvPr/>
+        </p:nvSpPr>
+        <p:spPr>
+          <a:xfrm>
+            <a:off x="5741435" y="3415007"/>
+            <a:ext cx="121298" cy="121298"/>
+          </a:xfrm>
+          <a:prstGeom prst="ellipse">
+            <a:avLst/>
+          </a:prstGeom>
+          <a:solidFill>
+            <a:schemeClr val="tx1"/>
+          </a:solidFill>
+          <a:ln>
+            <a:solidFill>
+              <a:schemeClr val="tx1"/>
+            </a:solidFill>
+          </a:ln>
+        </p:spPr>
+        <p:style>
+          <a:lnRef idx="2">
+            <a:schemeClr val="accent1">
+              <a:shade val="50000"/>
+            </a:schemeClr>
+          </a:lnRef>
+          <a:fillRef idx="1">
+            <a:schemeClr val="accent1"/>
+          </a:fillRef>
+          <a:effectRef idx="0">
+            <a:schemeClr val="accent1"/>
+          </a:effectRef>
+          <a:fontRef idx="minor">
+            <a:schemeClr val="lt1"/>
+          </a:fontRef>
+        </p:style>
+        <p:txBody>
+          <a:bodyPr rtlCol="0" anchor="ctr"/>
+          <a:lstStyle/>
+          <a:p>
+            <a:pPr algn="ctr"/>
+            <a:endParaRPr lang="es-CO"/>
+          </a:p>
+        </p:txBody>
+      </p:sp>
+      <p:sp>
+        <p:nvSpPr>
+          <p:cNvPr id="11" name="Forma libre 10">
+            <a:extLst>
+              <a:ext uri="{FF2B5EF4-FFF2-40B4-BE49-F238E27FC236}">
+                <a16:creationId xmlns:a16="http://schemas.microsoft.com/office/drawing/2014/main" id="{ABA9576D-DDA6-2B40-A05B-859FF3BCED91}"/>
+              </a:ext>
+            </a:extLst>
+          </p:cNvPr>
+          <p:cNvSpPr/>
+          <p:nvPr/>
+        </p:nvSpPr>
+        <p:spPr>
+          <a:xfrm>
+            <a:off x="6226632" y="1628195"/>
+            <a:ext cx="374776" cy="1093236"/>
+          </a:xfrm>
+          <a:custGeom>
+            <a:avLst/>
+            <a:gdLst>
+              <a:gd name="connsiteX0" fmla="*/ 446314 w 446314"/>
+              <a:gd name="connsiteY0" fmla="*/ 426151 h 850693"/>
+              <a:gd name="connsiteX1" fmla="*/ 87085 w 446314"/>
+              <a:gd name="connsiteY1" fmla="*/ 12493 h 850693"/>
+              <a:gd name="connsiteX2" fmla="*/ 0 w 446314"/>
+              <a:gd name="connsiteY2" fmla="*/ 850693 h 850693"/>
+            </a:gdLst>
+            <a:ahLst/>
+            <a:cxnLst>
+              <a:cxn ang="0">
+                <a:pos x="connsiteX0" y="connsiteY0"/>
+              </a:cxn>
+              <a:cxn ang="0">
+                <a:pos x="connsiteX1" y="connsiteY1"/>
+              </a:cxn>
+              <a:cxn ang="0">
+                <a:pos x="connsiteX2" y="connsiteY2"/>
+              </a:cxn>
+            </a:cxnLst>
+            <a:rect l="l" t="t" r="r" b="b"/>
+            <a:pathLst>
+              <a:path w="446314" h="850693">
+                <a:moveTo>
+                  <a:pt x="446314" y="426151"/>
+                </a:moveTo>
+                <a:cubicBezTo>
+                  <a:pt x="303892" y="183943"/>
+                  <a:pt x="161471" y="-58264"/>
+                  <a:pt x="87085" y="12493"/>
+                </a:cubicBezTo>
+                <a:cubicBezTo>
+                  <a:pt x="12699" y="83250"/>
+                  <a:pt x="6349" y="466971"/>
+                  <a:pt x="0" y="850693"/>
+                </a:cubicBezTo>
+              </a:path>
+            </a:pathLst>
+          </a:custGeom>
+          <a:noFill/>
+          <a:ln w="25400">
+            <a:solidFill>
+              <a:schemeClr val="accent2">
+                <a:lumMod val="75000"/>
+              </a:schemeClr>
+            </a:solidFill>
+            <a:tailEnd type="arrow"/>
+          </a:ln>
+        </p:spPr>
+        <p:style>
+          <a:lnRef idx="2">
+            <a:schemeClr val="accent1">
+              <a:shade val="50000"/>
+            </a:schemeClr>
+          </a:lnRef>
+          <a:fillRef idx="1">
+            <a:schemeClr val="accent1"/>
+          </a:fillRef>
+          <a:effectRef idx="0">
+            <a:schemeClr val="accent1"/>
+          </a:effectRef>
+          <a:fontRef idx="minor">
+            <a:schemeClr val="lt1"/>
+          </a:fontRef>
+        </p:style>
+        <p:txBody>
+          <a:bodyPr rtlCol="0" anchor="ctr"/>
+          <a:lstStyle/>
+          <a:p>
+            <a:pPr algn="ctr"/>
+            <a:endParaRPr lang="es-CO"/>
+          </a:p>
+        </p:txBody>
+      </p:sp>
+      <p:sp>
+        <p:nvSpPr>
+          <p:cNvPr id="12" name="Forma libre 11">
+            <a:extLst>
+              <a:ext uri="{FF2B5EF4-FFF2-40B4-BE49-F238E27FC236}">
+                <a16:creationId xmlns:a16="http://schemas.microsoft.com/office/drawing/2014/main" id="{61C79185-0580-9F49-97B3-2A1C7FA73749}"/>
+              </a:ext>
+            </a:extLst>
+          </p:cNvPr>
+          <p:cNvSpPr/>
+          <p:nvPr/>
+        </p:nvSpPr>
+        <p:spPr>
+          <a:xfrm>
+            <a:off x="5795870" y="2245570"/>
+            <a:ext cx="304794" cy="1093236"/>
+          </a:xfrm>
+          <a:custGeom>
+            <a:avLst/>
+            <a:gdLst>
+              <a:gd name="connsiteX0" fmla="*/ 446314 w 446314"/>
+              <a:gd name="connsiteY0" fmla="*/ 426151 h 850693"/>
+              <a:gd name="connsiteX1" fmla="*/ 87085 w 446314"/>
+              <a:gd name="connsiteY1" fmla="*/ 12493 h 850693"/>
+              <a:gd name="connsiteX2" fmla="*/ 0 w 446314"/>
+              <a:gd name="connsiteY2" fmla="*/ 850693 h 850693"/>
+            </a:gdLst>
+            <a:ahLst/>
+            <a:cxnLst>
+              <a:cxn ang="0">
+                <a:pos x="connsiteX0" y="connsiteY0"/>
+              </a:cxn>
+              <a:cxn ang="0">
+                <a:pos x="connsiteX1" y="connsiteY1"/>
+              </a:cxn>
+              <a:cxn ang="0">
+                <a:pos x="connsiteX2" y="connsiteY2"/>
+              </a:cxn>
+            </a:cxnLst>
+            <a:rect l="l" t="t" r="r" b="b"/>
+            <a:pathLst>
+              <a:path w="446314" h="850693">
+                <a:moveTo>
+                  <a:pt x="446314" y="426151"/>
+                </a:moveTo>
+                <a:cubicBezTo>
+                  <a:pt x="303892" y="183943"/>
+                  <a:pt x="161471" y="-58264"/>
+                  <a:pt x="87085" y="12493"/>
+                </a:cubicBezTo>
+                <a:cubicBezTo>
+                  <a:pt x="12699" y="83250"/>
+                  <a:pt x="6349" y="466971"/>
+                  <a:pt x="0" y="850693"/>
+                </a:cubicBezTo>
+              </a:path>
+            </a:pathLst>
+          </a:custGeom>
+          <a:noFill/>
+          <a:ln w="25400">
+            <a:solidFill>
+              <a:schemeClr val="accent2">
+                <a:lumMod val="75000"/>
+              </a:schemeClr>
+            </a:solidFill>
+            <a:tailEnd type="arrow"/>
+          </a:ln>
+        </p:spPr>
+        <p:style>
+          <a:lnRef idx="2">
+            <a:schemeClr val="accent1">
+              <a:shade val="50000"/>
+            </a:schemeClr>
+          </a:lnRef>
+          <a:fillRef idx="1">
+            <a:schemeClr val="accent1"/>
+          </a:fillRef>
+          <a:effectRef idx="0">
+            <a:schemeClr val="accent1"/>
+          </a:effectRef>
+          <a:fontRef idx="minor">
+            <a:schemeClr val="lt1"/>
+          </a:fontRef>
+        </p:style>
+        <p:txBody>
+          <a:bodyPr rtlCol="0" anchor="ctr"/>
+          <a:lstStyle/>
+          <a:p>
+            <a:pPr algn="ctr"/>
+            <a:endParaRPr lang="es-CO"/>
+          </a:p>
+        </p:txBody>
+      </p:sp>
+      <p:sp>
+        <p:nvSpPr>
+          <p:cNvPr id="13" name="Elipse 12">
+            <a:extLst>
+              <a:ext uri="{FF2B5EF4-FFF2-40B4-BE49-F238E27FC236}">
+                <a16:creationId xmlns:a16="http://schemas.microsoft.com/office/drawing/2014/main" id="{01966FE5-6C3B-5442-A0A2-CB21397E3CD8}"/>
+              </a:ext>
+            </a:extLst>
+          </p:cNvPr>
+          <p:cNvSpPr/>
+          <p:nvPr/>
+        </p:nvSpPr>
+        <p:spPr>
+          <a:xfrm>
+            <a:off x="5099180" y="3981065"/>
+            <a:ext cx="121298" cy="121298"/>
+          </a:xfrm>
+          <a:prstGeom prst="ellipse">
+            <a:avLst/>
+          </a:prstGeom>
+          <a:solidFill>
+            <a:schemeClr val="tx1"/>
+          </a:solidFill>
+          <a:ln>
+            <a:solidFill>
+              <a:schemeClr val="tx1"/>
+            </a:solidFill>
+          </a:ln>
+        </p:spPr>
+        <p:style>
+          <a:lnRef idx="2">
+            <a:schemeClr val="accent1">
+              <a:shade val="50000"/>
+            </a:schemeClr>
+          </a:lnRef>
+          <a:fillRef idx="1">
+            <a:schemeClr val="accent1"/>
+          </a:fillRef>
+          <a:effectRef idx="0">
+            <a:schemeClr val="accent1"/>
+          </a:effectRef>
+          <a:fontRef idx="minor">
+            <a:schemeClr val="lt1"/>
+          </a:fontRef>
+        </p:style>
+        <p:txBody>
+          <a:bodyPr rtlCol="0" anchor="ctr"/>
+          <a:lstStyle/>
+          <a:p>
+            <a:pPr algn="ctr"/>
+            <a:endParaRPr lang="es-CO"/>
+          </a:p>
+        </p:txBody>
+      </p:sp>
+      <p:sp>
+        <p:nvSpPr>
+          <p:cNvPr id="14" name="Forma libre 13">
+            <a:extLst>
+              <a:ext uri="{FF2B5EF4-FFF2-40B4-BE49-F238E27FC236}">
+                <a16:creationId xmlns:a16="http://schemas.microsoft.com/office/drawing/2014/main" id="{9E3E752F-501F-1542-B63F-A633634472C9}"/>
+              </a:ext>
+            </a:extLst>
+          </p:cNvPr>
+          <p:cNvSpPr/>
+          <p:nvPr/>
+        </p:nvSpPr>
+        <p:spPr>
+          <a:xfrm>
+            <a:off x="5159829" y="2804243"/>
+            <a:ext cx="581607" cy="1093236"/>
+          </a:xfrm>
+          <a:custGeom>
+            <a:avLst/>
+            <a:gdLst>
+              <a:gd name="connsiteX0" fmla="*/ 446314 w 446314"/>
+              <a:gd name="connsiteY0" fmla="*/ 426151 h 850693"/>
+              <a:gd name="connsiteX1" fmla="*/ 87085 w 446314"/>
+              <a:gd name="connsiteY1" fmla="*/ 12493 h 850693"/>
+              <a:gd name="connsiteX2" fmla="*/ 0 w 446314"/>
+              <a:gd name="connsiteY2" fmla="*/ 850693 h 850693"/>
+            </a:gdLst>
+            <a:ahLst/>
+            <a:cxnLst>
+              <a:cxn ang="0">
+                <a:pos x="connsiteX0" y="connsiteY0"/>
+              </a:cxn>
+              <a:cxn ang="0">
+                <a:pos x="connsiteX1" y="connsiteY1"/>
+              </a:cxn>
+              <a:cxn ang="0">
+                <a:pos x="connsiteX2" y="connsiteY2"/>
+              </a:cxn>
+            </a:cxnLst>
+            <a:rect l="l" t="t" r="r" b="b"/>
+            <a:pathLst>
+              <a:path w="446314" h="850693">
+                <a:moveTo>
+                  <a:pt x="446314" y="426151"/>
+                </a:moveTo>
+                <a:cubicBezTo>
+                  <a:pt x="303892" y="183943"/>
+                  <a:pt x="161471" y="-58264"/>
+                  <a:pt x="87085" y="12493"/>
+                </a:cubicBezTo>
+                <a:cubicBezTo>
+                  <a:pt x="12699" y="83250"/>
+                  <a:pt x="6349" y="466971"/>
+                  <a:pt x="0" y="850693"/>
+                </a:cubicBezTo>
+              </a:path>
+            </a:pathLst>
+          </a:custGeom>
+          <a:noFill/>
+          <a:ln w="25400">
+            <a:solidFill>
+              <a:schemeClr val="accent2">
+                <a:lumMod val="75000"/>
+              </a:schemeClr>
+            </a:solidFill>
+            <a:tailEnd type="arrow"/>
+          </a:ln>
+        </p:spPr>
+        <p:style>
+          <a:lnRef idx="2">
+            <a:schemeClr val="accent1">
+              <a:shade val="50000"/>
+            </a:schemeClr>
+          </a:lnRef>
+          <a:fillRef idx="1">
+            <a:schemeClr val="accent1"/>
+          </a:fillRef>
+          <a:effectRef idx="0">
+            <a:schemeClr val="accent1"/>
+          </a:effectRef>
+          <a:fontRef idx="minor">
+            <a:schemeClr val="lt1"/>
+          </a:fontRef>
+        </p:style>
+        <p:txBody>
+          <a:bodyPr rtlCol="0" anchor="ctr"/>
+          <a:lstStyle/>
+          <a:p>
+            <a:pPr algn="ctr"/>
+            <a:endParaRPr lang="es-CO"/>
+          </a:p>
+        </p:txBody>
+      </p:sp>
+      <mc:AlternateContent xmlns:mc="http://schemas.openxmlformats.org/markup-compatibility/2006">
+        <mc:Choice xmlns:a14="http://schemas.microsoft.com/office/drawing/2010/main" Requires="a14">
+          <p:sp>
+            <p:nvSpPr>
+              <p:cNvPr id="15" name="CuadroTexto 14">
+                <a:extLst>
+                  <a:ext uri="{FF2B5EF4-FFF2-40B4-BE49-F238E27FC236}">
+                    <a16:creationId xmlns:a16="http://schemas.microsoft.com/office/drawing/2014/main" id="{D1B53172-3C33-1E47-98C8-77CB80428DEB}"/>
+                  </a:ext>
+                </a:extLst>
+              </p:cNvPr>
+              <p:cNvSpPr txBox="1"/>
+              <p:nvPr/>
+            </p:nvSpPr>
+            <p:spPr>
+              <a:xfrm>
+                <a:off x="6601408" y="4544790"/>
+                <a:ext cx="466089" cy="369332"/>
+              </a:xfrm>
+              <a:prstGeom prst="rect">
+                <a:avLst/>
+              </a:prstGeom>
+              <a:noFill/>
+            </p:spPr>
+            <p:txBody>
+              <a:bodyPr wrap="none" rtlCol="0">
+                <a:spAutoFit/>
+              </a:bodyPr>
+              <a:lstStyle/>
+              <a:p>
+                <a14:m>
+                  <m:oMathPara xmlns:m="http://schemas.openxmlformats.org/officeDocument/2006/math">
+                    <m:oMathParaPr>
+                      <m:jc m:val="centerGroup"/>
+                    </m:oMathParaPr>
+                    <m:oMath xmlns:m="http://schemas.openxmlformats.org/officeDocument/2006/math">
+                      <m:sSub>
+                        <m:sSubPr>
+                          <m:ctrlPr>
+                            <a:rPr lang="es-ES" b="0" i="1" smtClean="0">
+                              <a:latin typeface="Cambria Math" panose="02040503050406030204" pitchFamily="18" charset="0"/>
+                            </a:rPr>
+                          </m:ctrlPr>
+                        </m:sSubPr>
+                        <m:e>
+                          <m:r>
+                            <a:rPr lang="es-ES" b="0" i="1" smtClean="0">
+                              <a:latin typeface="Cambria Math" panose="02040503050406030204" pitchFamily="18" charset="0"/>
+                            </a:rPr>
+                            <m:t>𝑥</m:t>
+                          </m:r>
+                        </m:e>
+                        <m:sub>
+                          <m:r>
+                            <a:rPr lang="es-ES" b="0" i="1" smtClean="0">
+                              <a:latin typeface="Cambria Math" panose="02040503050406030204" pitchFamily="18" charset="0"/>
+                            </a:rPr>
+                            <m:t>0</m:t>
+                          </m:r>
+                        </m:sub>
+                      </m:sSub>
+                    </m:oMath>
+                  </m:oMathPara>
+                </a14:m>
+                <a:endParaRPr lang="es-CO" dirty="0"/>
+              </a:p>
+            </p:txBody>
+          </p:sp>
+        </mc:Choice>
+        <mc:Fallback>
+          <p:sp>
+            <p:nvSpPr>
+              <p:cNvPr id="15" name="CuadroTexto 14">
+                <a:extLst>
+                  <a:ext uri="{FF2B5EF4-FFF2-40B4-BE49-F238E27FC236}">
+                    <a16:creationId xmlns:a16="http://schemas.microsoft.com/office/drawing/2014/main" id="{D1B53172-3C33-1E47-98C8-77CB80428DEB}"/>
+                  </a:ext>
+                </a:extLst>
+              </p:cNvPr>
+              <p:cNvSpPr txBox="1">
+                <a:spLocks noRot="1" noChangeAspect="1" noMove="1" noResize="1" noEditPoints="1" noAdjustHandles="1" noChangeArrowheads="1" noChangeShapeType="1" noTextEdit="1"/>
+              </p:cNvSpPr>
+              <p:nvPr/>
+            </p:nvSpPr>
+            <p:spPr>
+              <a:xfrm>
+                <a:off x="6601408" y="4544790"/>
+                <a:ext cx="466089" cy="369332"/>
+              </a:xfrm>
+              <a:prstGeom prst="rect">
+                <a:avLst/>
+              </a:prstGeom>
+              <a:blipFill>
+                <a:blip r:embed="rId2"/>
+                <a:stretch>
+                  <a:fillRect/>
+                </a:stretch>
+              </a:blipFill>
+            </p:spPr>
+            <p:txBody>
+              <a:bodyPr/>
+              <a:lstStyle/>
+              <a:p>
+                <a:r>
+                  <a:rPr lang="es-CO">
+                    <a:noFill/>
+                  </a:rPr>
+                  <a:t> </a:t>
+                </a:r>
+              </a:p>
+            </p:txBody>
+          </p:sp>
+        </mc:Fallback>
+      </mc:AlternateContent>
+      <p:cxnSp>
+        <p:nvCxnSpPr>
+          <p:cNvPr id="16" name="Conector recto 15">
+            <a:extLst>
+              <a:ext uri="{FF2B5EF4-FFF2-40B4-BE49-F238E27FC236}">
+                <a16:creationId xmlns:a16="http://schemas.microsoft.com/office/drawing/2014/main" id="{7971623C-E69A-E84A-AF8D-BF7F0A9D19A3}"/>
+              </a:ext>
+            </a:extLst>
+          </p:cNvPr>
+          <p:cNvCxnSpPr>
+            <a:cxnSpLocks/>
+          </p:cNvCxnSpPr>
+          <p:nvPr/>
+        </p:nvCxnSpPr>
+        <p:spPr>
+          <a:xfrm>
+            <a:off x="6624121" y="2324228"/>
+            <a:ext cx="0" cy="2267988"/>
+          </a:xfrm>
+          <a:prstGeom prst="line">
+            <a:avLst/>
+          </a:prstGeom>
+          <a:ln w="12700">
+            <a:solidFill>
+              <a:schemeClr val="tx1"/>
+            </a:solidFill>
+            <a:prstDash val="dash"/>
+          </a:ln>
+        </p:spPr>
+        <p:style>
+          <a:lnRef idx="1">
+            <a:schemeClr val="accent1"/>
+          </a:lnRef>
+          <a:fillRef idx="0">
+            <a:schemeClr val="accent1"/>
+          </a:fillRef>
+          <a:effectRef idx="0">
+            <a:schemeClr val="accent1"/>
+          </a:effectRef>
+          <a:fontRef idx="minor">
+            <a:schemeClr val="tx1"/>
+          </a:fontRef>
+        </p:style>
+      </p:cxnSp>
+      <p:cxnSp>
+        <p:nvCxnSpPr>
+          <p:cNvPr id="18" name="Conector recto 17">
+            <a:extLst>
+              <a:ext uri="{FF2B5EF4-FFF2-40B4-BE49-F238E27FC236}">
+                <a16:creationId xmlns:a16="http://schemas.microsoft.com/office/drawing/2014/main" id="{FC75DE2F-86E0-644F-A10F-E9CDB5728E6D}"/>
+              </a:ext>
+            </a:extLst>
+          </p:cNvPr>
+          <p:cNvCxnSpPr>
+            <a:cxnSpLocks/>
+          </p:cNvCxnSpPr>
+          <p:nvPr/>
+        </p:nvCxnSpPr>
+        <p:spPr>
+          <a:xfrm>
+            <a:off x="6226629" y="2929492"/>
+            <a:ext cx="0" cy="1662724"/>
+          </a:xfrm>
+          <a:prstGeom prst="line">
+            <a:avLst/>
+          </a:prstGeom>
+          <a:ln w="12700">
+            <a:solidFill>
+              <a:schemeClr val="tx1"/>
+            </a:solidFill>
+            <a:prstDash val="dash"/>
+          </a:ln>
+        </p:spPr>
+        <p:style>
+          <a:lnRef idx="1">
+            <a:schemeClr val="accent1"/>
+          </a:lnRef>
+          <a:fillRef idx="0">
+            <a:schemeClr val="accent1"/>
+          </a:fillRef>
+          <a:effectRef idx="0">
+            <a:schemeClr val="accent1"/>
+          </a:effectRef>
+          <a:fontRef idx="minor">
+            <a:schemeClr val="tx1"/>
+          </a:fontRef>
+        </p:style>
+      </p:cxnSp>
+      <p:cxnSp>
+        <p:nvCxnSpPr>
+          <p:cNvPr id="20" name="Conector recto 19">
+            <a:extLst>
+              <a:ext uri="{FF2B5EF4-FFF2-40B4-BE49-F238E27FC236}">
+                <a16:creationId xmlns:a16="http://schemas.microsoft.com/office/drawing/2014/main" id="{8489724F-82F3-2B4B-AFD1-26A4231E3D2F}"/>
+              </a:ext>
+            </a:extLst>
+          </p:cNvPr>
+          <p:cNvCxnSpPr>
+            <a:cxnSpLocks/>
+          </p:cNvCxnSpPr>
+          <p:nvPr/>
+        </p:nvCxnSpPr>
+        <p:spPr>
+          <a:xfrm>
+            <a:off x="5806756" y="3475656"/>
+            <a:ext cx="0" cy="1116560"/>
+          </a:xfrm>
+          <a:prstGeom prst="line">
+            <a:avLst/>
+          </a:prstGeom>
+          <a:ln w="12700">
+            <a:solidFill>
+              <a:schemeClr val="tx1"/>
+            </a:solidFill>
+            <a:prstDash val="dash"/>
+          </a:ln>
+        </p:spPr>
+        <p:style>
+          <a:lnRef idx="1">
+            <a:schemeClr val="accent1"/>
+          </a:lnRef>
+          <a:fillRef idx="0">
+            <a:schemeClr val="accent1"/>
+          </a:fillRef>
+          <a:effectRef idx="0">
+            <a:schemeClr val="accent1"/>
+          </a:effectRef>
+          <a:fontRef idx="minor">
+            <a:schemeClr val="tx1"/>
+          </a:fontRef>
+        </p:style>
+      </p:cxnSp>
+      <p:cxnSp>
+        <p:nvCxnSpPr>
+          <p:cNvPr id="22" name="Conector recto 21">
+            <a:extLst>
+              <a:ext uri="{FF2B5EF4-FFF2-40B4-BE49-F238E27FC236}">
+                <a16:creationId xmlns:a16="http://schemas.microsoft.com/office/drawing/2014/main" id="{9909706F-B0B9-0943-A793-0EE151AE41DC}"/>
+              </a:ext>
+            </a:extLst>
+          </p:cNvPr>
+          <p:cNvCxnSpPr>
+            <a:cxnSpLocks/>
+          </p:cNvCxnSpPr>
+          <p:nvPr/>
+        </p:nvCxnSpPr>
+        <p:spPr>
+          <a:xfrm>
+            <a:off x="5164499" y="4080591"/>
+            <a:ext cx="0" cy="511625"/>
+          </a:xfrm>
+          <a:prstGeom prst="line">
+            <a:avLst/>
+          </a:prstGeom>
+          <a:ln w="12700">
+            <a:solidFill>
+              <a:schemeClr val="tx1"/>
+            </a:solidFill>
+            <a:prstDash val="dash"/>
+          </a:ln>
+        </p:spPr>
+        <p:style>
+          <a:lnRef idx="1">
+            <a:schemeClr val="accent1"/>
+          </a:lnRef>
+          <a:fillRef idx="0">
+            <a:schemeClr val="accent1"/>
+          </a:fillRef>
+          <a:effectRef idx="0">
+            <a:schemeClr val="accent1"/>
+          </a:effectRef>
+          <a:fontRef idx="minor">
+            <a:schemeClr val="tx1"/>
+          </a:fontRef>
+        </p:style>
+      </p:cxnSp>
+      <mc:AlternateContent xmlns:mc="http://schemas.openxmlformats.org/markup-compatibility/2006">
+        <mc:Choice xmlns:a14="http://schemas.microsoft.com/office/drawing/2010/main" Requires="a14">
+          <p:sp>
+            <p:nvSpPr>
+              <p:cNvPr id="24" name="CuadroTexto 23">
+                <a:extLst>
+                  <a:ext uri="{FF2B5EF4-FFF2-40B4-BE49-F238E27FC236}">
+                    <a16:creationId xmlns:a16="http://schemas.microsoft.com/office/drawing/2014/main" id="{1904478D-C7C5-224F-BBDB-EC0065A6AE28}"/>
+                  </a:ext>
+                </a:extLst>
+              </p:cNvPr>
+              <p:cNvSpPr txBox="1"/>
+              <p:nvPr/>
+            </p:nvSpPr>
+            <p:spPr>
+              <a:xfrm>
+                <a:off x="6106635" y="4538178"/>
+                <a:ext cx="466089" cy="369332"/>
+              </a:xfrm>
+              <a:prstGeom prst="rect">
+                <a:avLst/>
+              </a:prstGeom>
+              <a:noFill/>
+            </p:spPr>
+            <p:txBody>
+              <a:bodyPr wrap="none" rtlCol="0">
+                <a:spAutoFit/>
+              </a:bodyPr>
+              <a:lstStyle/>
+              <a:p>
+                <a14:m>
+                  <m:oMathPara xmlns:m="http://schemas.openxmlformats.org/officeDocument/2006/math">
+                    <m:oMathParaPr>
+                      <m:jc m:val="centerGroup"/>
+                    </m:oMathParaPr>
+                    <m:oMath xmlns:m="http://schemas.openxmlformats.org/officeDocument/2006/math">
+                      <m:sSub>
+                        <m:sSubPr>
+                          <m:ctrlPr>
+                            <a:rPr lang="es-ES" b="0" i="1" smtClean="0">
+                              <a:latin typeface="Cambria Math" panose="02040503050406030204" pitchFamily="18" charset="0"/>
+                            </a:rPr>
+                          </m:ctrlPr>
+                        </m:sSubPr>
+                        <m:e>
+                          <m:r>
+                            <a:rPr lang="es-ES" b="0" i="1" smtClean="0">
+                              <a:latin typeface="Cambria Math" panose="02040503050406030204" pitchFamily="18" charset="0"/>
+                            </a:rPr>
+                            <m:t>𝑥</m:t>
+                          </m:r>
+                        </m:e>
+                        <m:sub>
+                          <m:r>
+                            <a:rPr lang="es-ES" b="0" i="1" smtClean="0">
+                              <a:latin typeface="Cambria Math" panose="02040503050406030204" pitchFamily="18" charset="0"/>
+                            </a:rPr>
+                            <m:t>1</m:t>
+                          </m:r>
+                        </m:sub>
+                      </m:sSub>
+                    </m:oMath>
+                  </m:oMathPara>
+                </a14:m>
+                <a:endParaRPr lang="es-CO" dirty="0"/>
+              </a:p>
+            </p:txBody>
+          </p:sp>
+        </mc:Choice>
+        <mc:Fallback>
+          <p:sp>
+            <p:nvSpPr>
+              <p:cNvPr id="24" name="CuadroTexto 23">
+                <a:extLst>
+                  <a:ext uri="{FF2B5EF4-FFF2-40B4-BE49-F238E27FC236}">
+                    <a16:creationId xmlns:a16="http://schemas.microsoft.com/office/drawing/2014/main" id="{1904478D-C7C5-224F-BBDB-EC0065A6AE28}"/>
+                  </a:ext>
+                </a:extLst>
+              </p:cNvPr>
+              <p:cNvSpPr txBox="1">
+                <a:spLocks noRot="1" noChangeAspect="1" noMove="1" noResize="1" noEditPoints="1" noAdjustHandles="1" noChangeArrowheads="1" noChangeShapeType="1" noTextEdit="1"/>
+              </p:cNvSpPr>
+              <p:nvPr/>
+            </p:nvSpPr>
+            <p:spPr>
+              <a:xfrm>
+                <a:off x="6106635" y="4538178"/>
+                <a:ext cx="466089" cy="369332"/>
+              </a:xfrm>
+              <a:prstGeom prst="rect">
+                <a:avLst/>
+              </a:prstGeom>
+              <a:blipFill>
+                <a:blip r:embed="rId3"/>
+                <a:stretch>
+                  <a:fillRect/>
+                </a:stretch>
+              </a:blipFill>
+            </p:spPr>
+            <p:txBody>
+              <a:bodyPr/>
+              <a:lstStyle/>
+              <a:p>
+                <a:r>
+                  <a:rPr lang="es-CO">
+                    <a:noFill/>
+                  </a:rPr>
+                  <a:t> </a:t>
+                </a:r>
+              </a:p>
+            </p:txBody>
+          </p:sp>
+        </mc:Fallback>
+      </mc:AlternateContent>
+      <mc:AlternateContent xmlns:mc="http://schemas.openxmlformats.org/markup-compatibility/2006">
+        <mc:Choice xmlns:a14="http://schemas.microsoft.com/office/drawing/2010/main" Requires="a14">
+          <p:sp>
+            <p:nvSpPr>
+              <p:cNvPr id="25" name="CuadroTexto 24">
+                <a:extLst>
+                  <a:ext uri="{FF2B5EF4-FFF2-40B4-BE49-F238E27FC236}">
+                    <a16:creationId xmlns:a16="http://schemas.microsoft.com/office/drawing/2014/main" id="{835685C9-FB1F-B94E-A971-872CFEC60779}"/>
+                  </a:ext>
+                </a:extLst>
+              </p:cNvPr>
+              <p:cNvSpPr txBox="1"/>
+              <p:nvPr/>
+            </p:nvSpPr>
+            <p:spPr>
+              <a:xfrm>
+                <a:off x="5640546" y="4548673"/>
+                <a:ext cx="466089" cy="369332"/>
+              </a:xfrm>
+              <a:prstGeom prst="rect">
+                <a:avLst/>
+              </a:prstGeom>
+              <a:noFill/>
+            </p:spPr>
+            <p:txBody>
+              <a:bodyPr wrap="none" rtlCol="0">
+                <a:spAutoFit/>
+              </a:bodyPr>
+              <a:lstStyle/>
+              <a:p>
+                <a14:m>
+                  <m:oMathPara xmlns:m="http://schemas.openxmlformats.org/officeDocument/2006/math">
+                    <m:oMathParaPr>
+                      <m:jc m:val="centerGroup"/>
+                    </m:oMathParaPr>
+                    <m:oMath xmlns:m="http://schemas.openxmlformats.org/officeDocument/2006/math">
+                      <m:sSub>
+                        <m:sSubPr>
+                          <m:ctrlPr>
+                            <a:rPr lang="es-ES" b="0" i="1" smtClean="0">
+                              <a:latin typeface="Cambria Math" panose="02040503050406030204" pitchFamily="18" charset="0"/>
+                            </a:rPr>
+                          </m:ctrlPr>
+                        </m:sSubPr>
+                        <m:e>
+                          <m:r>
+                            <a:rPr lang="es-ES" b="0" i="1" smtClean="0">
+                              <a:latin typeface="Cambria Math" panose="02040503050406030204" pitchFamily="18" charset="0"/>
+                            </a:rPr>
+                            <m:t>𝑥</m:t>
+                          </m:r>
+                        </m:e>
+                        <m:sub>
+                          <m:r>
+                            <a:rPr lang="es-ES" b="0" i="1" smtClean="0">
+                              <a:latin typeface="Cambria Math" panose="02040503050406030204" pitchFamily="18" charset="0"/>
+                            </a:rPr>
+                            <m:t>2</m:t>
+                          </m:r>
+                        </m:sub>
+                      </m:sSub>
+                    </m:oMath>
+                  </m:oMathPara>
+                </a14:m>
+                <a:endParaRPr lang="es-CO" dirty="0"/>
+              </a:p>
+            </p:txBody>
+          </p:sp>
+        </mc:Choice>
+        <mc:Fallback>
+          <p:sp>
+            <p:nvSpPr>
+              <p:cNvPr id="25" name="CuadroTexto 24">
+                <a:extLst>
+                  <a:ext uri="{FF2B5EF4-FFF2-40B4-BE49-F238E27FC236}">
+                    <a16:creationId xmlns:a16="http://schemas.microsoft.com/office/drawing/2014/main" id="{835685C9-FB1F-B94E-A971-872CFEC60779}"/>
+                  </a:ext>
+                </a:extLst>
+              </p:cNvPr>
+              <p:cNvSpPr txBox="1">
+                <a:spLocks noRot="1" noChangeAspect="1" noMove="1" noResize="1" noEditPoints="1" noAdjustHandles="1" noChangeArrowheads="1" noChangeShapeType="1" noTextEdit="1"/>
+              </p:cNvSpPr>
+              <p:nvPr/>
+            </p:nvSpPr>
+            <p:spPr>
+              <a:xfrm>
+                <a:off x="5640546" y="4548673"/>
+                <a:ext cx="466089" cy="369332"/>
+              </a:xfrm>
+              <a:prstGeom prst="rect">
+                <a:avLst/>
+              </a:prstGeom>
+              <a:blipFill>
+                <a:blip r:embed="rId4"/>
+                <a:stretch>
+                  <a:fillRect/>
+                </a:stretch>
+              </a:blipFill>
+            </p:spPr>
+            <p:txBody>
+              <a:bodyPr/>
+              <a:lstStyle/>
+              <a:p>
+                <a:r>
+                  <a:rPr lang="es-CO">
+                    <a:noFill/>
+                  </a:rPr>
+                  <a:t> </a:t>
+                </a:r>
+              </a:p>
+            </p:txBody>
+          </p:sp>
+        </mc:Fallback>
+      </mc:AlternateContent>
+      <mc:AlternateContent xmlns:mc="http://schemas.openxmlformats.org/markup-compatibility/2006">
+        <mc:Choice xmlns:a14="http://schemas.microsoft.com/office/drawing/2010/main" Requires="a14">
+          <p:sp>
+            <p:nvSpPr>
+              <p:cNvPr id="26" name="CuadroTexto 25">
+                <a:extLst>
+                  <a:ext uri="{FF2B5EF4-FFF2-40B4-BE49-F238E27FC236}">
+                    <a16:creationId xmlns:a16="http://schemas.microsoft.com/office/drawing/2014/main" id="{A0969E92-3BBD-124D-99C3-315ACCD9964C}"/>
+                  </a:ext>
+                </a:extLst>
+              </p:cNvPr>
+              <p:cNvSpPr txBox="1"/>
+              <p:nvPr/>
+            </p:nvSpPr>
+            <p:spPr>
+              <a:xfrm>
+                <a:off x="5040789" y="4537787"/>
+                <a:ext cx="466089" cy="369332"/>
+              </a:xfrm>
+              <a:prstGeom prst="rect">
+                <a:avLst/>
+              </a:prstGeom>
+              <a:noFill/>
+            </p:spPr>
+            <p:txBody>
+              <a:bodyPr wrap="none" rtlCol="0">
+                <a:spAutoFit/>
+              </a:bodyPr>
+              <a:lstStyle/>
+              <a:p>
+                <a14:m>
+                  <m:oMathPara xmlns:m="http://schemas.openxmlformats.org/officeDocument/2006/math">
+                    <m:oMathParaPr>
+                      <m:jc m:val="centerGroup"/>
+                    </m:oMathParaPr>
+                    <m:oMath xmlns:m="http://schemas.openxmlformats.org/officeDocument/2006/math">
+                      <m:sSub>
+                        <m:sSubPr>
+                          <m:ctrlPr>
+                            <a:rPr lang="es-ES" b="0" i="1" smtClean="0">
+                              <a:latin typeface="Cambria Math" panose="02040503050406030204" pitchFamily="18" charset="0"/>
+                            </a:rPr>
+                          </m:ctrlPr>
+                        </m:sSubPr>
+                        <m:e>
+                          <m:r>
+                            <a:rPr lang="es-ES" b="0" i="1" smtClean="0">
+                              <a:latin typeface="Cambria Math" panose="02040503050406030204" pitchFamily="18" charset="0"/>
+                            </a:rPr>
+                            <m:t>𝑥</m:t>
+                          </m:r>
+                        </m:e>
+                        <m:sub>
+                          <m:r>
+                            <a:rPr lang="es-ES" b="0" i="1" smtClean="0">
+                              <a:latin typeface="Cambria Math" panose="02040503050406030204" pitchFamily="18" charset="0"/>
+                            </a:rPr>
+                            <m:t>3</m:t>
+                          </m:r>
+                        </m:sub>
+                      </m:sSub>
+                    </m:oMath>
+                  </m:oMathPara>
+                </a14:m>
+                <a:endParaRPr lang="es-CO" dirty="0"/>
+              </a:p>
+            </p:txBody>
+          </p:sp>
+        </mc:Choice>
+        <mc:Fallback>
+          <p:sp>
+            <p:nvSpPr>
+              <p:cNvPr id="26" name="CuadroTexto 25">
+                <a:extLst>
+                  <a:ext uri="{FF2B5EF4-FFF2-40B4-BE49-F238E27FC236}">
+                    <a16:creationId xmlns:a16="http://schemas.microsoft.com/office/drawing/2014/main" id="{A0969E92-3BBD-124D-99C3-315ACCD9964C}"/>
+                  </a:ext>
+                </a:extLst>
+              </p:cNvPr>
+              <p:cNvSpPr txBox="1">
+                <a:spLocks noRot="1" noChangeAspect="1" noMove="1" noResize="1" noEditPoints="1" noAdjustHandles="1" noChangeArrowheads="1" noChangeShapeType="1" noTextEdit="1"/>
+              </p:cNvSpPr>
+              <p:nvPr/>
+            </p:nvSpPr>
+            <p:spPr>
+              <a:xfrm>
+                <a:off x="5040789" y="4537787"/>
+                <a:ext cx="466089" cy="369332"/>
+              </a:xfrm>
+              <a:prstGeom prst="rect">
+                <a:avLst/>
+              </a:prstGeom>
+              <a:blipFill>
+                <a:blip r:embed="rId5"/>
+                <a:stretch>
+                  <a:fillRect/>
+                </a:stretch>
+              </a:blipFill>
+            </p:spPr>
+            <p:txBody>
+              <a:bodyPr/>
+              <a:lstStyle/>
+              <a:p>
+                <a:r>
+                  <a:rPr lang="es-CO">
+                    <a:noFill/>
+                  </a:rPr>
+                  <a:t> </a:t>
+                </a:r>
+              </a:p>
+            </p:txBody>
+          </p:sp>
+        </mc:Fallback>
+      </mc:AlternateContent>
+    </p:spTree>
+    <p:extLst>
+      <p:ext uri="{BB962C8B-B14F-4D97-AF65-F5344CB8AC3E}">
+        <p14:creationId xmlns:p14="http://schemas.microsoft.com/office/powerpoint/2010/main" val="2052622510"/>
+      </p:ext>
+    </p:extLst>
+  </p:cSld>
+  <p:clrMapOvr>
+    <a:masterClrMapping/>
+  </p:clrMapOvr>
+</p:sld>
+</file>
+
 <file path=ppt/theme/theme1.xml><?xml version="1.0" encoding="utf-8"?>
 <a:theme xmlns:a="http://schemas.openxmlformats.org/drawingml/2006/main" name="Tema de Office">
   <a:themeElements>
